--- a/Backups/Presentation_Samuele_Ceol.pptx
+++ b/Backups/Presentation_Samuele_Ceol.pptx
@@ -5,7 +5,7 @@
     <p:sldMasterId id="2147483648" r:id="rId1"/>
   </p:sldMasterIdLst>
   <p:notesMasterIdLst>
-    <p:notesMasterId r:id="rId21"/>
+    <p:notesMasterId r:id="rId27"/>
   </p:notesMasterIdLst>
   <p:sldIdLst>
     <p:sldId id="256" r:id="rId2"/>
@@ -17,16 +17,22 @@
     <p:sldId id="259" r:id="rId8"/>
     <p:sldId id="273" r:id="rId9"/>
     <p:sldId id="260" r:id="rId10"/>
-    <p:sldId id="261" r:id="rId11"/>
-    <p:sldId id="262" r:id="rId12"/>
-    <p:sldId id="264" r:id="rId13"/>
-    <p:sldId id="265" r:id="rId14"/>
-    <p:sldId id="266" r:id="rId15"/>
-    <p:sldId id="267" r:id="rId16"/>
-    <p:sldId id="268" r:id="rId17"/>
-    <p:sldId id="269" r:id="rId18"/>
-    <p:sldId id="270" r:id="rId19"/>
-    <p:sldId id="272" r:id="rId20"/>
+    <p:sldId id="278" r:id="rId11"/>
+    <p:sldId id="279" r:id="rId12"/>
+    <p:sldId id="261" r:id="rId13"/>
+    <p:sldId id="262" r:id="rId14"/>
+    <p:sldId id="264" r:id="rId15"/>
+    <p:sldId id="265" r:id="rId16"/>
+    <p:sldId id="266" r:id="rId17"/>
+    <p:sldId id="267" r:id="rId18"/>
+    <p:sldId id="268" r:id="rId19"/>
+    <p:sldId id="269" r:id="rId20"/>
+    <p:sldId id="270" r:id="rId21"/>
+    <p:sldId id="281" r:id="rId22"/>
+    <p:sldId id="282" r:id="rId23"/>
+    <p:sldId id="272" r:id="rId24"/>
+    <p:sldId id="283" r:id="rId25"/>
+    <p:sldId id="280" r:id="rId26"/>
   </p:sldIdLst>
   <p:sldSz cx="12192000" cy="6858000"/>
   <p:notesSz cx="6858000" cy="9144000"/>
@@ -133,6 +139,38 @@
 </p:presentation>
 </file>
 
+<file path=ppt/authors.xml><?xml version="1.0" encoding="utf-8"?>
+<p188:authorLst xmlns:a="http://schemas.openxmlformats.org/drawingml/2006/main" xmlns:r="http://schemas.openxmlformats.org/officeDocument/2006/relationships" xmlns:p188="http://schemas.microsoft.com/office/powerpoint/2018/8/main">
+  <p188:author id="{39AAD892-F777-3397-2672-B0B921717B4E}" name="Ceol Samuele (Student Com21)" initials="CS(C" userId="S::samceol@unibz.it::e1788db1-afc8-45ab-8b81-e2717f168101" providerId="AD"/>
+</p188:authorLst>
+</file>
+
+<file path=ppt/comments/modernComment_106_37DB2683.xml><?xml version="1.0" encoding="utf-8"?>
+<p188:cmLst xmlns:a="http://schemas.openxmlformats.org/drawingml/2006/main" xmlns:r="http://schemas.openxmlformats.org/officeDocument/2006/relationships" xmlns:p188="http://schemas.microsoft.com/office/powerpoint/2018/8/main">
+  <p188:cm id="{593A1960-B9C9-6E42-BF69-A124C34D22F8}" authorId="{39AAD892-F777-3397-2672-B0B921717B4E}" created="2023-07-08T17:58:19.805">
+    <ac:txMkLst xmlns:ac="http://schemas.microsoft.com/office/drawing/2013/main/command">
+      <pc:docMk xmlns:pc="http://schemas.microsoft.com/office/powerpoint/2013/main/command"/>
+      <pc:sldMk xmlns:pc="http://schemas.microsoft.com/office/powerpoint/2013/main/command" cId="937109123" sldId="262"/>
+      <ac:spMk id="3" creationId="{15BB9E1A-FD1D-4D3F-1D85-609848BB83C3}"/>
+      <ac:txMk cp="149" len="65">
+        <ac:context len="575" hash="1404155858"/>
+      </ac:txMk>
+    </ac:txMkLst>
+    <p188:pos x="7144266" y="1448362"/>
+    <p188:txBody>
+      <a:bodyPr/>
+      <a:lstStyle/>
+      <a:p>
+        <a:r>
+          <a:rPr lang="en-IT"/>
+          <a:t>Maybe change this sentence?</a:t>
+        </a:r>
+      </a:p>
+    </p188:txBody>
+  </p188:cm>
+</p188:cmLst>
+</file>
+
 <file path=ppt/notesMasters/notesMaster1.xml><?xml version="1.0" encoding="utf-8"?>
 <p:notesMaster xmlns:a="http://schemas.openxmlformats.org/drawingml/2006/main" xmlns:r="http://schemas.openxmlformats.org/officeDocument/2006/relationships" xmlns:p="http://schemas.openxmlformats.org/presentationml/2006/main">
   <p:cSld>
@@ -215,7 +253,7 @@
           <a:p>
             <a:fld id="{7B1F8186-417C-394E-B362-25C068EF17CA}" type="datetimeFigureOut">
               <a:rPr lang="en-IT" smtClean="0"/>
-              <a:t>05/07/23</a:t>
+              <a:t>08/07/23</a:t>
             </a:fld>
             <a:endParaRPr lang="en-IT"/>
           </a:p>
@@ -567,6 +605,90 @@
 </p:notes>
 </file>
 
+<file path=ppt/notesSlides/notesSlide10.xml><?xml version="1.0" encoding="utf-8"?>
+<p:notes xmlns:a="http://schemas.openxmlformats.org/drawingml/2006/main" xmlns:r="http://schemas.openxmlformats.org/officeDocument/2006/relationships" xmlns:p="http://schemas.openxmlformats.org/presentationml/2006/main">
+  <p:cSld>
+    <p:spTree>
+      <p:nvGrpSpPr>
+        <p:cNvPr id="1" name=""/>
+        <p:cNvGrpSpPr/>
+        <p:nvPr/>
+      </p:nvGrpSpPr>
+      <p:grpSpPr>
+        <a:xfrm>
+          <a:off x="0" y="0"/>
+          <a:ext cx="0" cy="0"/>
+          <a:chOff x="0" y="0"/>
+          <a:chExt cx="0" cy="0"/>
+        </a:xfrm>
+      </p:grpSpPr>
+      <p:sp>
+        <p:nvSpPr>
+          <p:cNvPr id="2" name="Slide Image Placeholder 1"/>
+          <p:cNvSpPr>
+            <a:spLocks noGrp="1" noRot="1" noChangeAspect="1"/>
+          </p:cNvSpPr>
+          <p:nvPr>
+            <p:ph type="sldImg"/>
+          </p:nvPr>
+        </p:nvSpPr>
+        <p:spPr/>
+      </p:sp>
+      <p:sp>
+        <p:nvSpPr>
+          <p:cNvPr id="3" name="Notes Placeholder 2"/>
+          <p:cNvSpPr>
+            <a:spLocks noGrp="1"/>
+          </p:cNvSpPr>
+          <p:nvPr>
+            <p:ph type="body" idx="1"/>
+          </p:nvPr>
+        </p:nvSpPr>
+        <p:spPr/>
+        <p:txBody>
+          <a:bodyPr/>
+          <a:lstStyle/>
+          <a:p>
+            <a:endParaRPr lang="en-IT" dirty="0"/>
+          </a:p>
+        </p:txBody>
+      </p:sp>
+      <p:sp>
+        <p:nvSpPr>
+          <p:cNvPr id="4" name="Slide Number Placeholder 3"/>
+          <p:cNvSpPr>
+            <a:spLocks noGrp="1"/>
+          </p:cNvSpPr>
+          <p:nvPr>
+            <p:ph type="sldNum" sz="quarter" idx="5"/>
+          </p:nvPr>
+        </p:nvSpPr>
+        <p:spPr/>
+        <p:txBody>
+          <a:bodyPr/>
+          <a:lstStyle/>
+          <a:p>
+            <a:fld id="{92975C29-9E21-0B4B-8D53-E8F0373BC4A2}" type="slidenum">
+              <a:rPr lang="en-IT" smtClean="0"/>
+              <a:t>11</a:t>
+            </a:fld>
+            <a:endParaRPr lang="en-IT"/>
+          </a:p>
+        </p:txBody>
+      </p:sp>
+    </p:spTree>
+    <p:extLst>
+      <p:ext uri="{BB962C8B-B14F-4D97-AF65-F5344CB8AC3E}">
+        <p14:creationId xmlns:p14="http://schemas.microsoft.com/office/powerpoint/2010/main" val="2385031796"/>
+      </p:ext>
+    </p:extLst>
+  </p:cSld>
+  <p:clrMapOvr>
+    <a:masterClrMapping/>
+  </p:clrMapOvr>
+</p:notes>
+</file>
+
 <file path=ppt/notesSlides/notesSlide2.xml><?xml version="1.0" encoding="utf-8"?>
 <p:notes xmlns:a="http://schemas.openxmlformats.org/drawingml/2006/main" xmlns:r="http://schemas.openxmlformats.org/officeDocument/2006/relationships" xmlns:p="http://schemas.openxmlformats.org/presentationml/2006/main">
   <p:cSld>
@@ -800,6 +922,177 @@
           <a:p>
             <a:fld id="{92975C29-9E21-0B4B-8D53-E8F0373BC4A2}" type="slidenum">
               <a:rPr lang="en-IT" smtClean="0"/>
+              <a:t>5</a:t>
+            </a:fld>
+            <a:endParaRPr lang="en-IT"/>
+          </a:p>
+        </p:txBody>
+      </p:sp>
+    </p:spTree>
+    <p:extLst>
+      <p:ext uri="{BB962C8B-B14F-4D97-AF65-F5344CB8AC3E}">
+        <p14:creationId xmlns:p14="http://schemas.microsoft.com/office/powerpoint/2010/main" val="945594452"/>
+      </p:ext>
+    </p:extLst>
+  </p:cSld>
+  <p:clrMapOvr>
+    <a:masterClrMapping/>
+  </p:clrMapOvr>
+</p:notes>
+</file>
+
+<file path=ppt/notesSlides/notesSlide5.xml><?xml version="1.0" encoding="utf-8"?>
+<p:notes xmlns:a="http://schemas.openxmlformats.org/drawingml/2006/main" xmlns:r="http://schemas.openxmlformats.org/officeDocument/2006/relationships" xmlns:p="http://schemas.openxmlformats.org/presentationml/2006/main">
+  <p:cSld>
+    <p:spTree>
+      <p:nvGrpSpPr>
+        <p:cNvPr id="1" name=""/>
+        <p:cNvGrpSpPr/>
+        <p:nvPr/>
+      </p:nvGrpSpPr>
+      <p:grpSpPr>
+        <a:xfrm>
+          <a:off x="0" y="0"/>
+          <a:ext cx="0" cy="0"/>
+          <a:chOff x="0" y="0"/>
+          <a:chExt cx="0" cy="0"/>
+        </a:xfrm>
+      </p:grpSpPr>
+      <p:sp>
+        <p:nvSpPr>
+          <p:cNvPr id="2" name="Slide Image Placeholder 1"/>
+          <p:cNvSpPr>
+            <a:spLocks noGrp="1" noRot="1" noChangeAspect="1"/>
+          </p:cNvSpPr>
+          <p:nvPr>
+            <p:ph type="sldImg"/>
+          </p:nvPr>
+        </p:nvSpPr>
+        <p:spPr/>
+      </p:sp>
+      <p:sp>
+        <p:nvSpPr>
+          <p:cNvPr id="3" name="Notes Placeholder 2"/>
+          <p:cNvSpPr>
+            <a:spLocks noGrp="1"/>
+          </p:cNvSpPr>
+          <p:nvPr>
+            <p:ph type="body" idx="1"/>
+          </p:nvPr>
+        </p:nvSpPr>
+        <p:spPr/>
+        <p:txBody>
+          <a:bodyPr/>
+          <a:lstStyle/>
+          <a:p>
+            <a:endParaRPr lang="en-IT" dirty="0"/>
+          </a:p>
+        </p:txBody>
+      </p:sp>
+      <p:sp>
+        <p:nvSpPr>
+          <p:cNvPr id="4" name="Slide Number Placeholder 3"/>
+          <p:cNvSpPr>
+            <a:spLocks noGrp="1"/>
+          </p:cNvSpPr>
+          <p:nvPr>
+            <p:ph type="sldNum" sz="quarter" idx="5"/>
+          </p:nvPr>
+        </p:nvSpPr>
+        <p:spPr/>
+        <p:txBody>
+          <a:bodyPr/>
+          <a:lstStyle/>
+          <a:p>
+            <a:fld id="{92975C29-9E21-0B4B-8D53-E8F0373BC4A2}" type="slidenum">
+              <a:rPr lang="en-IT" smtClean="0"/>
+              <a:t>6</a:t>
+            </a:fld>
+            <a:endParaRPr lang="en-IT"/>
+          </a:p>
+        </p:txBody>
+      </p:sp>
+    </p:spTree>
+    <p:extLst>
+      <p:ext uri="{BB962C8B-B14F-4D97-AF65-F5344CB8AC3E}">
+        <p14:creationId xmlns:p14="http://schemas.microsoft.com/office/powerpoint/2010/main" val="1644324448"/>
+      </p:ext>
+    </p:extLst>
+  </p:cSld>
+  <p:clrMapOvr>
+    <a:masterClrMapping/>
+  </p:clrMapOvr>
+</p:notes>
+</file>
+
+<file path=ppt/notesSlides/notesSlide6.xml><?xml version="1.0" encoding="utf-8"?>
+<p:notes xmlns:a="http://schemas.openxmlformats.org/drawingml/2006/main" xmlns:r="http://schemas.openxmlformats.org/officeDocument/2006/relationships" xmlns:p="http://schemas.openxmlformats.org/presentationml/2006/main">
+  <p:cSld>
+    <p:spTree>
+      <p:nvGrpSpPr>
+        <p:cNvPr id="1" name=""/>
+        <p:cNvGrpSpPr/>
+        <p:nvPr/>
+      </p:nvGrpSpPr>
+      <p:grpSpPr>
+        <a:xfrm>
+          <a:off x="0" y="0"/>
+          <a:ext cx="0" cy="0"/>
+          <a:chOff x="0" y="0"/>
+          <a:chExt cx="0" cy="0"/>
+        </a:xfrm>
+      </p:grpSpPr>
+      <p:sp>
+        <p:nvSpPr>
+          <p:cNvPr id="2" name="Slide Image Placeholder 1"/>
+          <p:cNvSpPr>
+            <a:spLocks noGrp="1" noRot="1" noChangeAspect="1"/>
+          </p:cNvSpPr>
+          <p:nvPr>
+            <p:ph type="sldImg"/>
+          </p:nvPr>
+        </p:nvSpPr>
+        <p:spPr/>
+      </p:sp>
+      <p:sp>
+        <p:nvSpPr>
+          <p:cNvPr id="3" name="Notes Placeholder 2"/>
+          <p:cNvSpPr>
+            <a:spLocks noGrp="1"/>
+          </p:cNvSpPr>
+          <p:nvPr>
+            <p:ph type="body" idx="1"/>
+          </p:nvPr>
+        </p:nvSpPr>
+        <p:spPr/>
+        <p:txBody>
+          <a:bodyPr/>
+          <a:lstStyle/>
+          <a:p>
+            <a:r>
+              <a:rPr lang="en-IT" dirty="0"/>
+              <a:t>Mention why the query is split in two parts</a:t>
+            </a:r>
+          </a:p>
+        </p:txBody>
+      </p:sp>
+      <p:sp>
+        <p:nvSpPr>
+          <p:cNvPr id="4" name="Slide Number Placeholder 3"/>
+          <p:cNvSpPr>
+            <a:spLocks noGrp="1"/>
+          </p:cNvSpPr>
+          <p:nvPr>
+            <p:ph type="sldNum" sz="quarter" idx="5"/>
+          </p:nvPr>
+        </p:nvSpPr>
+        <p:spPr/>
+        <p:txBody>
+          <a:bodyPr/>
+          <a:lstStyle/>
+          <a:p>
+            <a:fld id="{92975C29-9E21-0B4B-8D53-E8F0373BC4A2}" type="slidenum">
+              <a:rPr lang="en-IT" smtClean="0"/>
               <a:t>7</a:t>
             </a:fld>
             <a:endParaRPr lang="en-IT"/>
@@ -810,6 +1103,273 @@
     <p:extLst>
       <p:ext uri="{BB962C8B-B14F-4D97-AF65-F5344CB8AC3E}">
         <p14:creationId xmlns:p14="http://schemas.microsoft.com/office/powerpoint/2010/main" val="3119912413"/>
+      </p:ext>
+    </p:extLst>
+  </p:cSld>
+  <p:clrMapOvr>
+    <a:masterClrMapping/>
+  </p:clrMapOvr>
+</p:notes>
+</file>
+
+<file path=ppt/notesSlides/notesSlide7.xml><?xml version="1.0" encoding="utf-8"?>
+<p:notes xmlns:a="http://schemas.openxmlformats.org/drawingml/2006/main" xmlns:r="http://schemas.openxmlformats.org/officeDocument/2006/relationships" xmlns:p="http://schemas.openxmlformats.org/presentationml/2006/main">
+  <p:cSld>
+    <p:spTree>
+      <p:nvGrpSpPr>
+        <p:cNvPr id="1" name=""/>
+        <p:cNvGrpSpPr/>
+        <p:nvPr/>
+      </p:nvGrpSpPr>
+      <p:grpSpPr>
+        <a:xfrm>
+          <a:off x="0" y="0"/>
+          <a:ext cx="0" cy="0"/>
+          <a:chOff x="0" y="0"/>
+          <a:chExt cx="0" cy="0"/>
+        </a:xfrm>
+      </p:grpSpPr>
+      <p:sp>
+        <p:nvSpPr>
+          <p:cNvPr id="2" name="Slide Image Placeholder 1"/>
+          <p:cNvSpPr>
+            <a:spLocks noGrp="1" noRot="1" noChangeAspect="1"/>
+          </p:cNvSpPr>
+          <p:nvPr>
+            <p:ph type="sldImg"/>
+          </p:nvPr>
+        </p:nvSpPr>
+        <p:spPr/>
+      </p:sp>
+      <p:sp>
+        <p:nvSpPr>
+          <p:cNvPr id="3" name="Notes Placeholder 2"/>
+          <p:cNvSpPr>
+            <a:spLocks noGrp="1"/>
+          </p:cNvSpPr>
+          <p:nvPr>
+            <p:ph type="body" idx="1"/>
+          </p:nvPr>
+        </p:nvSpPr>
+        <p:spPr/>
+        <p:txBody>
+          <a:bodyPr/>
+          <a:lstStyle/>
+          <a:p>
+            <a:endParaRPr lang="en-IT" dirty="0"/>
+          </a:p>
+        </p:txBody>
+      </p:sp>
+      <p:sp>
+        <p:nvSpPr>
+          <p:cNvPr id="4" name="Slide Number Placeholder 3"/>
+          <p:cNvSpPr>
+            <a:spLocks noGrp="1"/>
+          </p:cNvSpPr>
+          <p:nvPr>
+            <p:ph type="sldNum" sz="quarter" idx="5"/>
+          </p:nvPr>
+        </p:nvSpPr>
+        <p:spPr/>
+        <p:txBody>
+          <a:bodyPr/>
+          <a:lstStyle/>
+          <a:p>
+            <a:fld id="{92975C29-9E21-0B4B-8D53-E8F0373BC4A2}" type="slidenum">
+              <a:rPr lang="en-IT" smtClean="0"/>
+              <a:t>8</a:t>
+            </a:fld>
+            <a:endParaRPr lang="en-IT"/>
+          </a:p>
+        </p:txBody>
+      </p:sp>
+    </p:spTree>
+    <p:extLst>
+      <p:ext uri="{BB962C8B-B14F-4D97-AF65-F5344CB8AC3E}">
+        <p14:creationId xmlns:p14="http://schemas.microsoft.com/office/powerpoint/2010/main" val="2447817424"/>
+      </p:ext>
+    </p:extLst>
+  </p:cSld>
+  <p:clrMapOvr>
+    <a:masterClrMapping/>
+  </p:clrMapOvr>
+</p:notes>
+</file>
+
+<file path=ppt/notesSlides/notesSlide8.xml><?xml version="1.0" encoding="utf-8"?>
+<p:notes xmlns:a="http://schemas.openxmlformats.org/drawingml/2006/main" xmlns:r="http://schemas.openxmlformats.org/officeDocument/2006/relationships" xmlns:p="http://schemas.openxmlformats.org/presentationml/2006/main">
+  <p:cSld>
+    <p:spTree>
+      <p:nvGrpSpPr>
+        <p:cNvPr id="1" name=""/>
+        <p:cNvGrpSpPr/>
+        <p:nvPr/>
+      </p:nvGrpSpPr>
+      <p:grpSpPr>
+        <a:xfrm>
+          <a:off x="0" y="0"/>
+          <a:ext cx="0" cy="0"/>
+          <a:chOff x="0" y="0"/>
+          <a:chExt cx="0" cy="0"/>
+        </a:xfrm>
+      </p:grpSpPr>
+      <p:sp>
+        <p:nvSpPr>
+          <p:cNvPr id="2" name="Slide Image Placeholder 1"/>
+          <p:cNvSpPr>
+            <a:spLocks noGrp="1" noRot="1" noChangeAspect="1"/>
+          </p:cNvSpPr>
+          <p:nvPr>
+            <p:ph type="sldImg"/>
+          </p:nvPr>
+        </p:nvSpPr>
+        <p:spPr/>
+      </p:sp>
+      <p:sp>
+        <p:nvSpPr>
+          <p:cNvPr id="3" name="Notes Placeholder 2"/>
+          <p:cNvSpPr>
+            <a:spLocks noGrp="1"/>
+          </p:cNvSpPr>
+          <p:nvPr>
+            <p:ph type="body" idx="1"/>
+          </p:nvPr>
+        </p:nvSpPr>
+        <p:spPr/>
+        <p:txBody>
+          <a:bodyPr/>
+          <a:lstStyle/>
+          <a:p>
+            <a:endParaRPr lang="en-IT" dirty="0"/>
+          </a:p>
+        </p:txBody>
+      </p:sp>
+      <p:sp>
+        <p:nvSpPr>
+          <p:cNvPr id="4" name="Slide Number Placeholder 3"/>
+          <p:cNvSpPr>
+            <a:spLocks noGrp="1"/>
+          </p:cNvSpPr>
+          <p:nvPr>
+            <p:ph type="sldNum" sz="quarter" idx="5"/>
+          </p:nvPr>
+        </p:nvSpPr>
+        <p:spPr/>
+        <p:txBody>
+          <a:bodyPr/>
+          <a:lstStyle/>
+          <a:p>
+            <a:fld id="{92975C29-9E21-0B4B-8D53-E8F0373BC4A2}" type="slidenum">
+              <a:rPr lang="en-IT" smtClean="0"/>
+              <a:t>9</a:t>
+            </a:fld>
+            <a:endParaRPr lang="en-IT"/>
+          </a:p>
+        </p:txBody>
+      </p:sp>
+    </p:spTree>
+    <p:extLst>
+      <p:ext uri="{BB962C8B-B14F-4D97-AF65-F5344CB8AC3E}">
+        <p14:creationId xmlns:p14="http://schemas.microsoft.com/office/powerpoint/2010/main" val="1306194675"/>
+      </p:ext>
+    </p:extLst>
+  </p:cSld>
+  <p:clrMapOvr>
+    <a:masterClrMapping/>
+  </p:clrMapOvr>
+</p:notes>
+</file>
+
+<file path=ppt/notesSlides/notesSlide9.xml><?xml version="1.0" encoding="utf-8"?>
+<p:notes xmlns:a="http://schemas.openxmlformats.org/drawingml/2006/main" xmlns:r="http://schemas.openxmlformats.org/officeDocument/2006/relationships" xmlns:p="http://schemas.openxmlformats.org/presentationml/2006/main">
+  <p:cSld>
+    <p:spTree>
+      <p:nvGrpSpPr>
+        <p:cNvPr id="1" name=""/>
+        <p:cNvGrpSpPr/>
+        <p:nvPr/>
+      </p:nvGrpSpPr>
+      <p:grpSpPr>
+        <a:xfrm>
+          <a:off x="0" y="0"/>
+          <a:ext cx="0" cy="0"/>
+          <a:chOff x="0" y="0"/>
+          <a:chExt cx="0" cy="0"/>
+        </a:xfrm>
+      </p:grpSpPr>
+      <p:sp>
+        <p:nvSpPr>
+          <p:cNvPr id="2" name="Slide Image Placeholder 1"/>
+          <p:cNvSpPr>
+            <a:spLocks noGrp="1" noRot="1" noChangeAspect="1"/>
+          </p:cNvSpPr>
+          <p:nvPr>
+            <p:ph type="sldImg"/>
+          </p:nvPr>
+        </p:nvSpPr>
+        <p:spPr/>
+      </p:sp>
+      <p:sp>
+        <p:nvSpPr>
+          <p:cNvPr id="3" name="Notes Placeholder 2"/>
+          <p:cNvSpPr>
+            <a:spLocks noGrp="1"/>
+          </p:cNvSpPr>
+          <p:nvPr>
+            <p:ph type="body" idx="1"/>
+          </p:nvPr>
+        </p:nvSpPr>
+        <p:spPr/>
+        <p:txBody>
+          <a:bodyPr/>
+          <a:lstStyle/>
+          <a:p>
+            <a:r>
+              <a:rPr lang="en-IT" dirty="0"/>
+              <a:t>19 journals (and 24 studies)</a:t>
+            </a:r>
+          </a:p>
+          <a:p>
+            <a:r>
+              <a:rPr lang="en-IT" dirty="0"/>
+              <a:t>+1 additional journal (2 studies)</a:t>
+            </a:r>
+          </a:p>
+          <a:p>
+            <a:r>
+              <a:rPr lang="en-IT" dirty="0"/>
+              <a:t>4 conferences (4 studies)</a:t>
+            </a:r>
+          </a:p>
+        </p:txBody>
+      </p:sp>
+      <p:sp>
+        <p:nvSpPr>
+          <p:cNvPr id="4" name="Slide Number Placeholder 3"/>
+          <p:cNvSpPr>
+            <a:spLocks noGrp="1"/>
+          </p:cNvSpPr>
+          <p:nvPr>
+            <p:ph type="sldNum" sz="quarter" idx="5"/>
+          </p:nvPr>
+        </p:nvSpPr>
+        <p:spPr/>
+        <p:txBody>
+          <a:bodyPr/>
+          <a:lstStyle/>
+          <a:p>
+            <a:fld id="{92975C29-9E21-0B4B-8D53-E8F0373BC4A2}" type="slidenum">
+              <a:rPr lang="en-IT" smtClean="0"/>
+              <a:t>10</a:t>
+            </a:fld>
+            <a:endParaRPr lang="en-IT"/>
+          </a:p>
+        </p:txBody>
+      </p:sp>
+    </p:spTree>
+    <p:extLst>
+      <p:ext uri="{BB962C8B-B14F-4D97-AF65-F5344CB8AC3E}">
+        <p14:creationId xmlns:p14="http://schemas.microsoft.com/office/powerpoint/2010/main" val="2629797200"/>
       </p:ext>
     </p:extLst>
   </p:cSld>
@@ -968,7 +1528,7 @@
           <a:p>
             <a:fld id="{C878137E-043B-8A47-B1F2-92A841EF4C59}" type="datetimeFigureOut">
               <a:rPr lang="en-IT" smtClean="0"/>
-              <a:t>05/07/23</a:t>
+              <a:t>08/07/23</a:t>
             </a:fld>
             <a:endParaRPr lang="en-IT"/>
           </a:p>
@@ -1168,7 +1728,7 @@
           <a:p>
             <a:fld id="{C878137E-043B-8A47-B1F2-92A841EF4C59}" type="datetimeFigureOut">
               <a:rPr lang="en-IT" smtClean="0"/>
-              <a:t>05/07/23</a:t>
+              <a:t>08/07/23</a:t>
             </a:fld>
             <a:endParaRPr lang="en-IT"/>
           </a:p>
@@ -1378,7 +1938,7 @@
           <a:p>
             <a:fld id="{C878137E-043B-8A47-B1F2-92A841EF4C59}" type="datetimeFigureOut">
               <a:rPr lang="en-IT" smtClean="0"/>
-              <a:t>05/07/23</a:t>
+              <a:t>08/07/23</a:t>
             </a:fld>
             <a:endParaRPr lang="en-IT"/>
           </a:p>
@@ -1578,7 +2138,7 @@
           <a:p>
             <a:fld id="{C878137E-043B-8A47-B1F2-92A841EF4C59}" type="datetimeFigureOut">
               <a:rPr lang="en-IT" smtClean="0"/>
-              <a:t>05/07/23</a:t>
+              <a:t>08/07/23</a:t>
             </a:fld>
             <a:endParaRPr lang="en-IT"/>
           </a:p>
@@ -1854,7 +2414,7 @@
           <a:p>
             <a:fld id="{C878137E-043B-8A47-B1F2-92A841EF4C59}" type="datetimeFigureOut">
               <a:rPr lang="en-IT" smtClean="0"/>
-              <a:t>05/07/23</a:t>
+              <a:t>08/07/23</a:t>
             </a:fld>
             <a:endParaRPr lang="en-IT"/>
           </a:p>
@@ -2122,7 +2682,7 @@
           <a:p>
             <a:fld id="{C878137E-043B-8A47-B1F2-92A841EF4C59}" type="datetimeFigureOut">
               <a:rPr lang="en-IT" smtClean="0"/>
-              <a:t>05/07/23</a:t>
+              <a:t>08/07/23</a:t>
             </a:fld>
             <a:endParaRPr lang="en-IT"/>
           </a:p>
@@ -2537,7 +3097,7 @@
           <a:p>
             <a:fld id="{C878137E-043B-8A47-B1F2-92A841EF4C59}" type="datetimeFigureOut">
               <a:rPr lang="en-IT" smtClean="0"/>
-              <a:t>05/07/23</a:t>
+              <a:t>08/07/23</a:t>
             </a:fld>
             <a:endParaRPr lang="en-IT"/>
           </a:p>
@@ -2679,7 +3239,7 @@
           <a:p>
             <a:fld id="{C878137E-043B-8A47-B1F2-92A841EF4C59}" type="datetimeFigureOut">
               <a:rPr lang="en-IT" smtClean="0"/>
-              <a:t>05/07/23</a:t>
+              <a:t>08/07/23</a:t>
             </a:fld>
             <a:endParaRPr lang="en-IT"/>
           </a:p>
@@ -2792,7 +3352,7 @@
           <a:p>
             <a:fld id="{C878137E-043B-8A47-B1F2-92A841EF4C59}" type="datetimeFigureOut">
               <a:rPr lang="en-IT" smtClean="0"/>
-              <a:t>05/07/23</a:t>
+              <a:t>08/07/23</a:t>
             </a:fld>
             <a:endParaRPr lang="en-IT"/>
           </a:p>
@@ -3105,7 +3665,7 @@
           <a:p>
             <a:fld id="{C878137E-043B-8A47-B1F2-92A841EF4C59}" type="datetimeFigureOut">
               <a:rPr lang="en-IT" smtClean="0"/>
-              <a:t>05/07/23</a:t>
+              <a:t>08/07/23</a:t>
             </a:fld>
             <a:endParaRPr lang="en-IT"/>
           </a:p>
@@ -3394,7 +3954,7 @@
           <a:p>
             <a:fld id="{C878137E-043B-8A47-B1F2-92A841EF4C59}" type="datetimeFigureOut">
               <a:rPr lang="en-IT" smtClean="0"/>
-              <a:t>05/07/23</a:t>
+              <a:t>08/07/23</a:t>
             </a:fld>
             <a:endParaRPr lang="en-IT"/>
           </a:p>
@@ -3637,7 +4197,7 @@
           <a:p>
             <a:fld id="{C878137E-043B-8A47-B1F2-92A841EF4C59}" type="datetimeFigureOut">
               <a:rPr lang="en-IT" smtClean="0"/>
-              <a:t>05/07/23</a:t>
+              <a:t>08/07/23</a:t>
             </a:fld>
             <a:endParaRPr lang="en-IT"/>
           </a:p>
@@ -4075,8 +4635,8 @@
         </p:blipFill>
         <p:spPr>
           <a:xfrm>
-            <a:off x="1353127" y="811257"/>
-            <a:ext cx="4076997" cy="1396358"/>
+            <a:off x="1353127" y="992287"/>
+            <a:ext cx="3516585" cy="1204419"/>
           </a:xfrm>
           <a:prstGeom prst="rect">
             <a:avLst/>
@@ -4265,17 +4825,17 @@
               <a:rPr lang="en-IT" sz="3200" dirty="0">
                 <a:latin typeface="DINOT-Bold" panose="02000503030000020004" pitchFamily="2" charset="77"/>
               </a:rPr>
-              <a:t>Data items</a:t>
+              <a:t>Snowballing activities</a:t>
             </a:r>
           </a:p>
         </p:txBody>
       </p:sp>
       <p:pic>
         <p:nvPicPr>
-          <p:cNvPr id="5" name="Content Placeholder 4" descr="A picture containing text, screenshot, font, number&#10;&#10;Description automatically generated">
+          <p:cNvPr id="5" name="Content Placeholder 4" descr="A screen shot of a graph&#10;&#10;Description automatically generated with low confidence">
             <a:extLst>
               <a:ext uri="{FF2B5EF4-FFF2-40B4-BE49-F238E27FC236}">
-                <a16:creationId xmlns:a16="http://schemas.microsoft.com/office/drawing/2014/main" id="{16510A53-0075-F2C6-FBA2-5AAF28D7808B}"/>
+                <a16:creationId xmlns:a16="http://schemas.microsoft.com/office/drawing/2014/main" id="{1E6E52EA-87AC-910B-D822-152DED5957F6}"/>
               </a:ext>
             </a:extLst>
           </p:cNvPr>
@@ -4287,28 +4847,1052 @@
           </p:nvPr>
         </p:nvPicPr>
         <p:blipFill>
-          <a:blip r:embed="rId2"/>
+          <a:blip r:embed="rId3"/>
           <a:stretch>
             <a:fillRect/>
           </a:stretch>
         </p:blipFill>
         <p:spPr>
           <a:xfrm>
-            <a:off x="5197273" y="1432070"/>
-            <a:ext cx="6375804" cy="4748212"/>
+            <a:off x="7182628" y="1821531"/>
+            <a:ext cx="4844405" cy="5001427"/>
           </a:xfrm>
         </p:spPr>
       </p:pic>
+      <p:sp>
+        <p:nvSpPr>
+          <p:cNvPr id="3" name="Content Placeholder 2">
+            <a:extLst>
+              <a:ext uri="{FF2B5EF4-FFF2-40B4-BE49-F238E27FC236}">
+                <a16:creationId xmlns:a16="http://schemas.microsoft.com/office/drawing/2014/main" id="{55EBE615-F98E-4EC9-AFEF-A02E5B522335}"/>
+              </a:ext>
+            </a:extLst>
+          </p:cNvPr>
+          <p:cNvSpPr txBox="1">
+            <a:spLocks/>
+          </p:cNvSpPr>
+          <p:nvPr/>
+        </p:nvSpPr>
+        <p:spPr>
+          <a:xfrm>
+            <a:off x="838199" y="1690254"/>
+            <a:ext cx="10827327" cy="5132704"/>
+          </a:xfrm>
+          <a:prstGeom prst="rect">
+            <a:avLst/>
+          </a:prstGeom>
+        </p:spPr>
+        <p:txBody>
+          <a:bodyPr vert="horz" lIns="91440" tIns="45720" rIns="91440" bIns="45720" rtlCol="0">
+            <a:normAutofit/>
+          </a:bodyPr>
+          <a:lstStyle>
+            <a:lvl1pPr marL="228600" indent="-228600" algn="l" defTabSz="914400" rtl="0" eaLnBrk="1" latinLnBrk="0" hangingPunct="1">
+              <a:lnSpc>
+                <a:spcPct val="90000"/>
+              </a:lnSpc>
+              <a:spcBef>
+                <a:spcPts val="1000"/>
+              </a:spcBef>
+              <a:buFont typeface="Arial" panose="020B0604020202020204" pitchFamily="34" charset="0"/>
+              <a:buChar char="•"/>
+              <a:defRPr sz="2800" kern="1200">
+                <a:solidFill>
+                  <a:schemeClr val="tx1"/>
+                </a:solidFill>
+                <a:latin typeface="+mn-lt"/>
+                <a:ea typeface="+mn-ea"/>
+                <a:cs typeface="+mn-cs"/>
+              </a:defRPr>
+            </a:lvl1pPr>
+            <a:lvl2pPr marL="685800" indent="-228600" algn="l" defTabSz="914400" rtl="0" eaLnBrk="1" latinLnBrk="0" hangingPunct="1">
+              <a:lnSpc>
+                <a:spcPct val="90000"/>
+              </a:lnSpc>
+              <a:spcBef>
+                <a:spcPts val="500"/>
+              </a:spcBef>
+              <a:buFont typeface="Arial" panose="020B0604020202020204" pitchFamily="34" charset="0"/>
+              <a:buChar char="•"/>
+              <a:defRPr sz="2400" kern="1200">
+                <a:solidFill>
+                  <a:schemeClr val="tx1"/>
+                </a:solidFill>
+                <a:latin typeface="+mn-lt"/>
+                <a:ea typeface="+mn-ea"/>
+                <a:cs typeface="+mn-cs"/>
+              </a:defRPr>
+            </a:lvl2pPr>
+            <a:lvl3pPr marL="1143000" indent="-228600" algn="l" defTabSz="914400" rtl="0" eaLnBrk="1" latinLnBrk="0" hangingPunct="1">
+              <a:lnSpc>
+                <a:spcPct val="90000"/>
+              </a:lnSpc>
+              <a:spcBef>
+                <a:spcPts val="500"/>
+              </a:spcBef>
+              <a:buFont typeface="Arial" panose="020B0604020202020204" pitchFamily="34" charset="0"/>
+              <a:buChar char="•"/>
+              <a:defRPr sz="2000" kern="1200">
+                <a:solidFill>
+                  <a:schemeClr val="tx1"/>
+                </a:solidFill>
+                <a:latin typeface="+mn-lt"/>
+                <a:ea typeface="+mn-ea"/>
+                <a:cs typeface="+mn-cs"/>
+              </a:defRPr>
+            </a:lvl3pPr>
+            <a:lvl4pPr marL="1600200" indent="-228600" algn="l" defTabSz="914400" rtl="0" eaLnBrk="1" latinLnBrk="0" hangingPunct="1">
+              <a:lnSpc>
+                <a:spcPct val="90000"/>
+              </a:lnSpc>
+              <a:spcBef>
+                <a:spcPts val="500"/>
+              </a:spcBef>
+              <a:buFont typeface="Arial" panose="020B0604020202020204" pitchFamily="34" charset="0"/>
+              <a:buChar char="•"/>
+              <a:defRPr sz="1800" kern="1200">
+                <a:solidFill>
+                  <a:schemeClr val="tx1"/>
+                </a:solidFill>
+                <a:latin typeface="+mn-lt"/>
+                <a:ea typeface="+mn-ea"/>
+                <a:cs typeface="+mn-cs"/>
+              </a:defRPr>
+            </a:lvl4pPr>
+            <a:lvl5pPr marL="2057400" indent="-228600" algn="l" defTabSz="914400" rtl="0" eaLnBrk="1" latinLnBrk="0" hangingPunct="1">
+              <a:lnSpc>
+                <a:spcPct val="90000"/>
+              </a:lnSpc>
+              <a:spcBef>
+                <a:spcPts val="500"/>
+              </a:spcBef>
+              <a:buFont typeface="Arial" panose="020B0604020202020204" pitchFamily="34" charset="0"/>
+              <a:buChar char="•"/>
+              <a:defRPr sz="1800" kern="1200">
+                <a:solidFill>
+                  <a:schemeClr val="tx1"/>
+                </a:solidFill>
+                <a:latin typeface="+mn-lt"/>
+                <a:ea typeface="+mn-ea"/>
+                <a:cs typeface="+mn-cs"/>
+              </a:defRPr>
+            </a:lvl5pPr>
+            <a:lvl6pPr marL="2514600" indent="-228600" algn="l" defTabSz="914400" rtl="0" eaLnBrk="1" latinLnBrk="0" hangingPunct="1">
+              <a:lnSpc>
+                <a:spcPct val="90000"/>
+              </a:lnSpc>
+              <a:spcBef>
+                <a:spcPts val="500"/>
+              </a:spcBef>
+              <a:buFont typeface="Arial" panose="020B0604020202020204" pitchFamily="34" charset="0"/>
+              <a:buChar char="•"/>
+              <a:defRPr sz="1800" kern="1200">
+                <a:solidFill>
+                  <a:schemeClr val="tx1"/>
+                </a:solidFill>
+                <a:latin typeface="+mn-lt"/>
+                <a:ea typeface="+mn-ea"/>
+                <a:cs typeface="+mn-cs"/>
+              </a:defRPr>
+            </a:lvl6pPr>
+            <a:lvl7pPr marL="2971800" indent="-228600" algn="l" defTabSz="914400" rtl="0" eaLnBrk="1" latinLnBrk="0" hangingPunct="1">
+              <a:lnSpc>
+                <a:spcPct val="90000"/>
+              </a:lnSpc>
+              <a:spcBef>
+                <a:spcPts val="500"/>
+              </a:spcBef>
+              <a:buFont typeface="Arial" panose="020B0604020202020204" pitchFamily="34" charset="0"/>
+              <a:buChar char="•"/>
+              <a:defRPr sz="1800" kern="1200">
+                <a:solidFill>
+                  <a:schemeClr val="tx1"/>
+                </a:solidFill>
+                <a:latin typeface="+mn-lt"/>
+                <a:ea typeface="+mn-ea"/>
+                <a:cs typeface="+mn-cs"/>
+              </a:defRPr>
+            </a:lvl7pPr>
+            <a:lvl8pPr marL="3429000" indent="-228600" algn="l" defTabSz="914400" rtl="0" eaLnBrk="1" latinLnBrk="0" hangingPunct="1">
+              <a:lnSpc>
+                <a:spcPct val="90000"/>
+              </a:lnSpc>
+              <a:spcBef>
+                <a:spcPts val="500"/>
+              </a:spcBef>
+              <a:buFont typeface="Arial" panose="020B0604020202020204" pitchFamily="34" charset="0"/>
+              <a:buChar char="•"/>
+              <a:defRPr sz="1800" kern="1200">
+                <a:solidFill>
+                  <a:schemeClr val="tx1"/>
+                </a:solidFill>
+                <a:latin typeface="+mn-lt"/>
+                <a:ea typeface="+mn-ea"/>
+                <a:cs typeface="+mn-cs"/>
+              </a:defRPr>
+            </a:lvl8pPr>
+            <a:lvl9pPr marL="3886200" indent="-228600" algn="l" defTabSz="914400" rtl="0" eaLnBrk="1" latinLnBrk="0" hangingPunct="1">
+              <a:lnSpc>
+                <a:spcPct val="90000"/>
+              </a:lnSpc>
+              <a:spcBef>
+                <a:spcPts val="500"/>
+              </a:spcBef>
+              <a:buFont typeface="Arial" panose="020B0604020202020204" pitchFamily="34" charset="0"/>
+              <a:buChar char="•"/>
+              <a:defRPr sz="1800" kern="1200">
+                <a:solidFill>
+                  <a:schemeClr val="tx1"/>
+                </a:solidFill>
+                <a:latin typeface="+mn-lt"/>
+                <a:ea typeface="+mn-ea"/>
+                <a:cs typeface="+mn-cs"/>
+              </a:defRPr>
+            </a:lvl9pPr>
+          </a:lstStyle>
+          <a:p>
+            <a:pPr marL="0" indent="0">
+              <a:buFont typeface="Arial" panose="020B0604020202020204" pitchFamily="34" charset="0"/>
+              <a:buNone/>
+            </a:pPr>
+            <a:r>
+              <a:rPr lang="en-IT" sz="2000" dirty="0">
+                <a:latin typeface="DINOT-Bold" panose="02000503030000020004" pitchFamily="2" charset="77"/>
+              </a:rPr>
+              <a:t>Quality</a:t>
+            </a:r>
+            <a:r>
+              <a:rPr lang="en-IT" sz="2000" dirty="0">
+                <a:latin typeface="DINOT" panose="020B0504020101020102" pitchFamily="34" charset="77"/>
+              </a:rPr>
+              <a:t> of the snowballing studies needs to be taken into account</a:t>
+            </a:r>
+          </a:p>
+          <a:p>
+            <a:pPr marL="457200" indent="-457200">
+              <a:buFont typeface="Arial" panose="020B0604020202020204" pitchFamily="34" charset="0"/>
+              <a:buAutoNum type="arabicPeriod"/>
+            </a:pPr>
+            <a:r>
+              <a:rPr lang="en-IT" sz="2000" dirty="0">
+                <a:latin typeface="DINOT" panose="020B0504020101020102" pitchFamily="34" charset="77"/>
+              </a:rPr>
+              <a:t>For B.S., properties of the core collection </a:t>
+            </a:r>
+            <a:br>
+              <a:rPr lang="en-IT" sz="2000" dirty="0">
+                <a:latin typeface="DINOT" panose="020B0504020101020102" pitchFamily="34" charset="77"/>
+              </a:rPr>
+            </a:br>
+            <a:r>
+              <a:rPr lang="en-IT" sz="2000" dirty="0">
+                <a:latin typeface="DINOT" panose="020B0504020101020102" pitchFamily="34" charset="77"/>
+              </a:rPr>
+              <a:t>are expected to carry over to the referenced work </a:t>
+            </a:r>
+          </a:p>
+          <a:p>
+            <a:pPr marL="457200" indent="-457200">
+              <a:buFont typeface="Arial" panose="020B0604020202020204" pitchFamily="34" charset="0"/>
+              <a:buAutoNum type="arabicPeriod"/>
+            </a:pPr>
+            <a:r>
+              <a:rPr lang="en-IT" sz="2000" dirty="0">
+                <a:latin typeface="DINOT" panose="020B0504020101020102" pitchFamily="34" charset="77"/>
+              </a:rPr>
+              <a:t>For F.S., no a-priori assumption of quality can </a:t>
+            </a:r>
+            <a:br>
+              <a:rPr lang="en-IT" sz="2000" dirty="0">
+                <a:latin typeface="DINOT" panose="020B0504020101020102" pitchFamily="34" charset="77"/>
+              </a:rPr>
+            </a:br>
+            <a:r>
+              <a:rPr lang="en-IT" sz="2000" dirty="0">
+                <a:latin typeface="DINOT" panose="020B0504020101020102" pitchFamily="34" charset="77"/>
+              </a:rPr>
+              <a:t>be made for the gathered citations</a:t>
+            </a:r>
+          </a:p>
+          <a:p>
+            <a:pPr marL="457200" indent="-457200">
+              <a:buFont typeface="Arial" panose="020B0604020202020204" pitchFamily="34" charset="0"/>
+              <a:buAutoNum type="arabicPeriod"/>
+            </a:pPr>
+            <a:endParaRPr lang="en-IT" sz="2000" dirty="0">
+              <a:latin typeface="DINOT" panose="020B0504020101020102" pitchFamily="34" charset="77"/>
+            </a:endParaRPr>
+          </a:p>
+          <a:p>
+            <a:pPr marL="0" indent="0">
+              <a:buNone/>
+            </a:pPr>
+            <a:r>
+              <a:rPr lang="en-IT" sz="2000" dirty="0">
+                <a:latin typeface="DINOT-Bold" panose="02000503030000020004" pitchFamily="2" charset="77"/>
+              </a:rPr>
+              <a:t>Solution</a:t>
+            </a:r>
+            <a:r>
+              <a:rPr lang="en-IT" sz="2000" dirty="0">
+                <a:latin typeface="DINOT" panose="020B0504020101020102" pitchFamily="34" charset="77"/>
+              </a:rPr>
+              <a:t> </a:t>
+            </a:r>
+            <a:br>
+              <a:rPr lang="en-IT" sz="2000" dirty="0">
+                <a:latin typeface="DINOT" panose="020B0504020101020102" pitchFamily="34" charset="77"/>
+              </a:rPr>
+            </a:br>
+            <a:r>
+              <a:rPr lang="en-IT" sz="2000" dirty="0">
+                <a:latin typeface="DINOT" panose="020B0504020101020102" pitchFamily="34" charset="77"/>
+              </a:rPr>
+              <a:t>Exploit the metrics used in the venue selecion process </a:t>
+            </a:r>
+          </a:p>
+          <a:p>
+            <a:pPr marL="457200" indent="-457200">
+              <a:buFont typeface="+mj-lt"/>
+              <a:buAutoNum type="arabicPeriod"/>
+            </a:pPr>
+            <a:r>
+              <a:rPr lang="en-IT" sz="2000" dirty="0">
+                <a:latin typeface="DINOT" panose="020B0504020101020102" pitchFamily="34" charset="77"/>
+              </a:rPr>
+              <a:t>SJR(2) score for journals </a:t>
+            </a:r>
+          </a:p>
+          <a:p>
+            <a:pPr lvl="1"/>
+            <a:r>
+              <a:rPr lang="en-IT" sz="2000" dirty="0">
+                <a:latin typeface="DINOT" panose="020B0504020101020102" pitchFamily="34" charset="77"/>
+              </a:rPr>
+              <a:t>Avg score of 1 and above</a:t>
+            </a:r>
+          </a:p>
+          <a:p>
+            <a:pPr lvl="1"/>
+            <a:r>
+              <a:rPr lang="en-IT" sz="2000" dirty="0">
+                <a:latin typeface="DINOT" panose="020B0504020101020102" pitchFamily="34" charset="77"/>
+              </a:rPr>
+              <a:t>…and one cherrypicked venue (IEEE Access)</a:t>
+            </a:r>
+          </a:p>
+          <a:p>
+            <a:pPr marL="457200" indent="-457200">
+              <a:spcAft>
+                <a:spcPts val="1000"/>
+              </a:spcAft>
+              <a:buFont typeface="+mj-lt"/>
+              <a:buAutoNum type="arabicPeriod"/>
+            </a:pPr>
+            <a:r>
+              <a:rPr lang="en-IT" sz="2000" dirty="0">
+                <a:latin typeface="DINOT" panose="020B0504020101020102" pitchFamily="34" charset="77"/>
+              </a:rPr>
+              <a:t>CORE/GGS ranking for conferences</a:t>
+            </a:r>
+          </a:p>
+          <a:p>
+            <a:pPr marL="0" indent="0">
+              <a:buNone/>
+            </a:pPr>
+            <a:r>
+              <a:rPr lang="en-IT" sz="2000" dirty="0">
+                <a:latin typeface="DINOT" panose="020B0504020101020102" pitchFamily="34" charset="77"/>
+              </a:rPr>
+              <a:t>Additionally, check </a:t>
+            </a:r>
+            <a:r>
+              <a:rPr lang="en-IT" sz="2000" dirty="0">
+                <a:latin typeface="DINOT-Bold" panose="02000503030000020004" pitchFamily="2" charset="77"/>
+              </a:rPr>
+              <a:t>for predatory venues</a:t>
+            </a:r>
+          </a:p>
+          <a:p>
+            <a:pPr marL="0" indent="0">
+              <a:buNone/>
+            </a:pPr>
+            <a:endParaRPr lang="en-IT" sz="2000" dirty="0">
+              <a:latin typeface="DINOT" panose="020B0504020101020102" pitchFamily="34" charset="77"/>
+            </a:endParaRPr>
+          </a:p>
+        </p:txBody>
+      </p:sp>
+      <p:grpSp>
+        <p:nvGrpSpPr>
+          <p:cNvPr id="6" name="Group 5">
+            <a:extLst>
+              <a:ext uri="{FF2B5EF4-FFF2-40B4-BE49-F238E27FC236}">
+                <a16:creationId xmlns:a16="http://schemas.microsoft.com/office/drawing/2014/main" id="{9FC3A98E-1DA9-BAC0-B6D2-AF47FDB49E0A}"/>
+              </a:ext>
+            </a:extLst>
+          </p:cNvPr>
+          <p:cNvGrpSpPr>
+            <a:grpSpLocks noChangeAspect="1"/>
+          </p:cNvGrpSpPr>
+          <p:nvPr/>
+        </p:nvGrpSpPr>
+        <p:grpSpPr>
+          <a:xfrm>
+            <a:off x="7706704" y="3756074"/>
+            <a:ext cx="4139576" cy="2564126"/>
+            <a:chOff x="7995684" y="2603620"/>
+            <a:chExt cx="5549162" cy="3437248"/>
+          </a:xfrm>
+        </p:grpSpPr>
+        <p:pic>
+          <p:nvPicPr>
+            <p:cNvPr id="7" name="Picture 6" descr="A picture containing text, screenshot, font, number&#10;&#10;Description automatically generated">
+              <a:extLst>
+                <a:ext uri="{FF2B5EF4-FFF2-40B4-BE49-F238E27FC236}">
+                  <a16:creationId xmlns:a16="http://schemas.microsoft.com/office/drawing/2014/main" id="{6DE58D82-C9BD-5F66-41E0-EC62FAB513A6}"/>
+                </a:ext>
+              </a:extLst>
+            </p:cNvPr>
+            <p:cNvPicPr>
+              <a:picLocks noChangeAspect="1"/>
+            </p:cNvPicPr>
+            <p:nvPr/>
+          </p:nvPicPr>
+          <p:blipFill>
+            <a:blip r:embed="rId4"/>
+            <a:stretch>
+              <a:fillRect/>
+            </a:stretch>
+          </p:blipFill>
+          <p:spPr>
+            <a:xfrm>
+              <a:off x="7995684" y="2603620"/>
+              <a:ext cx="5549162" cy="3437248"/>
+            </a:xfrm>
+            <a:prstGeom prst="rect">
+              <a:avLst/>
+            </a:prstGeom>
+          </p:spPr>
+        </p:pic>
+        <p:sp>
+          <p:nvSpPr>
+            <p:cNvPr id="4" name="Rectangle 3">
+              <a:extLst>
+                <a:ext uri="{FF2B5EF4-FFF2-40B4-BE49-F238E27FC236}">
+                  <a16:creationId xmlns:a16="http://schemas.microsoft.com/office/drawing/2014/main" id="{A4E3DF50-CDEE-BC36-D3B6-92009DA8AF08}"/>
+                </a:ext>
+              </a:extLst>
+            </p:cNvPr>
+            <p:cNvSpPr/>
+            <p:nvPr/>
+          </p:nvSpPr>
+          <p:spPr>
+            <a:xfrm>
+              <a:off x="8122034" y="3072975"/>
+              <a:ext cx="5232459" cy="1105620"/>
+            </a:xfrm>
+            <a:prstGeom prst="rect">
+              <a:avLst/>
+            </a:prstGeom>
+            <a:noFill/>
+            <a:ln w="38100">
+              <a:solidFill>
+                <a:srgbClr val="FF0000"/>
+              </a:solidFill>
+            </a:ln>
+          </p:spPr>
+          <p:style>
+            <a:lnRef idx="2">
+              <a:schemeClr val="accent1">
+                <a:shade val="15000"/>
+              </a:schemeClr>
+            </a:lnRef>
+            <a:fillRef idx="1">
+              <a:schemeClr val="accent1"/>
+            </a:fillRef>
+            <a:effectRef idx="0">
+              <a:schemeClr val="accent1"/>
+            </a:effectRef>
+            <a:fontRef idx="minor">
+              <a:schemeClr val="lt1"/>
+            </a:fontRef>
+          </p:style>
+          <p:txBody>
+            <a:bodyPr rtlCol="0" anchor="ctr"/>
+            <a:lstStyle/>
+            <a:p>
+              <a:pPr algn="ctr"/>
+              <a:endParaRPr lang="en-IT" dirty="0"/>
+            </a:p>
+          </p:txBody>
+        </p:sp>
+      </p:grpSp>
     </p:spTree>
     <p:extLst>
       <p:ext uri="{BB962C8B-B14F-4D97-AF65-F5344CB8AC3E}">
-        <p14:creationId xmlns:p14="http://schemas.microsoft.com/office/powerpoint/2010/main" val="4195329872"/>
+        <p14:creationId xmlns:p14="http://schemas.microsoft.com/office/powerpoint/2010/main" val="973103131"/>
       </p:ext>
     </p:extLst>
   </p:cSld>
   <p:clrMapOvr>
     <a:masterClrMapping/>
   </p:clrMapOvr>
+  <p:timing>
+    <p:tnLst>
+      <p:par>
+        <p:cTn id="1" dur="indefinite" restart="never" nodeType="tmRoot">
+          <p:childTnLst>
+            <p:seq concurrent="1" nextAc="seek">
+              <p:cTn id="2" dur="indefinite" nodeType="mainSeq">
+                <p:childTnLst>
+                  <p:par>
+                    <p:cTn id="3" fill="hold">
+                      <p:stCondLst>
+                        <p:cond delay="indefinite"/>
+                        <p:cond evt="onBegin" delay="0">
+                          <p:tn val="2"/>
+                        </p:cond>
+                      </p:stCondLst>
+                      <p:childTnLst>
+                        <p:par>
+                          <p:cTn id="4" fill="hold">
+                            <p:stCondLst>
+                              <p:cond delay="0"/>
+                            </p:stCondLst>
+                            <p:childTnLst>
+                              <p:par>
+                                <p:cTn id="5" presetID="1" presetClass="entr" presetSubtype="0" fill="hold" nodeType="withEffect">
+                                  <p:stCondLst>
+                                    <p:cond delay="0"/>
+                                  </p:stCondLst>
+                                  <p:childTnLst>
+                                    <p:set>
+                                      <p:cBhvr>
+                                        <p:cTn id="6" dur="1" fill="hold">
+                                          <p:stCondLst>
+                                            <p:cond delay="0"/>
+                                          </p:stCondLst>
+                                        </p:cTn>
+                                        <p:tgtEl>
+                                          <p:spTgt spid="3">
+                                            <p:txEl>
+                                              <p:pRg st="0" end="0"/>
+                                            </p:txEl>
+                                          </p:spTgt>
+                                        </p:tgtEl>
+                                        <p:attrNameLst>
+                                          <p:attrName>style.visibility</p:attrName>
+                                        </p:attrNameLst>
+                                      </p:cBhvr>
+                                      <p:to>
+                                        <p:strVal val="visible"/>
+                                      </p:to>
+                                    </p:set>
+                                  </p:childTnLst>
+                                </p:cTn>
+                              </p:par>
+                            </p:childTnLst>
+                          </p:cTn>
+                        </p:par>
+                      </p:childTnLst>
+                    </p:cTn>
+                  </p:par>
+                  <p:par>
+                    <p:cTn id="7" fill="hold">
+                      <p:stCondLst>
+                        <p:cond delay="indefinite"/>
+                      </p:stCondLst>
+                      <p:childTnLst>
+                        <p:par>
+                          <p:cTn id="8" fill="hold">
+                            <p:stCondLst>
+                              <p:cond delay="0"/>
+                            </p:stCondLst>
+                            <p:childTnLst>
+                              <p:par>
+                                <p:cTn id="9" presetID="1" presetClass="entr" presetSubtype="0" fill="hold" nodeType="clickEffect">
+                                  <p:stCondLst>
+                                    <p:cond delay="0"/>
+                                  </p:stCondLst>
+                                  <p:childTnLst>
+                                    <p:set>
+                                      <p:cBhvr>
+                                        <p:cTn id="10" dur="1" fill="hold">
+                                          <p:stCondLst>
+                                            <p:cond delay="0"/>
+                                          </p:stCondLst>
+                                        </p:cTn>
+                                        <p:tgtEl>
+                                          <p:spTgt spid="3">
+                                            <p:txEl>
+                                              <p:pRg st="1" end="1"/>
+                                            </p:txEl>
+                                          </p:spTgt>
+                                        </p:tgtEl>
+                                        <p:attrNameLst>
+                                          <p:attrName>style.visibility</p:attrName>
+                                        </p:attrNameLst>
+                                      </p:cBhvr>
+                                      <p:to>
+                                        <p:strVal val="visible"/>
+                                      </p:to>
+                                    </p:set>
+                                  </p:childTnLst>
+                                </p:cTn>
+                              </p:par>
+                            </p:childTnLst>
+                          </p:cTn>
+                        </p:par>
+                      </p:childTnLst>
+                    </p:cTn>
+                  </p:par>
+                  <p:par>
+                    <p:cTn id="11" fill="hold">
+                      <p:stCondLst>
+                        <p:cond delay="indefinite"/>
+                      </p:stCondLst>
+                      <p:childTnLst>
+                        <p:par>
+                          <p:cTn id="12" fill="hold">
+                            <p:stCondLst>
+                              <p:cond delay="0"/>
+                            </p:stCondLst>
+                            <p:childTnLst>
+                              <p:par>
+                                <p:cTn id="13" presetID="1" presetClass="entr" presetSubtype="0" fill="hold" nodeType="clickEffect">
+                                  <p:stCondLst>
+                                    <p:cond delay="0"/>
+                                  </p:stCondLst>
+                                  <p:childTnLst>
+                                    <p:set>
+                                      <p:cBhvr>
+                                        <p:cTn id="14" dur="1" fill="hold">
+                                          <p:stCondLst>
+                                            <p:cond delay="0"/>
+                                          </p:stCondLst>
+                                        </p:cTn>
+                                        <p:tgtEl>
+                                          <p:spTgt spid="3">
+                                            <p:txEl>
+                                              <p:pRg st="2" end="2"/>
+                                            </p:txEl>
+                                          </p:spTgt>
+                                        </p:tgtEl>
+                                        <p:attrNameLst>
+                                          <p:attrName>style.visibility</p:attrName>
+                                        </p:attrNameLst>
+                                      </p:cBhvr>
+                                      <p:to>
+                                        <p:strVal val="visible"/>
+                                      </p:to>
+                                    </p:set>
+                                  </p:childTnLst>
+                                </p:cTn>
+                              </p:par>
+                            </p:childTnLst>
+                          </p:cTn>
+                        </p:par>
+                      </p:childTnLst>
+                    </p:cTn>
+                  </p:par>
+                  <p:par>
+                    <p:cTn id="15" fill="hold">
+                      <p:stCondLst>
+                        <p:cond delay="indefinite"/>
+                      </p:stCondLst>
+                      <p:childTnLst>
+                        <p:par>
+                          <p:cTn id="16" fill="hold">
+                            <p:stCondLst>
+                              <p:cond delay="0"/>
+                            </p:stCondLst>
+                            <p:childTnLst>
+                              <p:par>
+                                <p:cTn id="17" presetID="1" presetClass="entr" presetSubtype="0" fill="hold" nodeType="clickEffect">
+                                  <p:stCondLst>
+                                    <p:cond delay="0"/>
+                                  </p:stCondLst>
+                                  <p:childTnLst>
+                                    <p:set>
+                                      <p:cBhvr>
+                                        <p:cTn id="18" dur="1" fill="hold">
+                                          <p:stCondLst>
+                                            <p:cond delay="0"/>
+                                          </p:stCondLst>
+                                        </p:cTn>
+                                        <p:tgtEl>
+                                          <p:spTgt spid="3">
+                                            <p:txEl>
+                                              <p:pRg st="4" end="4"/>
+                                            </p:txEl>
+                                          </p:spTgt>
+                                        </p:tgtEl>
+                                        <p:attrNameLst>
+                                          <p:attrName>style.visibility</p:attrName>
+                                        </p:attrNameLst>
+                                      </p:cBhvr>
+                                      <p:to>
+                                        <p:strVal val="visible"/>
+                                      </p:to>
+                                    </p:set>
+                                  </p:childTnLst>
+                                </p:cTn>
+                              </p:par>
+                            </p:childTnLst>
+                          </p:cTn>
+                        </p:par>
+                      </p:childTnLst>
+                    </p:cTn>
+                  </p:par>
+                  <p:par>
+                    <p:cTn id="19" fill="hold">
+                      <p:stCondLst>
+                        <p:cond delay="indefinite"/>
+                      </p:stCondLst>
+                      <p:childTnLst>
+                        <p:par>
+                          <p:cTn id="20" fill="hold">
+                            <p:stCondLst>
+                              <p:cond delay="0"/>
+                            </p:stCondLst>
+                            <p:childTnLst>
+                              <p:par>
+                                <p:cTn id="21" presetID="1" presetClass="entr" presetSubtype="0" fill="hold" nodeType="clickEffect">
+                                  <p:stCondLst>
+                                    <p:cond delay="0"/>
+                                  </p:stCondLst>
+                                  <p:childTnLst>
+                                    <p:set>
+                                      <p:cBhvr>
+                                        <p:cTn id="22" dur="1" fill="hold">
+                                          <p:stCondLst>
+                                            <p:cond delay="0"/>
+                                          </p:stCondLst>
+                                        </p:cTn>
+                                        <p:tgtEl>
+                                          <p:spTgt spid="3">
+                                            <p:txEl>
+                                              <p:pRg st="5" end="5"/>
+                                            </p:txEl>
+                                          </p:spTgt>
+                                        </p:tgtEl>
+                                        <p:attrNameLst>
+                                          <p:attrName>style.visibility</p:attrName>
+                                        </p:attrNameLst>
+                                      </p:cBhvr>
+                                      <p:to>
+                                        <p:strVal val="visible"/>
+                                      </p:to>
+                                    </p:set>
+                                  </p:childTnLst>
+                                </p:cTn>
+                              </p:par>
+                            </p:childTnLst>
+                          </p:cTn>
+                        </p:par>
+                      </p:childTnLst>
+                    </p:cTn>
+                  </p:par>
+                  <p:par>
+                    <p:cTn id="23" fill="hold">
+                      <p:stCondLst>
+                        <p:cond delay="indefinite"/>
+                      </p:stCondLst>
+                      <p:childTnLst>
+                        <p:par>
+                          <p:cTn id="24" fill="hold">
+                            <p:stCondLst>
+                              <p:cond delay="0"/>
+                            </p:stCondLst>
+                            <p:childTnLst>
+                              <p:par>
+                                <p:cTn id="25" presetID="1" presetClass="entr" presetSubtype="0" fill="hold" nodeType="clickEffect">
+                                  <p:stCondLst>
+                                    <p:cond delay="0"/>
+                                  </p:stCondLst>
+                                  <p:childTnLst>
+                                    <p:set>
+                                      <p:cBhvr>
+                                        <p:cTn id="26" dur="1" fill="hold">
+                                          <p:stCondLst>
+                                            <p:cond delay="0"/>
+                                          </p:stCondLst>
+                                        </p:cTn>
+                                        <p:tgtEl>
+                                          <p:spTgt spid="3">
+                                            <p:txEl>
+                                              <p:pRg st="6" end="6"/>
+                                            </p:txEl>
+                                          </p:spTgt>
+                                        </p:tgtEl>
+                                        <p:attrNameLst>
+                                          <p:attrName>style.visibility</p:attrName>
+                                        </p:attrNameLst>
+                                      </p:cBhvr>
+                                      <p:to>
+                                        <p:strVal val="visible"/>
+                                      </p:to>
+                                    </p:set>
+                                  </p:childTnLst>
+                                </p:cTn>
+                              </p:par>
+                              <p:par>
+                                <p:cTn id="27" presetID="1" presetClass="entr" presetSubtype="0" fill="hold" nodeType="withEffect">
+                                  <p:stCondLst>
+                                    <p:cond delay="0"/>
+                                  </p:stCondLst>
+                                  <p:childTnLst>
+                                    <p:set>
+                                      <p:cBhvr>
+                                        <p:cTn id="28" dur="1" fill="hold">
+                                          <p:stCondLst>
+                                            <p:cond delay="0"/>
+                                          </p:stCondLst>
+                                        </p:cTn>
+                                        <p:tgtEl>
+                                          <p:spTgt spid="5"/>
+                                        </p:tgtEl>
+                                        <p:attrNameLst>
+                                          <p:attrName>style.visibility</p:attrName>
+                                        </p:attrNameLst>
+                                      </p:cBhvr>
+                                      <p:to>
+                                        <p:strVal val="visible"/>
+                                      </p:to>
+                                    </p:set>
+                                  </p:childTnLst>
+                                </p:cTn>
+                              </p:par>
+                            </p:childTnLst>
+                          </p:cTn>
+                        </p:par>
+                      </p:childTnLst>
+                    </p:cTn>
+                  </p:par>
+                  <p:par>
+                    <p:cTn id="29" fill="hold">
+                      <p:stCondLst>
+                        <p:cond delay="indefinite"/>
+                      </p:stCondLst>
+                      <p:childTnLst>
+                        <p:par>
+                          <p:cTn id="30" fill="hold">
+                            <p:stCondLst>
+                              <p:cond delay="0"/>
+                            </p:stCondLst>
+                            <p:childTnLst>
+                              <p:par>
+                                <p:cTn id="31" presetID="1" presetClass="entr" presetSubtype="0" fill="hold" nodeType="clickEffect">
+                                  <p:stCondLst>
+                                    <p:cond delay="0"/>
+                                  </p:stCondLst>
+                                  <p:childTnLst>
+                                    <p:set>
+                                      <p:cBhvr>
+                                        <p:cTn id="32" dur="1" fill="hold">
+                                          <p:stCondLst>
+                                            <p:cond delay="0"/>
+                                          </p:stCondLst>
+                                        </p:cTn>
+                                        <p:tgtEl>
+                                          <p:spTgt spid="3">
+                                            <p:txEl>
+                                              <p:pRg st="7" end="7"/>
+                                            </p:txEl>
+                                          </p:spTgt>
+                                        </p:tgtEl>
+                                        <p:attrNameLst>
+                                          <p:attrName>style.visibility</p:attrName>
+                                        </p:attrNameLst>
+                                      </p:cBhvr>
+                                      <p:to>
+                                        <p:strVal val="visible"/>
+                                      </p:to>
+                                    </p:set>
+                                  </p:childTnLst>
+                                </p:cTn>
+                              </p:par>
+                            </p:childTnLst>
+                          </p:cTn>
+                        </p:par>
+                      </p:childTnLst>
+                    </p:cTn>
+                  </p:par>
+                  <p:par>
+                    <p:cTn id="33" fill="hold">
+                      <p:stCondLst>
+                        <p:cond delay="indefinite"/>
+                      </p:stCondLst>
+                      <p:childTnLst>
+                        <p:par>
+                          <p:cTn id="34" fill="hold">
+                            <p:stCondLst>
+                              <p:cond delay="0"/>
+                            </p:stCondLst>
+                            <p:childTnLst>
+                              <p:par>
+                                <p:cTn id="35" presetID="1" presetClass="entr" presetSubtype="0" fill="hold" nodeType="clickEffect">
+                                  <p:stCondLst>
+                                    <p:cond delay="0"/>
+                                  </p:stCondLst>
+                                  <p:childTnLst>
+                                    <p:set>
+                                      <p:cBhvr>
+                                        <p:cTn id="36" dur="1" fill="hold">
+                                          <p:stCondLst>
+                                            <p:cond delay="0"/>
+                                          </p:stCondLst>
+                                        </p:cTn>
+                                        <p:tgtEl>
+                                          <p:spTgt spid="3">
+                                            <p:txEl>
+                                              <p:pRg st="8" end="8"/>
+                                            </p:txEl>
+                                          </p:spTgt>
+                                        </p:tgtEl>
+                                        <p:attrNameLst>
+                                          <p:attrName>style.visibility</p:attrName>
+                                        </p:attrNameLst>
+                                      </p:cBhvr>
+                                      <p:to>
+                                        <p:strVal val="visible"/>
+                                      </p:to>
+                                    </p:set>
+                                  </p:childTnLst>
+                                </p:cTn>
+                              </p:par>
+                              <p:par>
+                                <p:cTn id="37" presetID="1" presetClass="entr" presetSubtype="0" fill="hold" nodeType="withEffect">
+                                  <p:stCondLst>
+                                    <p:cond delay="0"/>
+                                  </p:stCondLst>
+                                  <p:childTnLst>
+                                    <p:set>
+                                      <p:cBhvr>
+                                        <p:cTn id="38" dur="1" fill="hold">
+                                          <p:stCondLst>
+                                            <p:cond delay="0"/>
+                                          </p:stCondLst>
+                                        </p:cTn>
+                                        <p:tgtEl>
+                                          <p:spTgt spid="6"/>
+                                        </p:tgtEl>
+                                        <p:attrNameLst>
+                                          <p:attrName>style.visibility</p:attrName>
+                                        </p:attrNameLst>
+                                      </p:cBhvr>
+                                      <p:to>
+                                        <p:strVal val="visible"/>
+                                      </p:to>
+                                    </p:set>
+                                  </p:childTnLst>
+                                </p:cTn>
+                              </p:par>
+                              <p:par>
+                                <p:cTn id="39" presetID="1" presetClass="exit" presetSubtype="0" fill="hold" nodeType="withEffect">
+                                  <p:stCondLst>
+                                    <p:cond delay="0"/>
+                                  </p:stCondLst>
+                                  <p:childTnLst>
+                                    <p:set>
+                                      <p:cBhvr>
+                                        <p:cTn id="40" dur="1" fill="hold">
+                                          <p:stCondLst>
+                                            <p:cond delay="0"/>
+                                          </p:stCondLst>
+                                        </p:cTn>
+                                        <p:tgtEl>
+                                          <p:spTgt spid="5"/>
+                                        </p:tgtEl>
+                                        <p:attrNameLst>
+                                          <p:attrName>style.visibility</p:attrName>
+                                        </p:attrNameLst>
+                                      </p:cBhvr>
+                                      <p:to>
+                                        <p:strVal val="hidden"/>
+                                      </p:to>
+                                    </p:set>
+                                  </p:childTnLst>
+                                </p:cTn>
+                              </p:par>
+                            </p:childTnLst>
+                          </p:cTn>
+                        </p:par>
+                      </p:childTnLst>
+                    </p:cTn>
+                  </p:par>
+                  <p:par>
+                    <p:cTn id="41" fill="hold">
+                      <p:stCondLst>
+                        <p:cond delay="indefinite"/>
+                      </p:stCondLst>
+                      <p:childTnLst>
+                        <p:par>
+                          <p:cTn id="42" fill="hold">
+                            <p:stCondLst>
+                              <p:cond delay="0"/>
+                            </p:stCondLst>
+                            <p:childTnLst>
+                              <p:par>
+                                <p:cTn id="43" presetID="1" presetClass="entr" presetSubtype="0" fill="hold" nodeType="clickEffect">
+                                  <p:stCondLst>
+                                    <p:cond delay="0"/>
+                                  </p:stCondLst>
+                                  <p:childTnLst>
+                                    <p:set>
+                                      <p:cBhvr>
+                                        <p:cTn id="44" dur="1" fill="hold">
+                                          <p:stCondLst>
+                                            <p:cond delay="0"/>
+                                          </p:stCondLst>
+                                        </p:cTn>
+                                        <p:tgtEl>
+                                          <p:spTgt spid="3">
+                                            <p:txEl>
+                                              <p:pRg st="9" end="9"/>
+                                            </p:txEl>
+                                          </p:spTgt>
+                                        </p:tgtEl>
+                                        <p:attrNameLst>
+                                          <p:attrName>style.visibility</p:attrName>
+                                        </p:attrNameLst>
+                                      </p:cBhvr>
+                                      <p:to>
+                                        <p:strVal val="visible"/>
+                                      </p:to>
+                                    </p:set>
+                                  </p:childTnLst>
+                                </p:cTn>
+                              </p:par>
+                            </p:childTnLst>
+                          </p:cTn>
+                        </p:par>
+                      </p:childTnLst>
+                    </p:cTn>
+                  </p:par>
+                </p:childTnLst>
+              </p:cTn>
+              <p:prevCondLst>
+                <p:cond evt="onPrev" delay="0">
+                  <p:tgtEl>
+                    <p:sldTgt/>
+                  </p:tgtEl>
+                </p:cond>
+              </p:prevCondLst>
+              <p:nextCondLst>
+                <p:cond evt="onNext" delay="0">
+                  <p:tgtEl>
+                    <p:sldTgt/>
+                  </p:tgtEl>
+                </p:cond>
+              </p:nextCondLst>
+            </p:seq>
+          </p:childTnLst>
+        </p:cTn>
+      </p:par>
+    </p:tnLst>
+  </p:timing>
 </p:sld>
 </file>
 
@@ -4361,7 +5945,7 @@
               <a:rPr lang="en-IT" sz="3200" dirty="0">
                 <a:latin typeface="DINOT-Bold" panose="02000503030000020004" pitchFamily="2" charset="77"/>
               </a:rPr>
-              <a:t>Structure of the analysis and synthesis</a:t>
+              <a:t>(Final) Study selection</a:t>
             </a:r>
           </a:p>
         </p:txBody>
@@ -4394,9 +5978,1947 @@
           </a:bodyPr>
           <a:lstStyle/>
           <a:p>
+            <a:pPr marL="0" indent="0">
+              <a:buNone/>
+            </a:pPr>
+            <a:r>
+              <a:rPr lang="en-IT" sz="2000" dirty="0">
+                <a:latin typeface="DINOT" panose="020B0504020101020102" pitchFamily="34" charset="77"/>
+              </a:rPr>
+              <a:t>A selection of </a:t>
+            </a:r>
+            <a:r>
+              <a:rPr lang="en-IT" sz="2000" dirty="0">
+                <a:latin typeface="DINOT-Bold" panose="02000503030000020004" pitchFamily="2" charset="77"/>
+              </a:rPr>
+              <a:t>108 papers </a:t>
+            </a:r>
+            <a:r>
+              <a:rPr lang="en-IT" sz="2000" dirty="0">
+                <a:latin typeface="DINOT" panose="020B0504020101020102" pitchFamily="34" charset="77"/>
+              </a:rPr>
+              <a:t>is obtained</a:t>
+            </a:r>
+          </a:p>
+          <a:p>
+            <a:pPr marL="0" indent="0">
+              <a:buNone/>
+            </a:pPr>
             <a:endParaRPr lang="en-IT" sz="2000" dirty="0">
               <a:latin typeface="DINOT" panose="020B0504020101020102" pitchFamily="34" charset="77"/>
             </a:endParaRPr>
+          </a:p>
+          <a:p>
+            <a:pPr marL="0" indent="0">
+              <a:buNone/>
+            </a:pPr>
+            <a:endParaRPr lang="en-IT" sz="2000" dirty="0">
+              <a:latin typeface="DINOT" panose="020B0504020101020102" pitchFamily="34" charset="77"/>
+            </a:endParaRPr>
+          </a:p>
+        </p:txBody>
+      </p:sp>
+      <p:grpSp>
+        <p:nvGrpSpPr>
+          <p:cNvPr id="28" name="Group 27">
+            <a:extLst>
+              <a:ext uri="{FF2B5EF4-FFF2-40B4-BE49-F238E27FC236}">
+                <a16:creationId xmlns:a16="http://schemas.microsoft.com/office/drawing/2014/main" id="{80EBAA24-ABFE-8582-C9D9-B73D1D0108C0}"/>
+              </a:ext>
+            </a:extLst>
+          </p:cNvPr>
+          <p:cNvGrpSpPr/>
+          <p:nvPr/>
+        </p:nvGrpSpPr>
+        <p:grpSpPr>
+          <a:xfrm>
+            <a:off x="4010991" y="2692783"/>
+            <a:ext cx="1616067" cy="307777"/>
+            <a:chOff x="4178595" y="4198252"/>
+            <a:chExt cx="1616067" cy="307777"/>
+          </a:xfrm>
+        </p:grpSpPr>
+        <p:cxnSp>
+          <p:nvCxnSpPr>
+            <p:cNvPr id="29" name="Straight Arrow Connector 28">
+              <a:extLst>
+                <a:ext uri="{FF2B5EF4-FFF2-40B4-BE49-F238E27FC236}">
+                  <a16:creationId xmlns:a16="http://schemas.microsoft.com/office/drawing/2014/main" id="{983217D6-517D-8347-69E4-A57BDD9F10A4}"/>
+                </a:ext>
+              </a:extLst>
+            </p:cNvPr>
+            <p:cNvCxnSpPr>
+              <a:cxnSpLocks/>
+              <a:stCxn id="32" idx="1"/>
+              <a:endCxn id="36" idx="3"/>
+            </p:cNvCxnSpPr>
+            <p:nvPr/>
+          </p:nvCxnSpPr>
+          <p:spPr>
+            <a:xfrm flipH="1">
+              <a:off x="4178595" y="4506029"/>
+              <a:ext cx="1616067" cy="0"/>
+            </a:xfrm>
+            <a:prstGeom prst="straightConnector1">
+              <a:avLst/>
+            </a:prstGeom>
+            <a:ln w="28575">
+              <a:tailEnd type="triangle"/>
+            </a:ln>
+          </p:spPr>
+          <p:style>
+            <a:lnRef idx="1">
+              <a:schemeClr val="dk1"/>
+            </a:lnRef>
+            <a:fillRef idx="0">
+              <a:schemeClr val="dk1"/>
+            </a:fillRef>
+            <a:effectRef idx="0">
+              <a:schemeClr val="dk1"/>
+            </a:effectRef>
+            <a:fontRef idx="minor">
+              <a:schemeClr val="tx1"/>
+            </a:fontRef>
+          </p:style>
+        </p:cxnSp>
+        <p:sp>
+          <p:nvSpPr>
+            <p:cNvPr id="30" name="TextBox 29">
+              <a:extLst>
+                <a:ext uri="{FF2B5EF4-FFF2-40B4-BE49-F238E27FC236}">
+                  <a16:creationId xmlns:a16="http://schemas.microsoft.com/office/drawing/2014/main" id="{AE747B49-BDBF-725F-F5A5-F65C60CE4BEA}"/>
+                </a:ext>
+              </a:extLst>
+            </p:cNvPr>
+            <p:cNvSpPr txBox="1"/>
+            <p:nvPr/>
+          </p:nvSpPr>
+          <p:spPr>
+            <a:xfrm>
+              <a:off x="4441450" y="4198252"/>
+              <a:ext cx="1090363" cy="307777"/>
+            </a:xfrm>
+            <a:prstGeom prst="rect">
+              <a:avLst/>
+            </a:prstGeom>
+            <a:noFill/>
+          </p:spPr>
+          <p:txBody>
+            <a:bodyPr wrap="none" rtlCol="0">
+              <a:spAutoFit/>
+            </a:bodyPr>
+            <a:lstStyle/>
+            <a:p>
+              <a:pPr algn="ctr"/>
+              <a:r>
+                <a:rPr lang="en-IT" sz="1400" dirty="0">
+                  <a:latin typeface="DINOT" panose="020B0504020101020102" pitchFamily="34" charset="77"/>
+                </a:rPr>
+                <a:t>References</a:t>
+              </a:r>
+            </a:p>
+          </p:txBody>
+        </p:sp>
+      </p:grpSp>
+      <p:grpSp>
+        <p:nvGrpSpPr>
+          <p:cNvPr id="31" name="Group 30">
+            <a:extLst>
+              <a:ext uri="{FF2B5EF4-FFF2-40B4-BE49-F238E27FC236}">
+                <a16:creationId xmlns:a16="http://schemas.microsoft.com/office/drawing/2014/main" id="{6B2159B6-43CC-413A-A69A-AE6485B18D3C}"/>
+              </a:ext>
+            </a:extLst>
+          </p:cNvPr>
+          <p:cNvGrpSpPr/>
+          <p:nvPr/>
+        </p:nvGrpSpPr>
+        <p:grpSpPr>
+          <a:xfrm>
+            <a:off x="5333050" y="2077228"/>
+            <a:ext cx="1449436" cy="1773738"/>
+            <a:chOff x="5500654" y="3550798"/>
+            <a:chExt cx="1449436" cy="1773738"/>
+          </a:xfrm>
+        </p:grpSpPr>
+        <p:pic>
+          <p:nvPicPr>
+            <p:cNvPr id="32" name="Graphic 31" descr="Document with solid fill">
+              <a:extLst>
+                <a:ext uri="{FF2B5EF4-FFF2-40B4-BE49-F238E27FC236}">
+                  <a16:creationId xmlns:a16="http://schemas.microsoft.com/office/drawing/2014/main" id="{1BCFF0A8-FBE7-233D-3E16-ED323A232D33}"/>
+                </a:ext>
+              </a:extLst>
+            </p:cNvPr>
+            <p:cNvPicPr>
+              <a:picLocks noChangeAspect="1"/>
+            </p:cNvPicPr>
+            <p:nvPr/>
+          </p:nvPicPr>
+          <p:blipFill>
+            <a:blip r:embed="rId3">
+              <a:extLst>
+                <a:ext uri="{96DAC541-7B7A-43D3-8B79-37D633B846F1}">
+                  <asvg:svgBlip xmlns:asvg="http://schemas.microsoft.com/office/drawing/2016/SVG/main" r:embed="rId4"/>
+                </a:ext>
+              </a:extLst>
+            </a:blip>
+            <a:stretch>
+              <a:fillRect/>
+            </a:stretch>
+          </p:blipFill>
+          <p:spPr>
+            <a:xfrm>
+              <a:off x="5794662" y="4016930"/>
+              <a:ext cx="914400" cy="914400"/>
+            </a:xfrm>
+            <a:prstGeom prst="rect">
+              <a:avLst/>
+            </a:prstGeom>
+          </p:spPr>
+        </p:pic>
+        <p:sp>
+          <p:nvSpPr>
+            <p:cNvPr id="33" name="TextBox 32">
+              <a:extLst>
+                <a:ext uri="{FF2B5EF4-FFF2-40B4-BE49-F238E27FC236}">
+                  <a16:creationId xmlns:a16="http://schemas.microsoft.com/office/drawing/2014/main" id="{E5AD0940-18DA-78B8-D80A-07CAF83B7F56}"/>
+                </a:ext>
+              </a:extLst>
+            </p:cNvPr>
+            <p:cNvSpPr txBox="1"/>
+            <p:nvPr/>
+          </p:nvSpPr>
+          <p:spPr>
+            <a:xfrm>
+              <a:off x="6042510" y="4955204"/>
+              <a:ext cx="425116" cy="369332"/>
+            </a:xfrm>
+            <a:prstGeom prst="rect">
+              <a:avLst/>
+            </a:prstGeom>
+            <a:noFill/>
+          </p:spPr>
+          <p:txBody>
+            <a:bodyPr wrap="none" rtlCol="0">
+              <a:spAutoFit/>
+            </a:bodyPr>
+            <a:lstStyle/>
+            <a:p>
+              <a:r>
+                <a:rPr lang="en-IT" dirty="0">
+                  <a:latin typeface="DINOT" panose="020B0504020101020102" pitchFamily="34" charset="77"/>
+                </a:rPr>
+                <a:t>55</a:t>
+              </a:r>
+            </a:p>
+          </p:txBody>
+        </p:sp>
+        <p:sp>
+          <p:nvSpPr>
+            <p:cNvPr id="34" name="TextBox 33">
+              <a:extLst>
+                <a:ext uri="{FF2B5EF4-FFF2-40B4-BE49-F238E27FC236}">
+                  <a16:creationId xmlns:a16="http://schemas.microsoft.com/office/drawing/2014/main" id="{6B5555CF-02BD-6A6F-5526-1888EEF23D60}"/>
+                </a:ext>
+              </a:extLst>
+            </p:cNvPr>
+            <p:cNvSpPr txBox="1"/>
+            <p:nvPr/>
+          </p:nvSpPr>
+          <p:spPr>
+            <a:xfrm>
+              <a:off x="5500654" y="3550798"/>
+              <a:ext cx="1449436" cy="307777"/>
+            </a:xfrm>
+            <a:prstGeom prst="rect">
+              <a:avLst/>
+            </a:prstGeom>
+            <a:noFill/>
+          </p:spPr>
+          <p:txBody>
+            <a:bodyPr wrap="none" rtlCol="0">
+              <a:spAutoFit/>
+            </a:bodyPr>
+            <a:lstStyle/>
+            <a:p>
+              <a:pPr algn="ctr"/>
+              <a:r>
+                <a:rPr lang="en-IT" sz="1400" dirty="0">
+                  <a:latin typeface="DINOT" panose="020B0504020101020102" pitchFamily="34" charset="77"/>
+                </a:rPr>
+                <a:t>Initial collection</a:t>
+              </a:r>
+            </a:p>
+          </p:txBody>
+        </p:sp>
+      </p:grpSp>
+      <p:grpSp>
+        <p:nvGrpSpPr>
+          <p:cNvPr id="35" name="Group 34">
+            <a:extLst>
+              <a:ext uri="{FF2B5EF4-FFF2-40B4-BE49-F238E27FC236}">
+                <a16:creationId xmlns:a16="http://schemas.microsoft.com/office/drawing/2014/main" id="{6DBE9F8F-51F4-694B-6DC5-81D59CBEBDE7}"/>
+              </a:ext>
+            </a:extLst>
+          </p:cNvPr>
+          <p:cNvGrpSpPr/>
+          <p:nvPr/>
+        </p:nvGrpSpPr>
+        <p:grpSpPr>
+          <a:xfrm>
+            <a:off x="3096591" y="2077228"/>
+            <a:ext cx="914400" cy="1380532"/>
+            <a:chOff x="3264195" y="3550798"/>
+            <a:chExt cx="914400" cy="1380532"/>
+          </a:xfrm>
+        </p:grpSpPr>
+        <p:pic>
+          <p:nvPicPr>
+            <p:cNvPr id="36" name="Graphic 35" descr="Document with solid fill">
+              <a:extLst>
+                <a:ext uri="{FF2B5EF4-FFF2-40B4-BE49-F238E27FC236}">
+                  <a16:creationId xmlns:a16="http://schemas.microsoft.com/office/drawing/2014/main" id="{23803D37-1CC0-04DA-162C-2994B3CBEC68}"/>
+                </a:ext>
+              </a:extLst>
+            </p:cNvPr>
+            <p:cNvPicPr>
+              <a:picLocks noChangeAspect="1"/>
+            </p:cNvPicPr>
+            <p:nvPr/>
+          </p:nvPicPr>
+          <p:blipFill>
+            <a:blip r:embed="rId3">
+              <a:extLst>
+                <a:ext uri="{96DAC541-7B7A-43D3-8B79-37D633B846F1}">
+                  <asvg:svgBlip xmlns:asvg="http://schemas.microsoft.com/office/drawing/2016/SVG/main" r:embed="rId5"/>
+                </a:ext>
+              </a:extLst>
+            </a:blip>
+            <a:stretch>
+              <a:fillRect/>
+            </a:stretch>
+          </p:blipFill>
+          <p:spPr>
+            <a:xfrm>
+              <a:off x="3264195" y="4016930"/>
+              <a:ext cx="914400" cy="914400"/>
+            </a:xfrm>
+            <a:prstGeom prst="rect">
+              <a:avLst/>
+            </a:prstGeom>
+          </p:spPr>
+        </p:pic>
+        <p:sp>
+          <p:nvSpPr>
+            <p:cNvPr id="37" name="TextBox 36">
+              <a:extLst>
+                <a:ext uri="{FF2B5EF4-FFF2-40B4-BE49-F238E27FC236}">
+                  <a16:creationId xmlns:a16="http://schemas.microsoft.com/office/drawing/2014/main" id="{0DF9F2E4-941A-9FE0-0DB0-D466952E6363}"/>
+                </a:ext>
+              </a:extLst>
+            </p:cNvPr>
+            <p:cNvSpPr txBox="1"/>
+            <p:nvPr/>
+          </p:nvSpPr>
+          <p:spPr>
+            <a:xfrm>
+              <a:off x="3467960" y="3550798"/>
+              <a:ext cx="506870" cy="307777"/>
+            </a:xfrm>
+            <a:prstGeom prst="rect">
+              <a:avLst/>
+            </a:prstGeom>
+            <a:noFill/>
+          </p:spPr>
+          <p:txBody>
+            <a:bodyPr wrap="none" rtlCol="0">
+              <a:spAutoFit/>
+            </a:bodyPr>
+            <a:lstStyle/>
+            <a:p>
+              <a:pPr algn="ctr"/>
+              <a:r>
+                <a:rPr lang="en-IT" sz="1400" dirty="0">
+                  <a:latin typeface="DINOT" panose="020B0504020101020102" pitchFamily="34" charset="77"/>
+                </a:rPr>
+                <a:t>B.S.</a:t>
+              </a:r>
+            </a:p>
+          </p:txBody>
+        </p:sp>
+      </p:grpSp>
+      <p:grpSp>
+        <p:nvGrpSpPr>
+          <p:cNvPr id="39" name="Group 38">
+            <a:extLst>
+              <a:ext uri="{FF2B5EF4-FFF2-40B4-BE49-F238E27FC236}">
+                <a16:creationId xmlns:a16="http://schemas.microsoft.com/office/drawing/2014/main" id="{77C72EDC-E214-2DF2-837F-656062C07A5D}"/>
+              </a:ext>
+            </a:extLst>
+          </p:cNvPr>
+          <p:cNvGrpSpPr/>
+          <p:nvPr/>
+        </p:nvGrpSpPr>
+        <p:grpSpPr>
+          <a:xfrm>
+            <a:off x="6541458" y="2692783"/>
+            <a:ext cx="1555073" cy="307777"/>
+            <a:chOff x="3933964" y="2368884"/>
+            <a:chExt cx="1555073" cy="307777"/>
+          </a:xfrm>
+        </p:grpSpPr>
+        <p:cxnSp>
+          <p:nvCxnSpPr>
+            <p:cNvPr id="40" name="Straight Arrow Connector 39">
+              <a:extLst>
+                <a:ext uri="{FF2B5EF4-FFF2-40B4-BE49-F238E27FC236}">
+                  <a16:creationId xmlns:a16="http://schemas.microsoft.com/office/drawing/2014/main" id="{756E02AC-1D7D-AAD7-BE1C-88AF9F711467}"/>
+                </a:ext>
+              </a:extLst>
+            </p:cNvPr>
+            <p:cNvCxnSpPr>
+              <a:cxnSpLocks/>
+              <a:stCxn id="43" idx="1"/>
+              <a:endCxn id="32" idx="3"/>
+            </p:cNvCxnSpPr>
+            <p:nvPr/>
+          </p:nvCxnSpPr>
+          <p:spPr>
+            <a:xfrm flipH="1">
+              <a:off x="3933964" y="2676661"/>
+              <a:ext cx="1555073" cy="0"/>
+            </a:xfrm>
+            <a:prstGeom prst="straightConnector1">
+              <a:avLst/>
+            </a:prstGeom>
+            <a:ln w="28575">
+              <a:tailEnd type="triangle"/>
+            </a:ln>
+          </p:spPr>
+          <p:style>
+            <a:lnRef idx="1">
+              <a:schemeClr val="dk1"/>
+            </a:lnRef>
+            <a:fillRef idx="0">
+              <a:schemeClr val="dk1"/>
+            </a:fillRef>
+            <a:effectRef idx="0">
+              <a:schemeClr val="dk1"/>
+            </a:effectRef>
+            <a:fontRef idx="minor">
+              <a:schemeClr val="tx1"/>
+            </a:fontRef>
+          </p:style>
+        </p:cxnSp>
+        <p:sp>
+          <p:nvSpPr>
+            <p:cNvPr id="41" name="TextBox 40">
+              <a:extLst>
+                <a:ext uri="{FF2B5EF4-FFF2-40B4-BE49-F238E27FC236}">
+                  <a16:creationId xmlns:a16="http://schemas.microsoft.com/office/drawing/2014/main" id="{414FDE7D-73D7-48B4-A231-54D21968FFD9}"/>
+                </a:ext>
+              </a:extLst>
+            </p:cNvPr>
+            <p:cNvSpPr txBox="1"/>
+            <p:nvPr/>
+          </p:nvSpPr>
+          <p:spPr>
+            <a:xfrm>
+              <a:off x="4246844" y="2368884"/>
+              <a:ext cx="886781" cy="307777"/>
+            </a:xfrm>
+            <a:prstGeom prst="rect">
+              <a:avLst/>
+            </a:prstGeom>
+            <a:noFill/>
+          </p:spPr>
+          <p:txBody>
+            <a:bodyPr wrap="none" rtlCol="0">
+              <a:spAutoFit/>
+            </a:bodyPr>
+            <a:lstStyle/>
+            <a:p>
+              <a:pPr algn="ctr"/>
+              <a:r>
+                <a:rPr lang="en-IT" sz="1400" dirty="0">
+                  <a:latin typeface="DINOT" panose="020B0504020101020102" pitchFamily="34" charset="77"/>
+                </a:rPr>
+                <a:t>Citations</a:t>
+              </a:r>
+            </a:p>
+          </p:txBody>
+        </p:sp>
+      </p:grpSp>
+      <p:grpSp>
+        <p:nvGrpSpPr>
+          <p:cNvPr id="42" name="Group 41">
+            <a:extLst>
+              <a:ext uri="{FF2B5EF4-FFF2-40B4-BE49-F238E27FC236}">
+                <a16:creationId xmlns:a16="http://schemas.microsoft.com/office/drawing/2014/main" id="{375CF9C5-DFDD-76BD-7FD5-44F13E05BA21}"/>
+              </a:ext>
+            </a:extLst>
+          </p:cNvPr>
+          <p:cNvGrpSpPr/>
+          <p:nvPr/>
+        </p:nvGrpSpPr>
+        <p:grpSpPr>
+          <a:xfrm>
+            <a:off x="8096531" y="2077228"/>
+            <a:ext cx="914400" cy="1380532"/>
+            <a:chOff x="3264195" y="3550798"/>
+            <a:chExt cx="914400" cy="1380532"/>
+          </a:xfrm>
+        </p:grpSpPr>
+        <p:pic>
+          <p:nvPicPr>
+            <p:cNvPr id="43" name="Graphic 42" descr="Document with solid fill">
+              <a:extLst>
+                <a:ext uri="{FF2B5EF4-FFF2-40B4-BE49-F238E27FC236}">
+                  <a16:creationId xmlns:a16="http://schemas.microsoft.com/office/drawing/2014/main" id="{0F477E9C-018D-A079-C652-ACE03B11151D}"/>
+                </a:ext>
+              </a:extLst>
+            </p:cNvPr>
+            <p:cNvPicPr>
+              <a:picLocks noChangeAspect="1"/>
+            </p:cNvPicPr>
+            <p:nvPr/>
+          </p:nvPicPr>
+          <p:blipFill>
+            <a:blip r:embed="rId3">
+              <a:extLst>
+                <a:ext uri="{96DAC541-7B7A-43D3-8B79-37D633B846F1}">
+                  <asvg:svgBlip xmlns:asvg="http://schemas.microsoft.com/office/drawing/2016/SVG/main" r:embed="rId5"/>
+                </a:ext>
+              </a:extLst>
+            </a:blip>
+            <a:stretch>
+              <a:fillRect/>
+            </a:stretch>
+          </p:blipFill>
+          <p:spPr>
+            <a:xfrm>
+              <a:off x="3264195" y="4016930"/>
+              <a:ext cx="914400" cy="914400"/>
+            </a:xfrm>
+            <a:prstGeom prst="rect">
+              <a:avLst/>
+            </a:prstGeom>
+          </p:spPr>
+        </p:pic>
+        <p:sp>
+          <p:nvSpPr>
+            <p:cNvPr id="44" name="TextBox 43">
+              <a:extLst>
+                <a:ext uri="{FF2B5EF4-FFF2-40B4-BE49-F238E27FC236}">
+                  <a16:creationId xmlns:a16="http://schemas.microsoft.com/office/drawing/2014/main" id="{51C7DFCB-A434-E077-9F1B-666ABA77CBA2}"/>
+                </a:ext>
+              </a:extLst>
+            </p:cNvPr>
+            <p:cNvSpPr txBox="1"/>
+            <p:nvPr/>
+          </p:nvSpPr>
+          <p:spPr>
+            <a:xfrm>
+              <a:off x="3475975" y="3550798"/>
+              <a:ext cx="490840" cy="307777"/>
+            </a:xfrm>
+            <a:prstGeom prst="rect">
+              <a:avLst/>
+            </a:prstGeom>
+            <a:noFill/>
+          </p:spPr>
+          <p:txBody>
+            <a:bodyPr wrap="none" rtlCol="0">
+              <a:spAutoFit/>
+            </a:bodyPr>
+            <a:lstStyle/>
+            <a:p>
+              <a:pPr algn="ctr"/>
+              <a:r>
+                <a:rPr lang="en-IT" sz="1400" dirty="0">
+                  <a:latin typeface="DINOT" panose="020B0504020101020102" pitchFamily="34" charset="77"/>
+                </a:rPr>
+                <a:t>F.S.</a:t>
+              </a:r>
+            </a:p>
+          </p:txBody>
+        </p:sp>
+      </p:grpSp>
+      <p:sp>
+        <p:nvSpPr>
+          <p:cNvPr id="50" name="TextBox 49">
+            <a:extLst>
+              <a:ext uri="{FF2B5EF4-FFF2-40B4-BE49-F238E27FC236}">
+                <a16:creationId xmlns:a16="http://schemas.microsoft.com/office/drawing/2014/main" id="{CB6A8506-B936-4CB4-EF92-8C528BFA97B7}"/>
+              </a:ext>
+            </a:extLst>
+          </p:cNvPr>
+          <p:cNvSpPr txBox="1"/>
+          <p:nvPr/>
+        </p:nvSpPr>
+        <p:spPr>
+          <a:xfrm>
+            <a:off x="8341173" y="3462267"/>
+            <a:ext cx="425116" cy="369332"/>
+          </a:xfrm>
+          <a:prstGeom prst="rect">
+            <a:avLst/>
+          </a:prstGeom>
+          <a:noFill/>
+        </p:spPr>
+        <p:txBody>
+          <a:bodyPr wrap="none" rtlCol="0">
+            <a:spAutoFit/>
+          </a:bodyPr>
+          <a:lstStyle/>
+          <a:p>
+            <a:r>
+              <a:rPr lang="en-IT" dirty="0">
+                <a:latin typeface="DINOT" panose="020B0504020101020102" pitchFamily="34" charset="77"/>
+              </a:rPr>
+              <a:t>30</a:t>
+            </a:r>
+          </a:p>
+        </p:txBody>
+      </p:sp>
+      <p:sp>
+        <p:nvSpPr>
+          <p:cNvPr id="51" name="TextBox 50">
+            <a:extLst>
+              <a:ext uri="{FF2B5EF4-FFF2-40B4-BE49-F238E27FC236}">
+                <a16:creationId xmlns:a16="http://schemas.microsoft.com/office/drawing/2014/main" id="{3DC1FD65-7FA6-D907-9365-07AFF1E8CE8A}"/>
+              </a:ext>
+            </a:extLst>
+          </p:cNvPr>
+          <p:cNvSpPr txBox="1"/>
+          <p:nvPr/>
+        </p:nvSpPr>
+        <p:spPr>
+          <a:xfrm>
+            <a:off x="3349267" y="3458740"/>
+            <a:ext cx="425116" cy="369332"/>
+          </a:xfrm>
+          <a:prstGeom prst="rect">
+            <a:avLst/>
+          </a:prstGeom>
+          <a:noFill/>
+        </p:spPr>
+        <p:txBody>
+          <a:bodyPr wrap="none" rtlCol="0">
+            <a:spAutoFit/>
+          </a:bodyPr>
+          <a:lstStyle/>
+          <a:p>
+            <a:r>
+              <a:rPr lang="en-IT" dirty="0">
+                <a:latin typeface="DINOT" panose="020B0504020101020102" pitchFamily="34" charset="77"/>
+              </a:rPr>
+              <a:t>23</a:t>
+            </a:r>
+          </a:p>
+        </p:txBody>
+      </p:sp>
+      <p:pic>
+        <p:nvPicPr>
+          <p:cNvPr id="53" name="Picture 52" descr="A table with numbers and a number on it&#10;&#10;Description automatically generated">
+            <a:extLst>
+              <a:ext uri="{FF2B5EF4-FFF2-40B4-BE49-F238E27FC236}">
+                <a16:creationId xmlns:a16="http://schemas.microsoft.com/office/drawing/2014/main" id="{2CA0E2C4-A15F-9C9B-6B41-A63D438EB219}"/>
+              </a:ext>
+            </a:extLst>
+          </p:cNvPr>
+          <p:cNvPicPr>
+            <a:picLocks noChangeAspect="1"/>
+          </p:cNvPicPr>
+          <p:nvPr/>
+        </p:nvPicPr>
+        <p:blipFill>
+          <a:blip r:embed="rId6"/>
+          <a:stretch>
+            <a:fillRect/>
+          </a:stretch>
+        </p:blipFill>
+        <p:spPr>
+          <a:xfrm>
+            <a:off x="3151240" y="4073315"/>
+            <a:ext cx="5447332" cy="2313347"/>
+          </a:xfrm>
+          <a:prstGeom prst="rect">
+            <a:avLst/>
+          </a:prstGeom>
+        </p:spPr>
+      </p:pic>
+    </p:spTree>
+    <p:extLst>
+      <p:ext uri="{BB962C8B-B14F-4D97-AF65-F5344CB8AC3E}">
+        <p14:creationId xmlns:p14="http://schemas.microsoft.com/office/powerpoint/2010/main" val="3404717616"/>
+      </p:ext>
+    </p:extLst>
+  </p:cSld>
+  <p:clrMapOvr>
+    <a:masterClrMapping/>
+  </p:clrMapOvr>
+  <p:timing>
+    <p:tnLst>
+      <p:par>
+        <p:cTn id="1" dur="indefinite" restart="never" nodeType="tmRoot">
+          <p:childTnLst>
+            <p:seq concurrent="1" nextAc="seek">
+              <p:cTn id="2" dur="indefinite" nodeType="mainSeq">
+                <p:childTnLst>
+                  <p:par>
+                    <p:cTn id="3" fill="hold">
+                      <p:stCondLst>
+                        <p:cond delay="indefinite"/>
+                        <p:cond evt="onBegin" delay="0">
+                          <p:tn val="2"/>
+                        </p:cond>
+                      </p:stCondLst>
+                      <p:childTnLst>
+                        <p:par>
+                          <p:cTn id="4" fill="hold">
+                            <p:stCondLst>
+                              <p:cond delay="0"/>
+                            </p:stCondLst>
+                            <p:childTnLst>
+                              <p:par>
+                                <p:cTn id="5" presetID="1" presetClass="entr" presetSubtype="0" fill="hold" nodeType="withEffect">
+                                  <p:stCondLst>
+                                    <p:cond delay="0"/>
+                                  </p:stCondLst>
+                                  <p:childTnLst>
+                                    <p:set>
+                                      <p:cBhvr>
+                                        <p:cTn id="6" dur="1" fill="hold">
+                                          <p:stCondLst>
+                                            <p:cond delay="0"/>
+                                          </p:stCondLst>
+                                        </p:cTn>
+                                        <p:tgtEl>
+                                          <p:spTgt spid="3">
+                                            <p:txEl>
+                                              <p:pRg st="0" end="0"/>
+                                            </p:txEl>
+                                          </p:spTgt>
+                                        </p:tgtEl>
+                                        <p:attrNameLst>
+                                          <p:attrName>style.visibility</p:attrName>
+                                        </p:attrNameLst>
+                                      </p:cBhvr>
+                                      <p:to>
+                                        <p:strVal val="visible"/>
+                                      </p:to>
+                                    </p:set>
+                                  </p:childTnLst>
+                                </p:cTn>
+                              </p:par>
+                              <p:par>
+                                <p:cTn id="7" presetID="1" presetClass="entr" presetSubtype="0" fill="hold" nodeType="withEffect">
+                                  <p:stCondLst>
+                                    <p:cond delay="0"/>
+                                  </p:stCondLst>
+                                  <p:childTnLst>
+                                    <p:set>
+                                      <p:cBhvr>
+                                        <p:cTn id="8" dur="1" fill="hold">
+                                          <p:stCondLst>
+                                            <p:cond delay="0"/>
+                                          </p:stCondLst>
+                                        </p:cTn>
+                                        <p:tgtEl>
+                                          <p:spTgt spid="35"/>
+                                        </p:tgtEl>
+                                        <p:attrNameLst>
+                                          <p:attrName>style.visibility</p:attrName>
+                                        </p:attrNameLst>
+                                      </p:cBhvr>
+                                      <p:to>
+                                        <p:strVal val="visible"/>
+                                      </p:to>
+                                    </p:set>
+                                  </p:childTnLst>
+                                </p:cTn>
+                              </p:par>
+                              <p:par>
+                                <p:cTn id="9" presetID="1" presetClass="entr" presetSubtype="0" fill="hold" nodeType="withEffect">
+                                  <p:stCondLst>
+                                    <p:cond delay="0"/>
+                                  </p:stCondLst>
+                                  <p:childTnLst>
+                                    <p:set>
+                                      <p:cBhvr>
+                                        <p:cTn id="10" dur="1" fill="hold">
+                                          <p:stCondLst>
+                                            <p:cond delay="0"/>
+                                          </p:stCondLst>
+                                        </p:cTn>
+                                        <p:tgtEl>
+                                          <p:spTgt spid="28"/>
+                                        </p:tgtEl>
+                                        <p:attrNameLst>
+                                          <p:attrName>style.visibility</p:attrName>
+                                        </p:attrNameLst>
+                                      </p:cBhvr>
+                                      <p:to>
+                                        <p:strVal val="visible"/>
+                                      </p:to>
+                                    </p:set>
+                                  </p:childTnLst>
+                                </p:cTn>
+                              </p:par>
+                              <p:par>
+                                <p:cTn id="11" presetID="1" presetClass="entr" presetSubtype="0" fill="hold" nodeType="withEffect">
+                                  <p:stCondLst>
+                                    <p:cond delay="0"/>
+                                  </p:stCondLst>
+                                  <p:childTnLst>
+                                    <p:set>
+                                      <p:cBhvr>
+                                        <p:cTn id="12" dur="1" fill="hold">
+                                          <p:stCondLst>
+                                            <p:cond delay="0"/>
+                                          </p:stCondLst>
+                                        </p:cTn>
+                                        <p:tgtEl>
+                                          <p:spTgt spid="39"/>
+                                        </p:tgtEl>
+                                        <p:attrNameLst>
+                                          <p:attrName>style.visibility</p:attrName>
+                                        </p:attrNameLst>
+                                      </p:cBhvr>
+                                      <p:to>
+                                        <p:strVal val="visible"/>
+                                      </p:to>
+                                    </p:set>
+                                  </p:childTnLst>
+                                </p:cTn>
+                              </p:par>
+                              <p:par>
+                                <p:cTn id="13" presetID="1" presetClass="entr" presetSubtype="0" fill="hold" nodeType="withEffect">
+                                  <p:stCondLst>
+                                    <p:cond delay="0"/>
+                                  </p:stCondLst>
+                                  <p:childTnLst>
+                                    <p:set>
+                                      <p:cBhvr>
+                                        <p:cTn id="14" dur="1" fill="hold">
+                                          <p:stCondLst>
+                                            <p:cond delay="0"/>
+                                          </p:stCondLst>
+                                        </p:cTn>
+                                        <p:tgtEl>
+                                          <p:spTgt spid="42"/>
+                                        </p:tgtEl>
+                                        <p:attrNameLst>
+                                          <p:attrName>style.visibility</p:attrName>
+                                        </p:attrNameLst>
+                                      </p:cBhvr>
+                                      <p:to>
+                                        <p:strVal val="visible"/>
+                                      </p:to>
+                                    </p:set>
+                                  </p:childTnLst>
+                                </p:cTn>
+                              </p:par>
+                              <p:par>
+                                <p:cTn id="15" presetID="1" presetClass="entr" presetSubtype="0" fill="hold" grpId="0" nodeType="withEffect">
+                                  <p:stCondLst>
+                                    <p:cond delay="0"/>
+                                  </p:stCondLst>
+                                  <p:childTnLst>
+                                    <p:set>
+                                      <p:cBhvr>
+                                        <p:cTn id="16" dur="1" fill="hold">
+                                          <p:stCondLst>
+                                            <p:cond delay="0"/>
+                                          </p:stCondLst>
+                                        </p:cTn>
+                                        <p:tgtEl>
+                                          <p:spTgt spid="50"/>
+                                        </p:tgtEl>
+                                        <p:attrNameLst>
+                                          <p:attrName>style.visibility</p:attrName>
+                                        </p:attrNameLst>
+                                      </p:cBhvr>
+                                      <p:to>
+                                        <p:strVal val="visible"/>
+                                      </p:to>
+                                    </p:set>
+                                  </p:childTnLst>
+                                </p:cTn>
+                              </p:par>
+                              <p:par>
+                                <p:cTn id="17" presetID="1" presetClass="entr" presetSubtype="0" fill="hold" grpId="0" nodeType="withEffect">
+                                  <p:stCondLst>
+                                    <p:cond delay="0"/>
+                                  </p:stCondLst>
+                                  <p:childTnLst>
+                                    <p:set>
+                                      <p:cBhvr>
+                                        <p:cTn id="18" dur="1" fill="hold">
+                                          <p:stCondLst>
+                                            <p:cond delay="0"/>
+                                          </p:stCondLst>
+                                        </p:cTn>
+                                        <p:tgtEl>
+                                          <p:spTgt spid="51"/>
+                                        </p:tgtEl>
+                                        <p:attrNameLst>
+                                          <p:attrName>style.visibility</p:attrName>
+                                        </p:attrNameLst>
+                                      </p:cBhvr>
+                                      <p:to>
+                                        <p:strVal val="visible"/>
+                                      </p:to>
+                                    </p:set>
+                                  </p:childTnLst>
+                                </p:cTn>
+                              </p:par>
+                            </p:childTnLst>
+                          </p:cTn>
+                        </p:par>
+                      </p:childTnLst>
+                    </p:cTn>
+                  </p:par>
+                </p:childTnLst>
+              </p:cTn>
+              <p:prevCondLst>
+                <p:cond evt="onPrev" delay="0">
+                  <p:tgtEl>
+                    <p:sldTgt/>
+                  </p:tgtEl>
+                </p:cond>
+              </p:prevCondLst>
+              <p:nextCondLst>
+                <p:cond evt="onNext" delay="0">
+                  <p:tgtEl>
+                    <p:sldTgt/>
+                  </p:tgtEl>
+                </p:cond>
+              </p:nextCondLst>
+            </p:seq>
+          </p:childTnLst>
+        </p:cTn>
+      </p:par>
+    </p:tnLst>
+    <p:bldLst>
+      <p:bldP spid="50" grpId="0"/>
+      <p:bldP spid="51" grpId="0"/>
+    </p:bldLst>
+  </p:timing>
+</p:sld>
+</file>
+
+<file path=ppt/slides/slide12.xml><?xml version="1.0" encoding="utf-8"?>
+<p:sld xmlns:a="http://schemas.openxmlformats.org/drawingml/2006/main" xmlns:r="http://schemas.openxmlformats.org/officeDocument/2006/relationships" xmlns:p="http://schemas.openxmlformats.org/presentationml/2006/main">
+  <p:cSld>
+    <p:spTree>
+      <p:nvGrpSpPr>
+        <p:cNvPr id="1" name=""/>
+        <p:cNvGrpSpPr/>
+        <p:nvPr/>
+      </p:nvGrpSpPr>
+      <p:grpSpPr>
+        <a:xfrm>
+          <a:off x="0" y="0"/>
+          <a:ext cx="0" cy="0"/>
+          <a:chOff x="0" y="0"/>
+          <a:chExt cx="0" cy="0"/>
+        </a:xfrm>
+      </p:grpSpPr>
+      <p:sp>
+        <p:nvSpPr>
+          <p:cNvPr id="2" name="Title 1">
+            <a:extLst>
+              <a:ext uri="{FF2B5EF4-FFF2-40B4-BE49-F238E27FC236}">
+                <a16:creationId xmlns:a16="http://schemas.microsoft.com/office/drawing/2014/main" id="{59807EB7-4652-34BC-E166-A3B778C092A3}"/>
+              </a:ext>
+            </a:extLst>
+          </p:cNvPr>
+          <p:cNvSpPr>
+            <a:spLocks noGrp="1"/>
+          </p:cNvSpPr>
+          <p:nvPr>
+            <p:ph type="title"/>
+          </p:nvPr>
+        </p:nvSpPr>
+        <p:spPr>
+          <a:xfrm>
+            <a:off x="838201" y="537800"/>
+            <a:ext cx="10515600" cy="715530"/>
+          </a:xfrm>
+        </p:spPr>
+        <p:txBody>
+          <a:bodyPr>
+            <a:normAutofit/>
+          </a:bodyPr>
+          <a:lstStyle/>
+          <a:p>
+            <a:r>
+              <a:rPr lang="en-IT" sz="3200" dirty="0">
+                <a:latin typeface="DINOT-Bold" panose="02000503030000020004" pitchFamily="2" charset="77"/>
+              </a:rPr>
+              <a:t>Data items</a:t>
+            </a:r>
+          </a:p>
+        </p:txBody>
+      </p:sp>
+      <p:pic>
+        <p:nvPicPr>
+          <p:cNvPr id="5" name="Content Placeholder 4" descr="A picture containing text, screenshot, font, number&#10;&#10;Description automatically generated">
+            <a:extLst>
+              <a:ext uri="{FF2B5EF4-FFF2-40B4-BE49-F238E27FC236}">
+                <a16:creationId xmlns:a16="http://schemas.microsoft.com/office/drawing/2014/main" id="{16510A53-0075-F2C6-FBA2-5AAF28D7808B}"/>
+              </a:ext>
+            </a:extLst>
+          </p:cNvPr>
+          <p:cNvPicPr>
+            <a:picLocks noGrp="1" noChangeAspect="1"/>
+          </p:cNvPicPr>
+          <p:nvPr>
+            <p:ph idx="1"/>
+          </p:nvPr>
+        </p:nvPicPr>
+        <p:blipFill rotWithShape="1">
+          <a:blip r:embed="rId2"/>
+          <a:srcRect l="555"/>
+          <a:stretch/>
+        </p:blipFill>
+        <p:spPr>
+          <a:xfrm>
+            <a:off x="6485862" y="2615609"/>
+            <a:ext cx="5512504" cy="4128204"/>
+          </a:xfrm>
+        </p:spPr>
+      </p:pic>
+      <p:sp>
+        <p:nvSpPr>
+          <p:cNvPr id="4" name="Content Placeholder 2">
+            <a:extLst>
+              <a:ext uri="{FF2B5EF4-FFF2-40B4-BE49-F238E27FC236}">
+                <a16:creationId xmlns:a16="http://schemas.microsoft.com/office/drawing/2014/main" id="{3A5E35FA-EB19-EAAF-1B58-EB41D45FFA3F}"/>
+              </a:ext>
+            </a:extLst>
+          </p:cNvPr>
+          <p:cNvSpPr txBox="1">
+            <a:spLocks/>
+          </p:cNvSpPr>
+          <p:nvPr/>
+        </p:nvSpPr>
+        <p:spPr>
+          <a:xfrm>
+            <a:off x="838199" y="1690254"/>
+            <a:ext cx="10827327" cy="4749047"/>
+          </a:xfrm>
+          <a:prstGeom prst="rect">
+            <a:avLst/>
+          </a:prstGeom>
+        </p:spPr>
+        <p:txBody>
+          <a:bodyPr vert="horz" lIns="91440" tIns="45720" rIns="91440" bIns="45720" rtlCol="0">
+            <a:normAutofit/>
+          </a:bodyPr>
+          <a:lstStyle>
+            <a:lvl1pPr marL="228600" indent="-228600" algn="l" defTabSz="914400" rtl="0" eaLnBrk="1" latinLnBrk="0" hangingPunct="1">
+              <a:lnSpc>
+                <a:spcPct val="90000"/>
+              </a:lnSpc>
+              <a:spcBef>
+                <a:spcPts val="1000"/>
+              </a:spcBef>
+              <a:buFont typeface="Arial" panose="020B0604020202020204" pitchFamily="34" charset="0"/>
+              <a:buChar char="•"/>
+              <a:defRPr sz="2800" kern="1200">
+                <a:solidFill>
+                  <a:schemeClr val="tx1"/>
+                </a:solidFill>
+                <a:latin typeface="+mn-lt"/>
+                <a:ea typeface="+mn-ea"/>
+                <a:cs typeface="+mn-cs"/>
+              </a:defRPr>
+            </a:lvl1pPr>
+            <a:lvl2pPr marL="685800" indent="-228600" algn="l" defTabSz="914400" rtl="0" eaLnBrk="1" latinLnBrk="0" hangingPunct="1">
+              <a:lnSpc>
+                <a:spcPct val="90000"/>
+              </a:lnSpc>
+              <a:spcBef>
+                <a:spcPts val="500"/>
+              </a:spcBef>
+              <a:buFont typeface="Arial" panose="020B0604020202020204" pitchFamily="34" charset="0"/>
+              <a:buChar char="•"/>
+              <a:defRPr sz="2400" kern="1200">
+                <a:solidFill>
+                  <a:schemeClr val="tx1"/>
+                </a:solidFill>
+                <a:latin typeface="+mn-lt"/>
+                <a:ea typeface="+mn-ea"/>
+                <a:cs typeface="+mn-cs"/>
+              </a:defRPr>
+            </a:lvl2pPr>
+            <a:lvl3pPr marL="1143000" indent="-228600" algn="l" defTabSz="914400" rtl="0" eaLnBrk="1" latinLnBrk="0" hangingPunct="1">
+              <a:lnSpc>
+                <a:spcPct val="90000"/>
+              </a:lnSpc>
+              <a:spcBef>
+                <a:spcPts val="500"/>
+              </a:spcBef>
+              <a:buFont typeface="Arial" panose="020B0604020202020204" pitchFamily="34" charset="0"/>
+              <a:buChar char="•"/>
+              <a:defRPr sz="2000" kern="1200">
+                <a:solidFill>
+                  <a:schemeClr val="tx1"/>
+                </a:solidFill>
+                <a:latin typeface="+mn-lt"/>
+                <a:ea typeface="+mn-ea"/>
+                <a:cs typeface="+mn-cs"/>
+              </a:defRPr>
+            </a:lvl3pPr>
+            <a:lvl4pPr marL="1600200" indent="-228600" algn="l" defTabSz="914400" rtl="0" eaLnBrk="1" latinLnBrk="0" hangingPunct="1">
+              <a:lnSpc>
+                <a:spcPct val="90000"/>
+              </a:lnSpc>
+              <a:spcBef>
+                <a:spcPts val="500"/>
+              </a:spcBef>
+              <a:buFont typeface="Arial" panose="020B0604020202020204" pitchFamily="34" charset="0"/>
+              <a:buChar char="•"/>
+              <a:defRPr sz="1800" kern="1200">
+                <a:solidFill>
+                  <a:schemeClr val="tx1"/>
+                </a:solidFill>
+                <a:latin typeface="+mn-lt"/>
+                <a:ea typeface="+mn-ea"/>
+                <a:cs typeface="+mn-cs"/>
+              </a:defRPr>
+            </a:lvl4pPr>
+            <a:lvl5pPr marL="2057400" indent="-228600" algn="l" defTabSz="914400" rtl="0" eaLnBrk="1" latinLnBrk="0" hangingPunct="1">
+              <a:lnSpc>
+                <a:spcPct val="90000"/>
+              </a:lnSpc>
+              <a:spcBef>
+                <a:spcPts val="500"/>
+              </a:spcBef>
+              <a:buFont typeface="Arial" panose="020B0604020202020204" pitchFamily="34" charset="0"/>
+              <a:buChar char="•"/>
+              <a:defRPr sz="1800" kern="1200">
+                <a:solidFill>
+                  <a:schemeClr val="tx1"/>
+                </a:solidFill>
+                <a:latin typeface="+mn-lt"/>
+                <a:ea typeface="+mn-ea"/>
+                <a:cs typeface="+mn-cs"/>
+              </a:defRPr>
+            </a:lvl5pPr>
+            <a:lvl6pPr marL="2514600" indent="-228600" algn="l" defTabSz="914400" rtl="0" eaLnBrk="1" latinLnBrk="0" hangingPunct="1">
+              <a:lnSpc>
+                <a:spcPct val="90000"/>
+              </a:lnSpc>
+              <a:spcBef>
+                <a:spcPts val="500"/>
+              </a:spcBef>
+              <a:buFont typeface="Arial" panose="020B0604020202020204" pitchFamily="34" charset="0"/>
+              <a:buChar char="•"/>
+              <a:defRPr sz="1800" kern="1200">
+                <a:solidFill>
+                  <a:schemeClr val="tx1"/>
+                </a:solidFill>
+                <a:latin typeface="+mn-lt"/>
+                <a:ea typeface="+mn-ea"/>
+                <a:cs typeface="+mn-cs"/>
+              </a:defRPr>
+            </a:lvl6pPr>
+            <a:lvl7pPr marL="2971800" indent="-228600" algn="l" defTabSz="914400" rtl="0" eaLnBrk="1" latinLnBrk="0" hangingPunct="1">
+              <a:lnSpc>
+                <a:spcPct val="90000"/>
+              </a:lnSpc>
+              <a:spcBef>
+                <a:spcPts val="500"/>
+              </a:spcBef>
+              <a:buFont typeface="Arial" panose="020B0604020202020204" pitchFamily="34" charset="0"/>
+              <a:buChar char="•"/>
+              <a:defRPr sz="1800" kern="1200">
+                <a:solidFill>
+                  <a:schemeClr val="tx1"/>
+                </a:solidFill>
+                <a:latin typeface="+mn-lt"/>
+                <a:ea typeface="+mn-ea"/>
+                <a:cs typeface="+mn-cs"/>
+              </a:defRPr>
+            </a:lvl7pPr>
+            <a:lvl8pPr marL="3429000" indent="-228600" algn="l" defTabSz="914400" rtl="0" eaLnBrk="1" latinLnBrk="0" hangingPunct="1">
+              <a:lnSpc>
+                <a:spcPct val="90000"/>
+              </a:lnSpc>
+              <a:spcBef>
+                <a:spcPts val="500"/>
+              </a:spcBef>
+              <a:buFont typeface="Arial" panose="020B0604020202020204" pitchFamily="34" charset="0"/>
+              <a:buChar char="•"/>
+              <a:defRPr sz="1800" kern="1200">
+                <a:solidFill>
+                  <a:schemeClr val="tx1"/>
+                </a:solidFill>
+                <a:latin typeface="+mn-lt"/>
+                <a:ea typeface="+mn-ea"/>
+                <a:cs typeface="+mn-cs"/>
+              </a:defRPr>
+            </a:lvl8pPr>
+            <a:lvl9pPr marL="3886200" indent="-228600" algn="l" defTabSz="914400" rtl="0" eaLnBrk="1" latinLnBrk="0" hangingPunct="1">
+              <a:lnSpc>
+                <a:spcPct val="90000"/>
+              </a:lnSpc>
+              <a:spcBef>
+                <a:spcPts val="500"/>
+              </a:spcBef>
+              <a:buFont typeface="Arial" panose="020B0604020202020204" pitchFamily="34" charset="0"/>
+              <a:buChar char="•"/>
+              <a:defRPr sz="1800" kern="1200">
+                <a:solidFill>
+                  <a:schemeClr val="tx1"/>
+                </a:solidFill>
+                <a:latin typeface="+mn-lt"/>
+                <a:ea typeface="+mn-ea"/>
+                <a:cs typeface="+mn-cs"/>
+              </a:defRPr>
+            </a:lvl9pPr>
+          </a:lstStyle>
+          <a:p>
+            <a:pPr marL="0" indent="0">
+              <a:buFont typeface="Arial" panose="020B0604020202020204" pitchFamily="34" charset="0"/>
+              <a:buNone/>
+            </a:pPr>
+            <a:r>
+              <a:rPr lang="en-IT" sz="2000" dirty="0">
+                <a:latin typeface="DINOT" panose="020B0504020101020102" pitchFamily="34" charset="77"/>
+              </a:rPr>
+              <a:t>Data collection is centered around a </a:t>
+            </a:r>
+            <a:r>
+              <a:rPr lang="en-IT" sz="2000" dirty="0">
+                <a:latin typeface="DINOT-Bold" panose="02000503030000020004" pitchFamily="2" charset="77"/>
+              </a:rPr>
+              <a:t>data extraction form</a:t>
+            </a:r>
+          </a:p>
+          <a:p>
+            <a:r>
+              <a:rPr lang="en-IT" sz="2000" dirty="0">
+                <a:latin typeface="DINOT" panose="020B0504020101020102" pitchFamily="34" charset="77"/>
+              </a:rPr>
+              <a:t>Establishes which information is relevant for the review</a:t>
+            </a:r>
+            <a:br>
+              <a:rPr lang="en-IT" sz="2000" dirty="0">
+                <a:latin typeface="DINOT" panose="020B0504020101020102" pitchFamily="34" charset="77"/>
+              </a:rPr>
+            </a:br>
+            <a:r>
+              <a:rPr lang="en-IT" sz="2000" dirty="0">
+                <a:latin typeface="DINOT" panose="020B0504020101020102" pitchFamily="34" charset="77"/>
+              </a:rPr>
+              <a:t>(what to look for in primary studies)</a:t>
+            </a:r>
+          </a:p>
+          <a:p>
+            <a:r>
+              <a:rPr lang="en-IT" sz="2000" dirty="0">
+                <a:latin typeface="DINOT" panose="020B0504020101020102" pitchFamily="34" charset="77"/>
+              </a:rPr>
+              <a:t>Made up of 20 </a:t>
+            </a:r>
+            <a:r>
+              <a:rPr lang="en-IT" sz="2000" dirty="0">
+                <a:latin typeface="DINOT-Bold" panose="02000503030000020004" pitchFamily="2" charset="77"/>
+              </a:rPr>
+              <a:t>data items</a:t>
+            </a:r>
+          </a:p>
+          <a:p>
+            <a:r>
+              <a:rPr lang="en-GB" sz="2000" dirty="0">
+                <a:latin typeface="DINOT" panose="020B0504020101020102" pitchFamily="34" charset="77"/>
+              </a:rPr>
+              <a:t>Ties each group of items to a specific RQ</a:t>
+            </a:r>
+          </a:p>
+          <a:p>
+            <a:pPr lvl="1"/>
+            <a:r>
+              <a:rPr lang="en-GB" sz="1600" dirty="0">
+                <a:latin typeface="DINOT" panose="020B0504020101020102" pitchFamily="34" charset="77"/>
+              </a:rPr>
+              <a:t>(with the exception of items 1-4)</a:t>
+            </a:r>
+          </a:p>
+          <a:p>
+            <a:pPr lvl="1"/>
+            <a:endParaRPr lang="en-GB" sz="1600" dirty="0">
+              <a:latin typeface="DINOT" panose="020B0504020101020102" pitchFamily="34" charset="77"/>
+            </a:endParaRPr>
+          </a:p>
+          <a:p>
+            <a:pPr lvl="1"/>
+            <a:endParaRPr lang="en-GB" sz="1600" dirty="0">
+              <a:latin typeface="DINOT" panose="020B0504020101020102" pitchFamily="34" charset="77"/>
+            </a:endParaRPr>
+          </a:p>
+          <a:p>
+            <a:pPr marL="0" indent="0">
+              <a:buNone/>
+            </a:pPr>
+            <a:r>
+              <a:rPr lang="en-GB" sz="2000" dirty="0">
+                <a:latin typeface="DINOT" panose="020B0504020101020102" pitchFamily="34" charset="77"/>
+              </a:rPr>
+              <a:t>A version of this form is manually populated for </a:t>
+            </a:r>
+            <a:br>
+              <a:rPr lang="en-GB" sz="2000" dirty="0">
+                <a:latin typeface="DINOT" panose="020B0504020101020102" pitchFamily="34" charset="77"/>
+              </a:rPr>
+            </a:br>
+            <a:r>
+              <a:rPr lang="en-GB" sz="2000" dirty="0">
+                <a:latin typeface="DINOT" panose="020B0504020101020102" pitchFamily="34" charset="77"/>
+              </a:rPr>
+              <a:t>each of the included (108) papers</a:t>
+            </a:r>
+            <a:endParaRPr lang="en-IT" sz="2000" dirty="0">
+              <a:latin typeface="DINOT" panose="020B0504020101020102" pitchFamily="34" charset="77"/>
+            </a:endParaRPr>
+          </a:p>
+          <a:p>
+            <a:pPr marL="0" indent="0">
+              <a:buNone/>
+            </a:pPr>
+            <a:endParaRPr lang="en-IT" sz="2000" dirty="0">
+              <a:latin typeface="DINOT" panose="020B0504020101020102" pitchFamily="34" charset="77"/>
+            </a:endParaRPr>
+          </a:p>
+          <a:p>
+            <a:pPr marL="0" indent="0">
+              <a:buNone/>
+            </a:pPr>
+            <a:endParaRPr lang="en-IT" sz="2000" dirty="0">
+              <a:latin typeface="DINOT" panose="020B0504020101020102" pitchFamily="34" charset="77"/>
+            </a:endParaRPr>
+          </a:p>
+          <a:p>
+            <a:pPr marL="0" indent="0">
+              <a:buNone/>
+            </a:pPr>
+            <a:endParaRPr lang="en-IT" sz="2000" dirty="0">
+              <a:latin typeface="DINOT" panose="020B0504020101020102" pitchFamily="34" charset="77"/>
+            </a:endParaRPr>
+          </a:p>
+          <a:p>
+            <a:endParaRPr lang="en-IT" sz="2000" dirty="0">
+              <a:latin typeface="DINOT" panose="020B0504020101020102" pitchFamily="34" charset="77"/>
+            </a:endParaRPr>
+          </a:p>
+          <a:p>
+            <a:pPr marL="0" indent="0">
+              <a:buNone/>
+            </a:pPr>
+            <a:endParaRPr lang="en-IT" sz="2000" dirty="0">
+              <a:latin typeface="DINOT" panose="020B0504020101020102" pitchFamily="34" charset="77"/>
+            </a:endParaRPr>
+          </a:p>
+        </p:txBody>
+      </p:sp>
+    </p:spTree>
+    <p:extLst>
+      <p:ext uri="{BB962C8B-B14F-4D97-AF65-F5344CB8AC3E}">
+        <p14:creationId xmlns:p14="http://schemas.microsoft.com/office/powerpoint/2010/main" val="4195329872"/>
+      </p:ext>
+    </p:extLst>
+  </p:cSld>
+  <p:clrMapOvr>
+    <a:masterClrMapping/>
+  </p:clrMapOvr>
+  <p:timing>
+    <p:tnLst>
+      <p:par>
+        <p:cTn id="1" dur="indefinite" restart="never" nodeType="tmRoot">
+          <p:childTnLst>
+            <p:seq concurrent="1" nextAc="seek">
+              <p:cTn id="2" dur="indefinite" nodeType="mainSeq">
+                <p:childTnLst>
+                  <p:par>
+                    <p:cTn id="3" fill="hold">
+                      <p:stCondLst>
+                        <p:cond delay="indefinite"/>
+                        <p:cond evt="onBegin" delay="0">
+                          <p:tn val="2"/>
+                        </p:cond>
+                      </p:stCondLst>
+                      <p:childTnLst>
+                        <p:par>
+                          <p:cTn id="4" fill="hold">
+                            <p:stCondLst>
+                              <p:cond delay="0"/>
+                            </p:stCondLst>
+                            <p:childTnLst>
+                              <p:par>
+                                <p:cTn id="5" presetID="1" presetClass="entr" presetSubtype="0" fill="hold" nodeType="withEffect">
+                                  <p:stCondLst>
+                                    <p:cond delay="0"/>
+                                  </p:stCondLst>
+                                  <p:childTnLst>
+                                    <p:set>
+                                      <p:cBhvr>
+                                        <p:cTn id="6" dur="1" fill="hold">
+                                          <p:stCondLst>
+                                            <p:cond delay="0"/>
+                                          </p:stCondLst>
+                                        </p:cTn>
+                                        <p:tgtEl>
+                                          <p:spTgt spid="4">
+                                            <p:txEl>
+                                              <p:pRg st="0" end="0"/>
+                                            </p:txEl>
+                                          </p:spTgt>
+                                        </p:tgtEl>
+                                        <p:attrNameLst>
+                                          <p:attrName>style.visibility</p:attrName>
+                                        </p:attrNameLst>
+                                      </p:cBhvr>
+                                      <p:to>
+                                        <p:strVal val="visible"/>
+                                      </p:to>
+                                    </p:set>
+                                  </p:childTnLst>
+                                </p:cTn>
+                              </p:par>
+                            </p:childTnLst>
+                          </p:cTn>
+                        </p:par>
+                      </p:childTnLst>
+                    </p:cTn>
+                  </p:par>
+                  <p:par>
+                    <p:cTn id="7" fill="hold">
+                      <p:stCondLst>
+                        <p:cond delay="indefinite"/>
+                      </p:stCondLst>
+                      <p:childTnLst>
+                        <p:par>
+                          <p:cTn id="8" fill="hold">
+                            <p:stCondLst>
+                              <p:cond delay="0"/>
+                            </p:stCondLst>
+                            <p:childTnLst>
+                              <p:par>
+                                <p:cTn id="9" presetID="1" presetClass="entr" presetSubtype="0" fill="hold" nodeType="clickEffect">
+                                  <p:stCondLst>
+                                    <p:cond delay="0"/>
+                                  </p:stCondLst>
+                                  <p:childTnLst>
+                                    <p:set>
+                                      <p:cBhvr>
+                                        <p:cTn id="10" dur="1" fill="hold">
+                                          <p:stCondLst>
+                                            <p:cond delay="0"/>
+                                          </p:stCondLst>
+                                        </p:cTn>
+                                        <p:tgtEl>
+                                          <p:spTgt spid="4">
+                                            <p:txEl>
+                                              <p:pRg st="1" end="1"/>
+                                            </p:txEl>
+                                          </p:spTgt>
+                                        </p:tgtEl>
+                                        <p:attrNameLst>
+                                          <p:attrName>style.visibility</p:attrName>
+                                        </p:attrNameLst>
+                                      </p:cBhvr>
+                                      <p:to>
+                                        <p:strVal val="visible"/>
+                                      </p:to>
+                                    </p:set>
+                                  </p:childTnLst>
+                                </p:cTn>
+                              </p:par>
+                            </p:childTnLst>
+                          </p:cTn>
+                        </p:par>
+                      </p:childTnLst>
+                    </p:cTn>
+                  </p:par>
+                  <p:par>
+                    <p:cTn id="11" fill="hold">
+                      <p:stCondLst>
+                        <p:cond delay="indefinite"/>
+                      </p:stCondLst>
+                      <p:childTnLst>
+                        <p:par>
+                          <p:cTn id="12" fill="hold">
+                            <p:stCondLst>
+                              <p:cond delay="0"/>
+                            </p:stCondLst>
+                            <p:childTnLst>
+                              <p:par>
+                                <p:cTn id="13" presetID="1" presetClass="entr" presetSubtype="0" fill="hold" nodeType="clickEffect">
+                                  <p:stCondLst>
+                                    <p:cond delay="0"/>
+                                  </p:stCondLst>
+                                  <p:childTnLst>
+                                    <p:set>
+                                      <p:cBhvr>
+                                        <p:cTn id="14" dur="1" fill="hold">
+                                          <p:stCondLst>
+                                            <p:cond delay="0"/>
+                                          </p:stCondLst>
+                                        </p:cTn>
+                                        <p:tgtEl>
+                                          <p:spTgt spid="4">
+                                            <p:txEl>
+                                              <p:pRg st="2" end="2"/>
+                                            </p:txEl>
+                                          </p:spTgt>
+                                        </p:tgtEl>
+                                        <p:attrNameLst>
+                                          <p:attrName>style.visibility</p:attrName>
+                                        </p:attrNameLst>
+                                      </p:cBhvr>
+                                      <p:to>
+                                        <p:strVal val="visible"/>
+                                      </p:to>
+                                    </p:set>
+                                  </p:childTnLst>
+                                </p:cTn>
+                              </p:par>
+                            </p:childTnLst>
+                          </p:cTn>
+                        </p:par>
+                      </p:childTnLst>
+                    </p:cTn>
+                  </p:par>
+                  <p:par>
+                    <p:cTn id="15" fill="hold">
+                      <p:stCondLst>
+                        <p:cond delay="indefinite"/>
+                      </p:stCondLst>
+                      <p:childTnLst>
+                        <p:par>
+                          <p:cTn id="16" fill="hold">
+                            <p:stCondLst>
+                              <p:cond delay="0"/>
+                            </p:stCondLst>
+                            <p:childTnLst>
+                              <p:par>
+                                <p:cTn id="17" presetID="1" presetClass="entr" presetSubtype="0" fill="hold" nodeType="clickEffect">
+                                  <p:stCondLst>
+                                    <p:cond delay="0"/>
+                                  </p:stCondLst>
+                                  <p:childTnLst>
+                                    <p:set>
+                                      <p:cBhvr>
+                                        <p:cTn id="18" dur="1" fill="hold">
+                                          <p:stCondLst>
+                                            <p:cond delay="0"/>
+                                          </p:stCondLst>
+                                        </p:cTn>
+                                        <p:tgtEl>
+                                          <p:spTgt spid="4">
+                                            <p:txEl>
+                                              <p:pRg st="3" end="3"/>
+                                            </p:txEl>
+                                          </p:spTgt>
+                                        </p:tgtEl>
+                                        <p:attrNameLst>
+                                          <p:attrName>style.visibility</p:attrName>
+                                        </p:attrNameLst>
+                                      </p:cBhvr>
+                                      <p:to>
+                                        <p:strVal val="visible"/>
+                                      </p:to>
+                                    </p:set>
+                                  </p:childTnLst>
+                                </p:cTn>
+                              </p:par>
+                            </p:childTnLst>
+                          </p:cTn>
+                        </p:par>
+                      </p:childTnLst>
+                    </p:cTn>
+                  </p:par>
+                  <p:par>
+                    <p:cTn id="19" fill="hold">
+                      <p:stCondLst>
+                        <p:cond delay="indefinite"/>
+                      </p:stCondLst>
+                      <p:childTnLst>
+                        <p:par>
+                          <p:cTn id="20" fill="hold">
+                            <p:stCondLst>
+                              <p:cond delay="0"/>
+                            </p:stCondLst>
+                            <p:childTnLst>
+                              <p:par>
+                                <p:cTn id="21" presetID="1" presetClass="entr" presetSubtype="0" fill="hold" nodeType="clickEffect">
+                                  <p:stCondLst>
+                                    <p:cond delay="0"/>
+                                  </p:stCondLst>
+                                  <p:childTnLst>
+                                    <p:set>
+                                      <p:cBhvr>
+                                        <p:cTn id="22" dur="1" fill="hold">
+                                          <p:stCondLst>
+                                            <p:cond delay="0"/>
+                                          </p:stCondLst>
+                                        </p:cTn>
+                                        <p:tgtEl>
+                                          <p:spTgt spid="4">
+                                            <p:txEl>
+                                              <p:pRg st="4" end="4"/>
+                                            </p:txEl>
+                                          </p:spTgt>
+                                        </p:tgtEl>
+                                        <p:attrNameLst>
+                                          <p:attrName>style.visibility</p:attrName>
+                                        </p:attrNameLst>
+                                      </p:cBhvr>
+                                      <p:to>
+                                        <p:strVal val="visible"/>
+                                      </p:to>
+                                    </p:set>
+                                  </p:childTnLst>
+                                </p:cTn>
+                              </p:par>
+                            </p:childTnLst>
+                          </p:cTn>
+                        </p:par>
+                      </p:childTnLst>
+                    </p:cTn>
+                  </p:par>
+                  <p:par>
+                    <p:cTn id="23" fill="hold">
+                      <p:stCondLst>
+                        <p:cond delay="indefinite"/>
+                      </p:stCondLst>
+                      <p:childTnLst>
+                        <p:par>
+                          <p:cTn id="24" fill="hold">
+                            <p:stCondLst>
+                              <p:cond delay="0"/>
+                            </p:stCondLst>
+                            <p:childTnLst>
+                              <p:par>
+                                <p:cTn id="25" presetID="1" presetClass="entr" presetSubtype="0" fill="hold" nodeType="clickEffect">
+                                  <p:stCondLst>
+                                    <p:cond delay="0"/>
+                                  </p:stCondLst>
+                                  <p:childTnLst>
+                                    <p:set>
+                                      <p:cBhvr>
+                                        <p:cTn id="26" dur="1" fill="hold">
+                                          <p:stCondLst>
+                                            <p:cond delay="0"/>
+                                          </p:stCondLst>
+                                        </p:cTn>
+                                        <p:tgtEl>
+                                          <p:spTgt spid="4">
+                                            <p:txEl>
+                                              <p:pRg st="7" end="7"/>
+                                            </p:txEl>
+                                          </p:spTgt>
+                                        </p:tgtEl>
+                                        <p:attrNameLst>
+                                          <p:attrName>style.visibility</p:attrName>
+                                        </p:attrNameLst>
+                                      </p:cBhvr>
+                                      <p:to>
+                                        <p:strVal val="visible"/>
+                                      </p:to>
+                                    </p:set>
+                                  </p:childTnLst>
+                                </p:cTn>
+                              </p:par>
+                            </p:childTnLst>
+                          </p:cTn>
+                        </p:par>
+                      </p:childTnLst>
+                    </p:cTn>
+                  </p:par>
+                </p:childTnLst>
+              </p:cTn>
+              <p:prevCondLst>
+                <p:cond evt="onPrev" delay="0">
+                  <p:tgtEl>
+                    <p:sldTgt/>
+                  </p:tgtEl>
+                </p:cond>
+              </p:prevCondLst>
+              <p:nextCondLst>
+                <p:cond evt="onNext" delay="0">
+                  <p:tgtEl>
+                    <p:sldTgt/>
+                  </p:tgtEl>
+                </p:cond>
+              </p:nextCondLst>
+            </p:seq>
+          </p:childTnLst>
+        </p:cTn>
+      </p:par>
+    </p:tnLst>
+  </p:timing>
+</p:sld>
+</file>
+
+<file path=ppt/slides/slide13.xml><?xml version="1.0" encoding="utf-8"?>
+<p:sld xmlns:a="http://schemas.openxmlformats.org/drawingml/2006/main" xmlns:r="http://schemas.openxmlformats.org/officeDocument/2006/relationships" xmlns:p="http://schemas.openxmlformats.org/presentationml/2006/main">
+  <p:cSld>
+    <p:spTree>
+      <p:nvGrpSpPr>
+        <p:cNvPr id="1" name=""/>
+        <p:cNvGrpSpPr/>
+        <p:nvPr/>
+      </p:nvGrpSpPr>
+      <p:grpSpPr>
+        <a:xfrm>
+          <a:off x="0" y="0"/>
+          <a:ext cx="0" cy="0"/>
+          <a:chOff x="0" y="0"/>
+          <a:chExt cx="0" cy="0"/>
+        </a:xfrm>
+      </p:grpSpPr>
+      <p:sp>
+        <p:nvSpPr>
+          <p:cNvPr id="2" name="Title 1">
+            <a:extLst>
+              <a:ext uri="{FF2B5EF4-FFF2-40B4-BE49-F238E27FC236}">
+                <a16:creationId xmlns:a16="http://schemas.microsoft.com/office/drawing/2014/main" id="{59807EB7-4652-34BC-E166-A3B778C092A3}"/>
+              </a:ext>
+            </a:extLst>
+          </p:cNvPr>
+          <p:cNvSpPr>
+            <a:spLocks noGrp="1"/>
+          </p:cNvSpPr>
+          <p:nvPr>
+            <p:ph type="title"/>
+          </p:nvPr>
+        </p:nvSpPr>
+        <p:spPr>
+          <a:xfrm>
+            <a:off x="838201" y="537800"/>
+            <a:ext cx="10515600" cy="715530"/>
+          </a:xfrm>
+        </p:spPr>
+        <p:txBody>
+          <a:bodyPr>
+            <a:normAutofit/>
+          </a:bodyPr>
+          <a:lstStyle/>
+          <a:p>
+            <a:r>
+              <a:rPr lang="en-IT" sz="3200" dirty="0">
+                <a:latin typeface="DINOT-Bold" panose="02000503030000020004" pitchFamily="2" charset="77"/>
+              </a:rPr>
+              <a:t>Structure of the analysis and synthesis</a:t>
+            </a:r>
+          </a:p>
+        </p:txBody>
+      </p:sp>
+      <p:sp>
+        <p:nvSpPr>
+          <p:cNvPr id="3" name="Content Placeholder 2">
+            <a:extLst>
+              <a:ext uri="{FF2B5EF4-FFF2-40B4-BE49-F238E27FC236}">
+                <a16:creationId xmlns:a16="http://schemas.microsoft.com/office/drawing/2014/main" id="{15BB9E1A-FD1D-4D3F-1D85-609848BB83C3}"/>
+              </a:ext>
+            </a:extLst>
+          </p:cNvPr>
+          <p:cNvSpPr>
+            <a:spLocks noGrp="1"/>
+          </p:cNvSpPr>
+          <p:nvPr>
+            <p:ph idx="1"/>
+          </p:nvPr>
+        </p:nvSpPr>
+        <p:spPr>
+          <a:xfrm>
+            <a:off x="838199" y="1690254"/>
+            <a:ext cx="10827327" cy="4749047"/>
+          </a:xfrm>
+        </p:spPr>
+        <p:txBody>
+          <a:bodyPr>
+            <a:normAutofit/>
+          </a:bodyPr>
+          <a:lstStyle/>
+          <a:p>
+            <a:pPr marL="0" indent="0">
+              <a:buNone/>
+            </a:pPr>
+            <a:r>
+              <a:rPr lang="en-IT" sz="2000" dirty="0">
+                <a:latin typeface="DINOT" panose="020B0504020101020102" pitchFamily="34" charset="77"/>
+              </a:rPr>
+              <a:t>Collected data is analysed in order to provide:</a:t>
+            </a:r>
+          </a:p>
+          <a:p>
+            <a:pPr marL="457200" indent="-457200">
+              <a:buAutoNum type="arabicPeriod"/>
+            </a:pPr>
+            <a:r>
+              <a:rPr lang="en-IT" sz="2000" dirty="0">
+                <a:latin typeface="DINOT" panose="020B0504020101020102" pitchFamily="34" charset="77"/>
+              </a:rPr>
+              <a:t>A </a:t>
+            </a:r>
+            <a:r>
+              <a:rPr lang="en-IT" sz="2000" dirty="0">
+                <a:latin typeface="DINOT-Bold" panose="02000503030000020004" pitchFamily="2" charset="77"/>
+              </a:rPr>
+              <a:t>synthesis</a:t>
+            </a:r>
+            <a:r>
+              <a:rPr lang="en-IT" sz="2000" dirty="0">
+                <a:latin typeface="DINOT" panose="020B0504020101020102" pitchFamily="34" charset="77"/>
+              </a:rPr>
+              <a:t> of the evidence found in the </a:t>
+            </a:r>
+            <a:r>
+              <a:rPr lang="en-IT" sz="2000" dirty="0">
+                <a:latin typeface="DINOT-Bold" panose="02000503030000020004" pitchFamily="2" charset="77"/>
+              </a:rPr>
+              <a:t>primary studies </a:t>
+            </a:r>
+            <a:endParaRPr lang="en-IT" sz="1600" dirty="0">
+              <a:latin typeface="DINOT-Bold" panose="02000503030000020004" pitchFamily="2" charset="77"/>
+            </a:endParaRPr>
+          </a:p>
+          <a:p>
+            <a:pPr lvl="1"/>
+            <a:r>
+              <a:rPr lang="en-IT" sz="1600" dirty="0">
+                <a:latin typeface="DINOT" panose="020B0504020101020102" pitchFamily="34" charset="77"/>
+              </a:rPr>
+              <a:t>Conducted following the defined data items</a:t>
+            </a:r>
+          </a:p>
+          <a:p>
+            <a:pPr lvl="1"/>
+            <a:r>
+              <a:rPr lang="en-IT" sz="1600" dirty="0">
+                <a:latin typeface="DINOT" panose="020B0504020101020102" pitchFamily="34" charset="77"/>
+              </a:rPr>
+              <a:t>Drawing comparisons between </a:t>
+            </a:r>
+            <a:r>
+              <a:rPr lang="en-GB" sz="1600" dirty="0">
+                <a:latin typeface="DINOT" panose="020B0504020101020102" pitchFamily="34" charset="77"/>
+              </a:rPr>
+              <a:t>methodologies, contents and findings </a:t>
+            </a:r>
+            <a:endParaRPr lang="en-IT" sz="1600" dirty="0">
+              <a:latin typeface="DINOT" panose="020B0504020101020102" pitchFamily="34" charset="77"/>
+            </a:endParaRPr>
+          </a:p>
+          <a:p>
+            <a:pPr lvl="1"/>
+            <a:r>
+              <a:rPr lang="en-IT" sz="1600" dirty="0">
+                <a:latin typeface="DINOT" panose="020B0504020101020102" pitchFamily="34" charset="77"/>
+              </a:rPr>
+              <a:t>Ultimately used to address the posed research questions</a:t>
+            </a:r>
+          </a:p>
+          <a:p>
+            <a:pPr marL="457200" indent="-457200">
+              <a:buAutoNum type="arabicPeriod"/>
+            </a:pPr>
+            <a:r>
+              <a:rPr lang="en-IT" sz="2000" dirty="0">
+                <a:latin typeface="DINOT" panose="020B0504020101020102" pitchFamily="34" charset="77"/>
+              </a:rPr>
+              <a:t>A description of the identified </a:t>
+            </a:r>
+            <a:r>
+              <a:rPr lang="en-IT" sz="2000" dirty="0">
+                <a:latin typeface="DINOT-Bold" panose="02000503030000020004" pitchFamily="2" charset="77"/>
+              </a:rPr>
+              <a:t>research gaps</a:t>
+            </a:r>
+          </a:p>
+          <a:p>
+            <a:pPr lvl="1"/>
+            <a:r>
+              <a:rPr lang="en-IT" sz="1600" dirty="0">
+                <a:latin typeface="DINOT" panose="020B0504020101020102" pitchFamily="34" charset="77"/>
+              </a:rPr>
+              <a:t>Highlighting what is missing or lackluster</a:t>
+            </a:r>
+          </a:p>
+          <a:p>
+            <a:pPr marL="457200" indent="-457200">
+              <a:buAutoNum type="arabicPeriod"/>
+            </a:pPr>
+            <a:r>
+              <a:rPr lang="en-IT" sz="2000" dirty="0">
+                <a:latin typeface="DINOT" panose="020B0504020101020102" pitchFamily="34" charset="77"/>
+              </a:rPr>
+              <a:t>Selected </a:t>
+            </a:r>
+            <a:r>
+              <a:rPr lang="en-IT" sz="2000" dirty="0">
+                <a:latin typeface="DINOT-Bold" panose="02000503030000020004" pitchFamily="2" charset="77"/>
+              </a:rPr>
+              <a:t>insights from individual studies</a:t>
+            </a:r>
+          </a:p>
+          <a:p>
+            <a:pPr lvl="1"/>
+            <a:r>
+              <a:rPr lang="en-IT" sz="1600" dirty="0">
+                <a:latin typeface="DINOT" panose="020B0504020101020102" pitchFamily="34" charset="77"/>
+              </a:rPr>
+              <a:t>Identified on the basis of the </a:t>
+            </a:r>
+            <a:r>
+              <a:rPr lang="en-IT" sz="1600" dirty="0">
+                <a:latin typeface="DINOT-Bold" panose="02000503030000020004" pitchFamily="2" charset="77"/>
+              </a:rPr>
+              <a:t>accessibility</a:t>
+            </a:r>
+            <a:r>
+              <a:rPr lang="en-IT" sz="1600" dirty="0">
+                <a:latin typeface="DINOT" panose="020B0504020101020102" pitchFamily="34" charset="77"/>
+              </a:rPr>
+              <a:t> of the documents…</a:t>
+            </a:r>
+          </a:p>
+          <a:p>
+            <a:pPr lvl="1"/>
+            <a:r>
+              <a:rPr lang="en-IT" sz="1600" dirty="0">
+                <a:latin typeface="DINOT" panose="020B0504020101020102" pitchFamily="34" charset="77"/>
+              </a:rPr>
+              <a:t>… and the </a:t>
+            </a:r>
+            <a:r>
+              <a:rPr lang="en-IT" sz="1600" dirty="0">
+                <a:latin typeface="DINOT-Bold" panose="02000503030000020004" pitchFamily="2" charset="77"/>
+              </a:rPr>
+              <a:t>reproducibility</a:t>
+            </a:r>
+            <a:r>
+              <a:rPr lang="en-IT" sz="1600" dirty="0">
+                <a:latin typeface="DINOT" panose="020B0504020101020102" pitchFamily="34" charset="77"/>
+              </a:rPr>
+              <a:t> of the described methodology</a:t>
+            </a:r>
+          </a:p>
+          <a:p>
+            <a:pPr lvl="1"/>
+            <a:r>
+              <a:rPr lang="en-IT" sz="1600" dirty="0">
+                <a:latin typeface="DINOT" panose="020B0504020101020102" pitchFamily="34" charset="77"/>
+              </a:rPr>
+              <a:t>Offered to provide guidance to prospective researchers</a:t>
+            </a:r>
           </a:p>
         </p:txBody>
       </p:sp>
@@ -4410,10 +7932,535 @@
   <p:clrMapOvr>
     <a:masterClrMapping/>
   </p:clrMapOvr>
+  <p:timing>
+    <p:tnLst>
+      <p:par>
+        <p:cTn id="1" dur="indefinite" restart="never" nodeType="tmRoot">
+          <p:childTnLst>
+            <p:seq concurrent="1" nextAc="seek">
+              <p:cTn id="2" dur="indefinite" nodeType="mainSeq">
+                <p:childTnLst>
+                  <p:par>
+                    <p:cTn id="3" fill="hold">
+                      <p:stCondLst>
+                        <p:cond delay="indefinite"/>
+                      </p:stCondLst>
+                      <p:childTnLst>
+                        <p:par>
+                          <p:cTn id="4" fill="hold">
+                            <p:stCondLst>
+                              <p:cond delay="0"/>
+                            </p:stCondLst>
+                            <p:childTnLst>
+                              <p:par>
+                                <p:cTn id="5" presetID="1" presetClass="entr" presetSubtype="0" fill="hold" nodeType="clickEffect">
+                                  <p:stCondLst>
+                                    <p:cond delay="0"/>
+                                  </p:stCondLst>
+                                  <p:childTnLst>
+                                    <p:set>
+                                      <p:cBhvr>
+                                        <p:cTn id="6" dur="1" fill="hold">
+                                          <p:stCondLst>
+                                            <p:cond delay="0"/>
+                                          </p:stCondLst>
+                                        </p:cTn>
+                                        <p:tgtEl>
+                                          <p:spTgt spid="3">
+                                            <p:txEl>
+                                              <p:pRg st="1" end="1"/>
+                                            </p:txEl>
+                                          </p:spTgt>
+                                        </p:tgtEl>
+                                        <p:attrNameLst>
+                                          <p:attrName>style.visibility</p:attrName>
+                                        </p:attrNameLst>
+                                      </p:cBhvr>
+                                      <p:to>
+                                        <p:strVal val="visible"/>
+                                      </p:to>
+                                    </p:set>
+                                  </p:childTnLst>
+                                </p:cTn>
+                              </p:par>
+                            </p:childTnLst>
+                          </p:cTn>
+                        </p:par>
+                      </p:childTnLst>
+                    </p:cTn>
+                  </p:par>
+                  <p:par>
+                    <p:cTn id="7" fill="hold">
+                      <p:stCondLst>
+                        <p:cond delay="indefinite"/>
+                      </p:stCondLst>
+                      <p:childTnLst>
+                        <p:par>
+                          <p:cTn id="8" fill="hold">
+                            <p:stCondLst>
+                              <p:cond delay="0"/>
+                            </p:stCondLst>
+                            <p:childTnLst>
+                              <p:par>
+                                <p:cTn id="9" presetID="1" presetClass="entr" presetSubtype="0" fill="hold" nodeType="clickEffect">
+                                  <p:stCondLst>
+                                    <p:cond delay="0"/>
+                                  </p:stCondLst>
+                                  <p:childTnLst>
+                                    <p:set>
+                                      <p:cBhvr>
+                                        <p:cTn id="10" dur="1" fill="hold">
+                                          <p:stCondLst>
+                                            <p:cond delay="0"/>
+                                          </p:stCondLst>
+                                        </p:cTn>
+                                        <p:tgtEl>
+                                          <p:spTgt spid="3">
+                                            <p:txEl>
+                                              <p:pRg st="2" end="2"/>
+                                            </p:txEl>
+                                          </p:spTgt>
+                                        </p:tgtEl>
+                                        <p:attrNameLst>
+                                          <p:attrName>style.visibility</p:attrName>
+                                        </p:attrNameLst>
+                                      </p:cBhvr>
+                                      <p:to>
+                                        <p:strVal val="visible"/>
+                                      </p:to>
+                                    </p:set>
+                                  </p:childTnLst>
+                                </p:cTn>
+                              </p:par>
+                            </p:childTnLst>
+                          </p:cTn>
+                        </p:par>
+                      </p:childTnLst>
+                    </p:cTn>
+                  </p:par>
+                  <p:par>
+                    <p:cTn id="11" fill="hold">
+                      <p:stCondLst>
+                        <p:cond delay="indefinite"/>
+                      </p:stCondLst>
+                      <p:childTnLst>
+                        <p:par>
+                          <p:cTn id="12" fill="hold">
+                            <p:stCondLst>
+                              <p:cond delay="0"/>
+                            </p:stCondLst>
+                            <p:childTnLst>
+                              <p:par>
+                                <p:cTn id="13" presetID="1" presetClass="entr" presetSubtype="0" fill="hold" nodeType="clickEffect">
+                                  <p:stCondLst>
+                                    <p:cond delay="0"/>
+                                  </p:stCondLst>
+                                  <p:childTnLst>
+                                    <p:set>
+                                      <p:cBhvr>
+                                        <p:cTn id="14" dur="1" fill="hold">
+                                          <p:stCondLst>
+                                            <p:cond delay="0"/>
+                                          </p:stCondLst>
+                                        </p:cTn>
+                                        <p:tgtEl>
+                                          <p:spTgt spid="3">
+                                            <p:txEl>
+                                              <p:pRg st="3" end="3"/>
+                                            </p:txEl>
+                                          </p:spTgt>
+                                        </p:tgtEl>
+                                        <p:attrNameLst>
+                                          <p:attrName>style.visibility</p:attrName>
+                                        </p:attrNameLst>
+                                      </p:cBhvr>
+                                      <p:to>
+                                        <p:strVal val="visible"/>
+                                      </p:to>
+                                    </p:set>
+                                  </p:childTnLst>
+                                </p:cTn>
+                              </p:par>
+                            </p:childTnLst>
+                          </p:cTn>
+                        </p:par>
+                      </p:childTnLst>
+                    </p:cTn>
+                  </p:par>
+                  <p:par>
+                    <p:cTn id="15" fill="hold">
+                      <p:stCondLst>
+                        <p:cond delay="indefinite"/>
+                      </p:stCondLst>
+                      <p:childTnLst>
+                        <p:par>
+                          <p:cTn id="16" fill="hold">
+                            <p:stCondLst>
+                              <p:cond delay="0"/>
+                            </p:stCondLst>
+                            <p:childTnLst>
+                              <p:par>
+                                <p:cTn id="17" presetID="1" presetClass="entr" presetSubtype="0" fill="hold" nodeType="clickEffect">
+                                  <p:stCondLst>
+                                    <p:cond delay="0"/>
+                                  </p:stCondLst>
+                                  <p:childTnLst>
+                                    <p:set>
+                                      <p:cBhvr>
+                                        <p:cTn id="18" dur="1" fill="hold">
+                                          <p:stCondLst>
+                                            <p:cond delay="0"/>
+                                          </p:stCondLst>
+                                        </p:cTn>
+                                        <p:tgtEl>
+                                          <p:spTgt spid="3">
+                                            <p:txEl>
+                                              <p:pRg st="4" end="4"/>
+                                            </p:txEl>
+                                          </p:spTgt>
+                                        </p:tgtEl>
+                                        <p:attrNameLst>
+                                          <p:attrName>style.visibility</p:attrName>
+                                        </p:attrNameLst>
+                                      </p:cBhvr>
+                                      <p:to>
+                                        <p:strVal val="visible"/>
+                                      </p:to>
+                                    </p:set>
+                                  </p:childTnLst>
+                                </p:cTn>
+                              </p:par>
+                            </p:childTnLst>
+                          </p:cTn>
+                        </p:par>
+                      </p:childTnLst>
+                    </p:cTn>
+                  </p:par>
+                  <p:par>
+                    <p:cTn id="19" fill="hold">
+                      <p:stCondLst>
+                        <p:cond delay="indefinite"/>
+                      </p:stCondLst>
+                      <p:childTnLst>
+                        <p:par>
+                          <p:cTn id="20" fill="hold">
+                            <p:stCondLst>
+                              <p:cond delay="0"/>
+                            </p:stCondLst>
+                            <p:childTnLst>
+                              <p:par>
+                                <p:cTn id="21" presetID="1" presetClass="entr" presetSubtype="0" fill="hold" nodeType="clickEffect">
+                                  <p:stCondLst>
+                                    <p:cond delay="0"/>
+                                  </p:stCondLst>
+                                  <p:childTnLst>
+                                    <p:set>
+                                      <p:cBhvr>
+                                        <p:cTn id="22" dur="1" fill="hold">
+                                          <p:stCondLst>
+                                            <p:cond delay="0"/>
+                                          </p:stCondLst>
+                                        </p:cTn>
+                                        <p:tgtEl>
+                                          <p:spTgt spid="3">
+                                            <p:txEl>
+                                              <p:pRg st="5" end="5"/>
+                                            </p:txEl>
+                                          </p:spTgt>
+                                        </p:tgtEl>
+                                        <p:attrNameLst>
+                                          <p:attrName>style.visibility</p:attrName>
+                                        </p:attrNameLst>
+                                      </p:cBhvr>
+                                      <p:to>
+                                        <p:strVal val="visible"/>
+                                      </p:to>
+                                    </p:set>
+                                  </p:childTnLst>
+                                </p:cTn>
+                              </p:par>
+                            </p:childTnLst>
+                          </p:cTn>
+                        </p:par>
+                      </p:childTnLst>
+                    </p:cTn>
+                  </p:par>
+                  <p:par>
+                    <p:cTn id="23" fill="hold">
+                      <p:stCondLst>
+                        <p:cond delay="indefinite"/>
+                      </p:stCondLst>
+                      <p:childTnLst>
+                        <p:par>
+                          <p:cTn id="24" fill="hold">
+                            <p:stCondLst>
+                              <p:cond delay="0"/>
+                            </p:stCondLst>
+                            <p:childTnLst>
+                              <p:par>
+                                <p:cTn id="25" presetID="1" presetClass="entr" presetSubtype="0" fill="hold" nodeType="clickEffect">
+                                  <p:stCondLst>
+                                    <p:cond delay="0"/>
+                                  </p:stCondLst>
+                                  <p:childTnLst>
+                                    <p:set>
+                                      <p:cBhvr>
+                                        <p:cTn id="26" dur="1" fill="hold">
+                                          <p:stCondLst>
+                                            <p:cond delay="0"/>
+                                          </p:stCondLst>
+                                        </p:cTn>
+                                        <p:tgtEl>
+                                          <p:spTgt spid="3">
+                                            <p:txEl>
+                                              <p:pRg st="6" end="6"/>
+                                            </p:txEl>
+                                          </p:spTgt>
+                                        </p:tgtEl>
+                                        <p:attrNameLst>
+                                          <p:attrName>style.visibility</p:attrName>
+                                        </p:attrNameLst>
+                                      </p:cBhvr>
+                                      <p:to>
+                                        <p:strVal val="visible"/>
+                                      </p:to>
+                                    </p:set>
+                                  </p:childTnLst>
+                                </p:cTn>
+                              </p:par>
+                            </p:childTnLst>
+                          </p:cTn>
+                        </p:par>
+                      </p:childTnLst>
+                    </p:cTn>
+                  </p:par>
+                  <p:par>
+                    <p:cTn id="27" fill="hold">
+                      <p:stCondLst>
+                        <p:cond delay="indefinite"/>
+                      </p:stCondLst>
+                      <p:childTnLst>
+                        <p:par>
+                          <p:cTn id="28" fill="hold">
+                            <p:stCondLst>
+                              <p:cond delay="0"/>
+                            </p:stCondLst>
+                            <p:childTnLst>
+                              <p:par>
+                                <p:cTn id="29" presetID="1" presetClass="entr" presetSubtype="0" fill="hold" nodeType="clickEffect">
+                                  <p:stCondLst>
+                                    <p:cond delay="0"/>
+                                  </p:stCondLst>
+                                  <p:childTnLst>
+                                    <p:set>
+                                      <p:cBhvr>
+                                        <p:cTn id="30" dur="1" fill="hold">
+                                          <p:stCondLst>
+                                            <p:cond delay="0"/>
+                                          </p:stCondLst>
+                                        </p:cTn>
+                                        <p:tgtEl>
+                                          <p:spTgt spid="3">
+                                            <p:txEl>
+                                              <p:pRg st="7" end="7"/>
+                                            </p:txEl>
+                                          </p:spTgt>
+                                        </p:tgtEl>
+                                        <p:attrNameLst>
+                                          <p:attrName>style.visibility</p:attrName>
+                                        </p:attrNameLst>
+                                      </p:cBhvr>
+                                      <p:to>
+                                        <p:strVal val="visible"/>
+                                      </p:to>
+                                    </p:set>
+                                  </p:childTnLst>
+                                </p:cTn>
+                              </p:par>
+                            </p:childTnLst>
+                          </p:cTn>
+                        </p:par>
+                      </p:childTnLst>
+                    </p:cTn>
+                  </p:par>
+                  <p:par>
+                    <p:cTn id="31" fill="hold">
+                      <p:stCondLst>
+                        <p:cond delay="indefinite"/>
+                      </p:stCondLst>
+                      <p:childTnLst>
+                        <p:par>
+                          <p:cTn id="32" fill="hold">
+                            <p:stCondLst>
+                              <p:cond delay="0"/>
+                            </p:stCondLst>
+                            <p:childTnLst>
+                              <p:par>
+                                <p:cTn id="33" presetID="1" presetClass="entr" presetSubtype="0" fill="hold" nodeType="clickEffect">
+                                  <p:stCondLst>
+                                    <p:cond delay="0"/>
+                                  </p:stCondLst>
+                                  <p:childTnLst>
+                                    <p:set>
+                                      <p:cBhvr>
+                                        <p:cTn id="34" dur="1" fill="hold">
+                                          <p:stCondLst>
+                                            <p:cond delay="0"/>
+                                          </p:stCondLst>
+                                        </p:cTn>
+                                        <p:tgtEl>
+                                          <p:spTgt spid="3">
+                                            <p:txEl>
+                                              <p:pRg st="8" end="8"/>
+                                            </p:txEl>
+                                          </p:spTgt>
+                                        </p:tgtEl>
+                                        <p:attrNameLst>
+                                          <p:attrName>style.visibility</p:attrName>
+                                        </p:attrNameLst>
+                                      </p:cBhvr>
+                                      <p:to>
+                                        <p:strVal val="visible"/>
+                                      </p:to>
+                                    </p:set>
+                                  </p:childTnLst>
+                                </p:cTn>
+                              </p:par>
+                            </p:childTnLst>
+                          </p:cTn>
+                        </p:par>
+                      </p:childTnLst>
+                    </p:cTn>
+                  </p:par>
+                  <p:par>
+                    <p:cTn id="35" fill="hold">
+                      <p:stCondLst>
+                        <p:cond delay="indefinite"/>
+                      </p:stCondLst>
+                      <p:childTnLst>
+                        <p:par>
+                          <p:cTn id="36" fill="hold">
+                            <p:stCondLst>
+                              <p:cond delay="0"/>
+                            </p:stCondLst>
+                            <p:childTnLst>
+                              <p:par>
+                                <p:cTn id="37" presetID="1" presetClass="entr" presetSubtype="0" fill="hold" nodeType="clickEffect">
+                                  <p:stCondLst>
+                                    <p:cond delay="0"/>
+                                  </p:stCondLst>
+                                  <p:childTnLst>
+                                    <p:set>
+                                      <p:cBhvr>
+                                        <p:cTn id="38" dur="1" fill="hold">
+                                          <p:stCondLst>
+                                            <p:cond delay="0"/>
+                                          </p:stCondLst>
+                                        </p:cTn>
+                                        <p:tgtEl>
+                                          <p:spTgt spid="3">
+                                            <p:txEl>
+                                              <p:pRg st="9" end="9"/>
+                                            </p:txEl>
+                                          </p:spTgt>
+                                        </p:tgtEl>
+                                        <p:attrNameLst>
+                                          <p:attrName>style.visibility</p:attrName>
+                                        </p:attrNameLst>
+                                      </p:cBhvr>
+                                      <p:to>
+                                        <p:strVal val="visible"/>
+                                      </p:to>
+                                    </p:set>
+                                  </p:childTnLst>
+                                </p:cTn>
+                              </p:par>
+                            </p:childTnLst>
+                          </p:cTn>
+                        </p:par>
+                      </p:childTnLst>
+                    </p:cTn>
+                  </p:par>
+                  <p:par>
+                    <p:cTn id="39" fill="hold">
+                      <p:stCondLst>
+                        <p:cond delay="indefinite"/>
+                      </p:stCondLst>
+                      <p:childTnLst>
+                        <p:par>
+                          <p:cTn id="40" fill="hold">
+                            <p:stCondLst>
+                              <p:cond delay="0"/>
+                            </p:stCondLst>
+                            <p:childTnLst>
+                              <p:par>
+                                <p:cTn id="41" presetID="1" presetClass="entr" presetSubtype="0" fill="hold" nodeType="clickEffect">
+                                  <p:stCondLst>
+                                    <p:cond delay="0"/>
+                                  </p:stCondLst>
+                                  <p:childTnLst>
+                                    <p:set>
+                                      <p:cBhvr>
+                                        <p:cTn id="42" dur="1" fill="hold">
+                                          <p:stCondLst>
+                                            <p:cond delay="0"/>
+                                          </p:stCondLst>
+                                        </p:cTn>
+                                        <p:tgtEl>
+                                          <p:spTgt spid="3">
+                                            <p:txEl>
+                                              <p:pRg st="10" end="10"/>
+                                            </p:txEl>
+                                          </p:spTgt>
+                                        </p:tgtEl>
+                                        <p:attrNameLst>
+                                          <p:attrName>style.visibility</p:attrName>
+                                        </p:attrNameLst>
+                                      </p:cBhvr>
+                                      <p:to>
+                                        <p:strVal val="visible"/>
+                                      </p:to>
+                                    </p:set>
+                                  </p:childTnLst>
+                                </p:cTn>
+                              </p:par>
+                            </p:childTnLst>
+                          </p:cTn>
+                        </p:par>
+                      </p:childTnLst>
+                    </p:cTn>
+                  </p:par>
+                </p:childTnLst>
+              </p:cTn>
+              <p:prevCondLst>
+                <p:cond evt="onPrev" delay="0">
+                  <p:tgtEl>
+                    <p:sldTgt/>
+                  </p:tgtEl>
+                </p:cond>
+              </p:prevCondLst>
+              <p:nextCondLst>
+                <p:cond evt="onNext" delay="0">
+                  <p:tgtEl>
+                    <p:sldTgt/>
+                  </p:tgtEl>
+                </p:cond>
+              </p:nextCondLst>
+            </p:seq>
+          </p:childTnLst>
+        </p:cTn>
+      </p:par>
+    </p:tnLst>
+  </p:timing>
+  <p:extLst>
+    <p:ext uri="{6950BFC3-D8DA-4A85-94F7-54DA5524770B}">
+      <p188:commentRel xmlns:p188="http://schemas.microsoft.com/office/powerpoint/2018/8/main" r:id="rId2"/>
+    </p:ext>
+  </p:extLst>
 </p:sld>
 </file>
 
-<file path=ppt/slides/slide12.xml><?xml version="1.0" encoding="utf-8"?>
+<file path=ppt/slides/slide14.xml><?xml version="1.0" encoding="utf-8"?>
 <p:sld xmlns:a="http://schemas.openxmlformats.org/drawingml/2006/main" xmlns:r="http://schemas.openxmlformats.org/officeDocument/2006/relationships" xmlns:p="http://schemas.openxmlformats.org/presentationml/2006/main">
   <p:cSld>
     <p:spTree>
@@ -4539,7 +8586,7 @@
 </p:sld>
 </file>
 
-<file path=ppt/slides/slide13.xml><?xml version="1.0" encoding="utf-8"?>
+<file path=ppt/slides/slide15.xml><?xml version="1.0" encoding="utf-8"?>
 <p:sld xmlns:a="http://schemas.openxmlformats.org/drawingml/2006/main" xmlns:r="http://schemas.openxmlformats.org/officeDocument/2006/relationships" xmlns:p="http://schemas.openxmlformats.org/presentationml/2006/main">
   <p:cSld>
     <p:spTree>
@@ -4635,7 +8682,7 @@
 </p:sld>
 </file>
 
-<file path=ppt/slides/slide14.xml><?xml version="1.0" encoding="utf-8"?>
+<file path=ppt/slides/slide16.xml><?xml version="1.0" encoding="utf-8"?>
 <p:sld xmlns:a="http://schemas.openxmlformats.org/drawingml/2006/main" xmlns:r="http://schemas.openxmlformats.org/officeDocument/2006/relationships" xmlns:p="http://schemas.openxmlformats.org/presentationml/2006/main">
   <p:cSld>
     <p:spTree>
@@ -4761,7 +8808,7 @@
 </p:sld>
 </file>
 
-<file path=ppt/slides/slide15.xml><?xml version="1.0" encoding="utf-8"?>
+<file path=ppt/slides/slide17.xml><?xml version="1.0" encoding="utf-8"?>
 <p:sld xmlns:a="http://schemas.openxmlformats.org/drawingml/2006/main" xmlns:r="http://schemas.openxmlformats.org/officeDocument/2006/relationships" xmlns:p="http://schemas.openxmlformats.org/presentationml/2006/main">
   <p:cSld>
     <p:spTree>
@@ -4853,175 +8900,6 @@
     <p:extLst>
       <p:ext uri="{BB962C8B-B14F-4D97-AF65-F5344CB8AC3E}">
         <p14:creationId xmlns:p14="http://schemas.microsoft.com/office/powerpoint/2010/main" val="1526690604"/>
-      </p:ext>
-    </p:extLst>
-  </p:cSld>
-  <p:clrMapOvr>
-    <a:masterClrMapping/>
-  </p:clrMapOvr>
-</p:sld>
-</file>
-
-<file path=ppt/slides/slide16.xml><?xml version="1.0" encoding="utf-8"?>
-<p:sld xmlns:a="http://schemas.openxmlformats.org/drawingml/2006/main" xmlns:r="http://schemas.openxmlformats.org/officeDocument/2006/relationships" xmlns:p="http://schemas.openxmlformats.org/presentationml/2006/main">
-  <p:cSld>
-    <p:spTree>
-      <p:nvGrpSpPr>
-        <p:cNvPr id="1" name=""/>
-        <p:cNvGrpSpPr/>
-        <p:nvPr/>
-      </p:nvGrpSpPr>
-      <p:grpSpPr>
-        <a:xfrm>
-          <a:off x="0" y="0"/>
-          <a:ext cx="0" cy="0"/>
-          <a:chOff x="0" y="0"/>
-          <a:chExt cx="0" cy="0"/>
-        </a:xfrm>
-      </p:grpSpPr>
-      <p:sp>
-        <p:nvSpPr>
-          <p:cNvPr id="2" name="Title 1">
-            <a:extLst>
-              <a:ext uri="{FF2B5EF4-FFF2-40B4-BE49-F238E27FC236}">
-                <a16:creationId xmlns:a16="http://schemas.microsoft.com/office/drawing/2014/main" id="{59807EB7-4652-34BC-E166-A3B778C092A3}"/>
-              </a:ext>
-            </a:extLst>
-          </p:cNvPr>
-          <p:cNvSpPr>
-            <a:spLocks noGrp="1"/>
-          </p:cNvSpPr>
-          <p:nvPr>
-            <p:ph type="title"/>
-          </p:nvPr>
-        </p:nvSpPr>
-        <p:spPr>
-          <a:xfrm>
-            <a:off x="838201" y="537800"/>
-            <a:ext cx="10515600" cy="715530"/>
-          </a:xfrm>
-        </p:spPr>
-        <p:txBody>
-          <a:bodyPr>
-            <a:normAutofit/>
-          </a:bodyPr>
-          <a:lstStyle/>
-          <a:p>
-            <a:r>
-              <a:rPr lang="en-IT" sz="3200" dirty="0">
-                <a:latin typeface="DINOT-Bold" panose="02000503030000020004" pitchFamily="2" charset="77"/>
-              </a:rPr>
-              <a:t>Research gap 1 - </a:t>
-            </a:r>
-          </a:p>
-        </p:txBody>
-      </p:sp>
-      <p:sp>
-        <p:nvSpPr>
-          <p:cNvPr id="3" name="Content Placeholder 2">
-            <a:extLst>
-              <a:ext uri="{FF2B5EF4-FFF2-40B4-BE49-F238E27FC236}">
-                <a16:creationId xmlns:a16="http://schemas.microsoft.com/office/drawing/2014/main" id="{15BB9E1A-FD1D-4D3F-1D85-609848BB83C3}"/>
-              </a:ext>
-            </a:extLst>
-          </p:cNvPr>
-          <p:cNvSpPr>
-            <a:spLocks noGrp="1"/>
-          </p:cNvSpPr>
-          <p:nvPr>
-            <p:ph idx="1"/>
-          </p:nvPr>
-        </p:nvSpPr>
-        <p:spPr>
-          <a:xfrm>
-            <a:off x="838199" y="1690254"/>
-            <a:ext cx="10827327" cy="4749047"/>
-          </a:xfrm>
-        </p:spPr>
-        <p:txBody>
-          <a:bodyPr>
-            <a:normAutofit/>
-          </a:bodyPr>
-          <a:lstStyle/>
-          <a:p>
-            <a:endParaRPr lang="en-IT" sz="2000" dirty="0">
-              <a:latin typeface="DINOT" panose="020B0504020101020102" pitchFamily="34" charset="77"/>
-            </a:endParaRPr>
-          </a:p>
-        </p:txBody>
-      </p:sp>
-    </p:spTree>
-    <p:extLst>
-      <p:ext uri="{BB962C8B-B14F-4D97-AF65-F5344CB8AC3E}">
-        <p14:creationId xmlns:p14="http://schemas.microsoft.com/office/powerpoint/2010/main" val="3443404990"/>
-      </p:ext>
-    </p:extLst>
-  </p:cSld>
-  <p:clrMapOvr>
-    <a:masterClrMapping/>
-  </p:clrMapOvr>
-</p:sld>
-</file>
-
-<file path=ppt/slides/slide17.xml><?xml version="1.0" encoding="utf-8"?>
-<p:sld xmlns:a="http://schemas.openxmlformats.org/drawingml/2006/main" xmlns:r="http://schemas.openxmlformats.org/officeDocument/2006/relationships" xmlns:p="http://schemas.openxmlformats.org/presentationml/2006/main">
-  <p:cSld>
-    <p:spTree>
-      <p:nvGrpSpPr>
-        <p:cNvPr id="1" name=""/>
-        <p:cNvGrpSpPr/>
-        <p:nvPr/>
-      </p:nvGrpSpPr>
-      <p:grpSpPr>
-        <a:xfrm>
-          <a:off x="0" y="0"/>
-          <a:ext cx="0" cy="0"/>
-          <a:chOff x="0" y="0"/>
-          <a:chExt cx="0" cy="0"/>
-        </a:xfrm>
-      </p:grpSpPr>
-      <p:sp>
-        <p:nvSpPr>
-          <p:cNvPr id="2" name="Title 1">
-            <a:extLst>
-              <a:ext uri="{FF2B5EF4-FFF2-40B4-BE49-F238E27FC236}">
-                <a16:creationId xmlns:a16="http://schemas.microsoft.com/office/drawing/2014/main" id="{59807EB7-4652-34BC-E166-A3B778C092A3}"/>
-              </a:ext>
-            </a:extLst>
-          </p:cNvPr>
-          <p:cNvSpPr>
-            <a:spLocks noGrp="1"/>
-          </p:cNvSpPr>
-          <p:nvPr>
-            <p:ph type="title"/>
-          </p:nvPr>
-        </p:nvSpPr>
-        <p:spPr>
-          <a:xfrm>
-            <a:off x="838200" y="3071235"/>
-            <a:ext cx="10515600" cy="715530"/>
-          </a:xfrm>
-        </p:spPr>
-        <p:txBody>
-          <a:bodyPr>
-            <a:normAutofit/>
-          </a:bodyPr>
-          <a:lstStyle/>
-          <a:p>
-            <a:pPr algn="ctr"/>
-            <a:r>
-              <a:rPr lang="en-IT" sz="3200" dirty="0">
-                <a:latin typeface="DINOT-Bold" panose="02000503030000020004" pitchFamily="2" charset="77"/>
-              </a:rPr>
-              <a:t>Additional Slides</a:t>
-            </a:r>
-          </a:p>
-        </p:txBody>
-      </p:sp>
-    </p:spTree>
-    <p:extLst>
-      <p:ext uri="{BB962C8B-B14F-4D97-AF65-F5344CB8AC3E}">
-        <p14:creationId xmlns:p14="http://schemas.microsoft.com/office/powerpoint/2010/main" val="2353055849"/>
       </p:ext>
     </p:extLst>
   </p:cSld>
@@ -5080,7 +8958,7 @@
               <a:rPr lang="en-IT" sz="3200" dirty="0">
                 <a:latin typeface="DINOT-Bold" panose="02000503030000020004" pitchFamily="2" charset="77"/>
               </a:rPr>
-              <a:t>Summary of methodological contributions</a:t>
+              <a:t>Research gap 1 - </a:t>
             </a:r>
           </a:p>
         </p:txBody>
@@ -5122,7 +9000,7 @@
     </p:spTree>
     <p:extLst>
       <p:ext uri="{BB962C8B-B14F-4D97-AF65-F5344CB8AC3E}">
-        <p14:creationId xmlns:p14="http://schemas.microsoft.com/office/powerpoint/2010/main" val="284948456"/>
+        <p14:creationId xmlns:p14="http://schemas.microsoft.com/office/powerpoint/2010/main" val="3443404990"/>
       </p:ext>
     </p:extLst>
   </p:cSld>
@@ -5167,7 +9045,7 @@
         </p:nvSpPr>
         <p:spPr>
           <a:xfrm>
-            <a:off x="838201" y="537800"/>
+            <a:off x="838200" y="3071235"/>
             <a:ext cx="10515600" cy="715530"/>
           </a:xfrm>
         </p:spPr>
@@ -5177,78 +9055,20 @@
           </a:bodyPr>
           <a:lstStyle/>
           <a:p>
+            <a:pPr algn="ctr"/>
             <a:r>
               <a:rPr lang="en-IT" sz="3200" dirty="0">
                 <a:latin typeface="DINOT-Bold" panose="02000503030000020004" pitchFamily="2" charset="77"/>
               </a:rPr>
-              <a:t>Data collection process</a:t>
+              <a:t>Additional Slides</a:t>
             </a:r>
           </a:p>
         </p:txBody>
       </p:sp>
-      <p:pic>
-        <p:nvPicPr>
-          <p:cNvPr id="5" name="Content Placeholder 4" descr="A picture containing text, screenshot, font, document&#10;&#10;Description automatically generated">
-            <a:extLst>
-              <a:ext uri="{FF2B5EF4-FFF2-40B4-BE49-F238E27FC236}">
-                <a16:creationId xmlns:a16="http://schemas.microsoft.com/office/drawing/2014/main" id="{12BA72F5-48FE-B2B0-B832-7F60A7883CB9}"/>
-              </a:ext>
-            </a:extLst>
-          </p:cNvPr>
-          <p:cNvPicPr>
-            <a:picLocks noGrp="1" noChangeAspect="1"/>
-          </p:cNvPicPr>
-          <p:nvPr>
-            <p:ph idx="1"/>
-          </p:nvPr>
-        </p:nvPicPr>
-        <p:blipFill>
-          <a:blip r:embed="rId2"/>
-          <a:stretch>
-            <a:fillRect/>
-          </a:stretch>
-        </p:blipFill>
-        <p:spPr>
-          <a:xfrm>
-            <a:off x="4937271" y="1571988"/>
-            <a:ext cx="6600243" cy="4748212"/>
-          </a:xfrm>
-        </p:spPr>
-      </p:pic>
-      <p:pic>
-        <p:nvPicPr>
-          <p:cNvPr id="7" name="Picture 6" descr="A picture containing font, text, white, calligraphy&#10;&#10;Description automatically generated">
-            <a:extLst>
-              <a:ext uri="{FF2B5EF4-FFF2-40B4-BE49-F238E27FC236}">
-                <a16:creationId xmlns:a16="http://schemas.microsoft.com/office/drawing/2014/main" id="{42070289-0324-5F36-1F70-C1FC7447C9F1}"/>
-              </a:ext>
-            </a:extLst>
-          </p:cNvPr>
-          <p:cNvPicPr>
-            <a:picLocks noChangeAspect="1"/>
-          </p:cNvPicPr>
-          <p:nvPr/>
-        </p:nvPicPr>
-        <p:blipFill>
-          <a:blip r:embed="rId3"/>
-          <a:stretch>
-            <a:fillRect/>
-          </a:stretch>
-        </p:blipFill>
-        <p:spPr>
-          <a:xfrm>
-            <a:off x="1093383" y="1752453"/>
-            <a:ext cx="3223436" cy="471455"/>
-          </a:xfrm>
-          <a:prstGeom prst="rect">
-            <a:avLst/>
-          </a:prstGeom>
-        </p:spPr>
-      </p:pic>
     </p:spTree>
     <p:extLst>
       <p:ext uri="{BB962C8B-B14F-4D97-AF65-F5344CB8AC3E}">
-        <p14:creationId xmlns:p14="http://schemas.microsoft.com/office/powerpoint/2010/main" val="3009196585"/>
+        <p14:creationId xmlns:p14="http://schemas.microsoft.com/office/powerpoint/2010/main" val="2353055849"/>
       </p:ext>
     </p:extLst>
   </p:cSld>
@@ -5369,7 +9189,7 @@
               <a:rPr lang="en-IT" sz="1600" dirty="0">
                 <a:latin typeface="DINOT" panose="020B0504020101020102" pitchFamily="34" charset="77"/>
               </a:rPr>
-              <a:t>By reviewing the relevant primary studies in the period 2017-2022</a:t>
+              <a:t>Reviewing the relevant primary studies in the period 2017-2022</a:t>
             </a:r>
           </a:p>
           <a:p>
@@ -5381,7 +9201,7 @@
               <a:rPr lang="en-IT" sz="2000" dirty="0">
                 <a:latin typeface="DINOT" panose="020B0504020101020102" pitchFamily="34" charset="77"/>
               </a:rPr>
-              <a:t>Providing a (novel) set of </a:t>
+              <a:t>Providing a set of </a:t>
             </a:r>
             <a:r>
               <a:rPr lang="en-IT" sz="2000" dirty="0">
@@ -5405,7 +9225,7 @@
               <a:rPr lang="en-IT" sz="1600" dirty="0">
                 <a:latin typeface="DINOT" panose="020B0504020101020102" pitchFamily="34" charset="77"/>
               </a:rPr>
-              <a:t>Capable of enhancing (parts of) existing guidelines for secondary studies</a:t>
+              <a:t>Enhancing (parts of) existing guidelines for secondary studies</a:t>
             </a:r>
           </a:p>
           <a:p>
@@ -5431,21 +9251,15 @@
             </a:pPr>
             <a:r>
               <a:rPr lang="en-IT" sz="1800" dirty="0">
-                <a:latin typeface="DINOT" panose="020B0504020101020102" pitchFamily="34" charset="77"/>
-              </a:rPr>
-              <a:t>The </a:t>
-            </a:r>
-            <a:r>
-              <a:rPr lang="en-IT" sz="1800" dirty="0">
                 <a:latin typeface="DINOT-Bold" panose="02000503030000020004" pitchFamily="2" charset="77"/>
               </a:rPr>
-              <a:t>research questions </a:t>
+              <a:t>Research questions </a:t>
             </a:r>
             <a:r>
               <a:rPr lang="en-IT" sz="1800" dirty="0">
                 <a:latin typeface="DINOT" panose="020B0504020101020102" pitchFamily="34" charset="77"/>
               </a:rPr>
-              <a:t>explore the research in terms of:</a:t>
+              <a:t>seek to explore the domain of interest in terms of:</a:t>
             </a:r>
           </a:p>
           <a:p>
@@ -5454,31 +9268,31 @@
               <a:buAutoNum type="arabicPeriod"/>
             </a:pPr>
             <a:r>
-              <a:rPr lang="en-IT" sz="1400" dirty="0">
+              <a:rPr lang="en-IT" sz="1600" dirty="0">
                 <a:latin typeface="DINOT" panose="020B0504020101020102" pitchFamily="34" charset="77"/>
               </a:rPr>
-              <a:t>The identified </a:t>
-            </a:r>
-            <a:r>
-              <a:rPr lang="en-IT" sz="1400" dirty="0">
+              <a:t>Identified </a:t>
+            </a:r>
+            <a:r>
+              <a:rPr lang="en-IT" sz="1600" dirty="0">
                 <a:latin typeface="DINOT-Bold" panose="02000503030000020004" pitchFamily="2" charset="77"/>
               </a:rPr>
               <a:t>cateogories of labeling approaches </a:t>
             </a:r>
             <a:r>
-              <a:rPr lang="en-IT" sz="1400" dirty="0">
+              <a:rPr lang="en-IT" sz="1600" dirty="0">
                 <a:latin typeface="DINOT" panose="020B0504020101020102" pitchFamily="34" charset="77"/>
               </a:rPr>
-              <a:t>and the </a:t>
-            </a:r>
-            <a:r>
-              <a:rPr lang="en-IT" sz="1400" dirty="0">
+              <a:t>and </a:t>
+            </a:r>
+            <a:r>
+              <a:rPr lang="en-IT" sz="1600" dirty="0">
                 <a:latin typeface="DINOT-Bold" panose="02000503030000020004" pitchFamily="2" charset="77"/>
               </a:rPr>
               <a:t>techniques</a:t>
             </a:r>
             <a:r>
-              <a:rPr lang="en-IT" sz="1400" dirty="0">
+              <a:rPr lang="en-IT" sz="1600" dirty="0">
                 <a:latin typeface="DINOT" panose="020B0504020101020102" pitchFamily="34" charset="77"/>
               </a:rPr>
               <a:t> by which they are implemented</a:t>
@@ -5490,10 +9304,10 @@
               <a:buAutoNum type="arabicPeriod"/>
             </a:pPr>
             <a:r>
-              <a:rPr lang="en-IT" sz="1400" dirty="0">
+              <a:rPr lang="en-IT" sz="1600" dirty="0">
                 <a:latin typeface="DINOT" panose="020B0504020101020102" pitchFamily="34" charset="77"/>
               </a:rPr>
-              <a:t>The topic modeling techniques generating the distributions</a:t>
+              <a:t>Topic modeling methods used to generate the distributions</a:t>
             </a:r>
           </a:p>
           <a:p>
@@ -5502,43 +9316,43 @@
               <a:buAutoNum type="arabicPeriod"/>
             </a:pPr>
             <a:r>
-              <a:rPr lang="en-IT" sz="1400" dirty="0">
+              <a:rPr lang="en-IT" sz="1600" dirty="0">
                 <a:latin typeface="DINOT" panose="020B0504020101020102" pitchFamily="34" charset="77"/>
               </a:rPr>
-              <a:t>The observed </a:t>
-            </a:r>
-            <a:r>
-              <a:rPr lang="en-IT" sz="1400" dirty="0">
+              <a:t>Observed </a:t>
+            </a:r>
+            <a:r>
+              <a:rPr lang="en-IT" sz="1600" dirty="0">
                 <a:latin typeface="DINOT-Bold" panose="02000503030000020004" pitchFamily="2" charset="77"/>
               </a:rPr>
               <a:t>label structures</a:t>
             </a:r>
             <a:r>
-              <a:rPr lang="en-IT" sz="1400" dirty="0">
+              <a:rPr lang="en-IT" sz="1600" dirty="0">
                 <a:latin typeface="DINOT" panose="020B0504020101020102" pitchFamily="34" charset="77"/>
               </a:rPr>
-              <a:t> and the conducted </a:t>
-            </a:r>
-            <a:r>
-              <a:rPr lang="en-IT" sz="1400" dirty="0">
+              <a:t> and conducted </a:t>
+            </a:r>
+            <a:r>
+              <a:rPr lang="en-IT" sz="1600" dirty="0">
                 <a:latin typeface="DINOT-Bold" panose="02000503030000020004" pitchFamily="2" charset="77"/>
               </a:rPr>
               <a:t>label selection </a:t>
             </a:r>
             <a:r>
-              <a:rPr lang="en-IT" sz="1400" dirty="0">
+              <a:rPr lang="en-IT" sz="1600" dirty="0">
                 <a:latin typeface="DINOT" panose="020B0504020101020102" pitchFamily="34" charset="77"/>
               </a:rPr>
               <a:t>and </a:t>
             </a:r>
             <a:r>
-              <a:rPr lang="en-IT" sz="1400" dirty="0">
+              <a:rPr lang="en-IT" sz="1600" dirty="0">
                 <a:latin typeface="DINOT-Bold" panose="02000503030000020004" pitchFamily="2" charset="77"/>
               </a:rPr>
               <a:t>quality evaluation </a:t>
             </a:r>
             <a:r>
-              <a:rPr lang="en-IT" sz="1400" dirty="0">
+              <a:rPr lang="en-IT" sz="1600" dirty="0">
                 <a:latin typeface="DINOT" panose="020B0504020101020102" pitchFamily="34" charset="77"/>
               </a:rPr>
               <a:t>procedures</a:t>
@@ -5550,13 +9364,13 @@
               <a:buAutoNum type="arabicPeriod"/>
             </a:pPr>
             <a:r>
-              <a:rPr lang="en-IT" sz="1400" dirty="0">
+              <a:rPr lang="en-IT" sz="1600" dirty="0">
                 <a:latin typeface="DINOT" panose="020B0504020101020102" pitchFamily="34" charset="77"/>
               </a:rPr>
-              <a:t>The characteristics of the </a:t>
-            </a:r>
-            <a:r>
-              <a:rPr lang="en-IT" sz="1400" dirty="0">
+              <a:t>Characteristics of the </a:t>
+            </a:r>
+            <a:r>
+              <a:rPr lang="en-IT" sz="1600" dirty="0">
                 <a:latin typeface="DINOT-Bold" panose="02000503030000020004" pitchFamily="2" charset="77"/>
               </a:rPr>
               <a:t>underlying corpora</a:t>
@@ -6005,6 +9819,619 @@
 </p:sld>
 </file>
 
+<file path=ppt/slides/slide20.xml><?xml version="1.0" encoding="utf-8"?>
+<p:sld xmlns:a="http://schemas.openxmlformats.org/drawingml/2006/main" xmlns:r="http://schemas.openxmlformats.org/officeDocument/2006/relationships" xmlns:p="http://schemas.openxmlformats.org/presentationml/2006/main">
+  <p:cSld>
+    <p:spTree>
+      <p:nvGrpSpPr>
+        <p:cNvPr id="1" name=""/>
+        <p:cNvGrpSpPr/>
+        <p:nvPr/>
+      </p:nvGrpSpPr>
+      <p:grpSpPr>
+        <a:xfrm>
+          <a:off x="0" y="0"/>
+          <a:ext cx="0" cy="0"/>
+          <a:chOff x="0" y="0"/>
+          <a:chExt cx="0" cy="0"/>
+        </a:xfrm>
+      </p:grpSpPr>
+      <p:sp>
+        <p:nvSpPr>
+          <p:cNvPr id="2" name="Title 1">
+            <a:extLst>
+              <a:ext uri="{FF2B5EF4-FFF2-40B4-BE49-F238E27FC236}">
+                <a16:creationId xmlns:a16="http://schemas.microsoft.com/office/drawing/2014/main" id="{59807EB7-4652-34BC-E166-A3B778C092A3}"/>
+              </a:ext>
+            </a:extLst>
+          </p:cNvPr>
+          <p:cNvSpPr>
+            <a:spLocks noGrp="1"/>
+          </p:cNvSpPr>
+          <p:nvPr>
+            <p:ph type="title"/>
+          </p:nvPr>
+        </p:nvSpPr>
+        <p:spPr>
+          <a:xfrm>
+            <a:off x="838201" y="537800"/>
+            <a:ext cx="10515600" cy="715530"/>
+          </a:xfrm>
+        </p:spPr>
+        <p:txBody>
+          <a:bodyPr>
+            <a:normAutofit/>
+          </a:bodyPr>
+          <a:lstStyle/>
+          <a:p>
+            <a:r>
+              <a:rPr lang="en-IT" sz="3200" dirty="0">
+                <a:latin typeface="DINOT-Bold" panose="02000503030000020004" pitchFamily="2" charset="77"/>
+              </a:rPr>
+              <a:t>Summary of methodological contributions</a:t>
+            </a:r>
+          </a:p>
+        </p:txBody>
+      </p:sp>
+      <p:sp>
+        <p:nvSpPr>
+          <p:cNvPr id="3" name="Content Placeholder 2">
+            <a:extLst>
+              <a:ext uri="{FF2B5EF4-FFF2-40B4-BE49-F238E27FC236}">
+                <a16:creationId xmlns:a16="http://schemas.microsoft.com/office/drawing/2014/main" id="{15BB9E1A-FD1D-4D3F-1D85-609848BB83C3}"/>
+              </a:ext>
+            </a:extLst>
+          </p:cNvPr>
+          <p:cNvSpPr>
+            <a:spLocks noGrp="1"/>
+          </p:cNvSpPr>
+          <p:nvPr>
+            <p:ph idx="1"/>
+          </p:nvPr>
+        </p:nvSpPr>
+        <p:spPr>
+          <a:xfrm>
+            <a:off x="838199" y="1690254"/>
+            <a:ext cx="10827327" cy="4749047"/>
+          </a:xfrm>
+        </p:spPr>
+        <p:txBody>
+          <a:bodyPr>
+            <a:normAutofit/>
+          </a:bodyPr>
+          <a:lstStyle/>
+          <a:p>
+            <a:endParaRPr lang="en-IT" sz="2000" dirty="0">
+              <a:latin typeface="DINOT" panose="020B0504020101020102" pitchFamily="34" charset="77"/>
+            </a:endParaRPr>
+          </a:p>
+        </p:txBody>
+      </p:sp>
+    </p:spTree>
+    <p:extLst>
+      <p:ext uri="{BB962C8B-B14F-4D97-AF65-F5344CB8AC3E}">
+        <p14:creationId xmlns:p14="http://schemas.microsoft.com/office/powerpoint/2010/main" val="284948456"/>
+      </p:ext>
+    </p:extLst>
+  </p:cSld>
+  <p:clrMapOvr>
+    <a:masterClrMapping/>
+  </p:clrMapOvr>
+</p:sld>
+</file>
+
+<file path=ppt/slides/slide21.xml><?xml version="1.0" encoding="utf-8"?>
+<p:sld xmlns:a="http://schemas.openxmlformats.org/drawingml/2006/main" xmlns:r="http://schemas.openxmlformats.org/officeDocument/2006/relationships" xmlns:p="http://schemas.openxmlformats.org/presentationml/2006/main">
+  <p:cSld>
+    <p:spTree>
+      <p:nvGrpSpPr>
+        <p:cNvPr id="1" name=""/>
+        <p:cNvGrpSpPr/>
+        <p:nvPr/>
+      </p:nvGrpSpPr>
+      <p:grpSpPr>
+        <a:xfrm>
+          <a:off x="0" y="0"/>
+          <a:ext cx="0" cy="0"/>
+          <a:chOff x="0" y="0"/>
+          <a:chExt cx="0" cy="0"/>
+        </a:xfrm>
+      </p:grpSpPr>
+      <p:sp>
+        <p:nvSpPr>
+          <p:cNvPr id="2" name="Title 1">
+            <a:extLst>
+              <a:ext uri="{FF2B5EF4-FFF2-40B4-BE49-F238E27FC236}">
+                <a16:creationId xmlns:a16="http://schemas.microsoft.com/office/drawing/2014/main" id="{59807EB7-4652-34BC-E166-A3B778C092A3}"/>
+              </a:ext>
+            </a:extLst>
+          </p:cNvPr>
+          <p:cNvSpPr>
+            <a:spLocks noGrp="1"/>
+          </p:cNvSpPr>
+          <p:nvPr>
+            <p:ph type="title"/>
+          </p:nvPr>
+        </p:nvSpPr>
+        <p:spPr>
+          <a:xfrm>
+            <a:off x="838201" y="537800"/>
+            <a:ext cx="10515600" cy="715530"/>
+          </a:xfrm>
+        </p:spPr>
+        <p:txBody>
+          <a:bodyPr>
+            <a:normAutofit/>
+          </a:bodyPr>
+          <a:lstStyle/>
+          <a:p>
+            <a:r>
+              <a:rPr lang="en-IT" sz="3200" dirty="0">
+                <a:latin typeface="DINOT-Bold" panose="02000503030000020004" pitchFamily="2" charset="77"/>
+              </a:rPr>
+              <a:t>SLRs vs SMSs</a:t>
+            </a:r>
+          </a:p>
+        </p:txBody>
+      </p:sp>
+      <p:sp>
+        <p:nvSpPr>
+          <p:cNvPr id="3" name="Content Placeholder 2">
+            <a:extLst>
+              <a:ext uri="{FF2B5EF4-FFF2-40B4-BE49-F238E27FC236}">
+                <a16:creationId xmlns:a16="http://schemas.microsoft.com/office/drawing/2014/main" id="{15BB9E1A-FD1D-4D3F-1D85-609848BB83C3}"/>
+              </a:ext>
+            </a:extLst>
+          </p:cNvPr>
+          <p:cNvSpPr>
+            <a:spLocks noGrp="1"/>
+          </p:cNvSpPr>
+          <p:nvPr>
+            <p:ph idx="1"/>
+          </p:nvPr>
+        </p:nvSpPr>
+        <p:spPr>
+          <a:xfrm>
+            <a:off x="838199" y="1690254"/>
+            <a:ext cx="10827327" cy="4749047"/>
+          </a:xfrm>
+        </p:spPr>
+        <p:txBody>
+          <a:bodyPr>
+            <a:normAutofit/>
+          </a:bodyPr>
+          <a:lstStyle/>
+          <a:p>
+            <a:endParaRPr lang="en-IT" sz="2000" dirty="0">
+              <a:latin typeface="DINOT" panose="020B0504020101020102" pitchFamily="34" charset="77"/>
+            </a:endParaRPr>
+          </a:p>
+        </p:txBody>
+      </p:sp>
+    </p:spTree>
+    <p:extLst>
+      <p:ext uri="{BB962C8B-B14F-4D97-AF65-F5344CB8AC3E}">
+        <p14:creationId xmlns:p14="http://schemas.microsoft.com/office/powerpoint/2010/main" val="3799200024"/>
+      </p:ext>
+    </p:extLst>
+  </p:cSld>
+  <p:clrMapOvr>
+    <a:masterClrMapping/>
+  </p:clrMapOvr>
+</p:sld>
+</file>
+
+<file path=ppt/slides/slide22.xml><?xml version="1.0" encoding="utf-8"?>
+<p:sld xmlns:a="http://schemas.openxmlformats.org/drawingml/2006/main" xmlns:r="http://schemas.openxmlformats.org/officeDocument/2006/relationships" xmlns:p="http://schemas.openxmlformats.org/presentationml/2006/main">
+  <p:cSld>
+    <p:spTree>
+      <p:nvGrpSpPr>
+        <p:cNvPr id="1" name=""/>
+        <p:cNvGrpSpPr/>
+        <p:nvPr/>
+      </p:nvGrpSpPr>
+      <p:grpSpPr>
+        <a:xfrm>
+          <a:off x="0" y="0"/>
+          <a:ext cx="0" cy="0"/>
+          <a:chOff x="0" y="0"/>
+          <a:chExt cx="0" cy="0"/>
+        </a:xfrm>
+      </p:grpSpPr>
+      <p:sp>
+        <p:nvSpPr>
+          <p:cNvPr id="2" name="Title 1">
+            <a:extLst>
+              <a:ext uri="{FF2B5EF4-FFF2-40B4-BE49-F238E27FC236}">
+                <a16:creationId xmlns:a16="http://schemas.microsoft.com/office/drawing/2014/main" id="{59807EB7-4652-34BC-E166-A3B778C092A3}"/>
+              </a:ext>
+            </a:extLst>
+          </p:cNvPr>
+          <p:cNvSpPr>
+            <a:spLocks noGrp="1"/>
+          </p:cNvSpPr>
+          <p:nvPr>
+            <p:ph type="title"/>
+          </p:nvPr>
+        </p:nvSpPr>
+        <p:spPr>
+          <a:xfrm>
+            <a:off x="838201" y="537800"/>
+            <a:ext cx="10515600" cy="715530"/>
+          </a:xfrm>
+        </p:spPr>
+        <p:txBody>
+          <a:bodyPr>
+            <a:normAutofit/>
+          </a:bodyPr>
+          <a:lstStyle/>
+          <a:p>
+            <a:r>
+              <a:rPr lang="en-IT" sz="3200" dirty="0">
+                <a:latin typeface="DINOT-Bold" panose="02000503030000020004" pitchFamily="2" charset="77"/>
+              </a:rPr>
+              <a:t>SEGRESS</a:t>
+            </a:r>
+          </a:p>
+        </p:txBody>
+      </p:sp>
+      <p:sp>
+        <p:nvSpPr>
+          <p:cNvPr id="3" name="Content Placeholder 2">
+            <a:extLst>
+              <a:ext uri="{FF2B5EF4-FFF2-40B4-BE49-F238E27FC236}">
+                <a16:creationId xmlns:a16="http://schemas.microsoft.com/office/drawing/2014/main" id="{15BB9E1A-FD1D-4D3F-1D85-609848BB83C3}"/>
+              </a:ext>
+            </a:extLst>
+          </p:cNvPr>
+          <p:cNvSpPr>
+            <a:spLocks noGrp="1"/>
+          </p:cNvSpPr>
+          <p:nvPr>
+            <p:ph idx="1"/>
+          </p:nvPr>
+        </p:nvSpPr>
+        <p:spPr>
+          <a:xfrm>
+            <a:off x="838199" y="1690254"/>
+            <a:ext cx="10827327" cy="4749047"/>
+          </a:xfrm>
+        </p:spPr>
+        <p:txBody>
+          <a:bodyPr>
+            <a:normAutofit/>
+          </a:bodyPr>
+          <a:lstStyle/>
+          <a:p>
+            <a:endParaRPr lang="en-IT" sz="2000" dirty="0">
+              <a:latin typeface="DINOT" panose="020B0504020101020102" pitchFamily="34" charset="77"/>
+            </a:endParaRPr>
+          </a:p>
+        </p:txBody>
+      </p:sp>
+    </p:spTree>
+    <p:extLst>
+      <p:ext uri="{BB962C8B-B14F-4D97-AF65-F5344CB8AC3E}">
+        <p14:creationId xmlns:p14="http://schemas.microsoft.com/office/powerpoint/2010/main" val="191046571"/>
+      </p:ext>
+    </p:extLst>
+  </p:cSld>
+  <p:clrMapOvr>
+    <a:masterClrMapping/>
+  </p:clrMapOvr>
+</p:sld>
+</file>
+
+<file path=ppt/slides/slide23.xml><?xml version="1.0" encoding="utf-8"?>
+<p:sld xmlns:a="http://schemas.openxmlformats.org/drawingml/2006/main" xmlns:r="http://schemas.openxmlformats.org/officeDocument/2006/relationships" xmlns:p="http://schemas.openxmlformats.org/presentationml/2006/main">
+  <p:cSld>
+    <p:spTree>
+      <p:nvGrpSpPr>
+        <p:cNvPr id="1" name=""/>
+        <p:cNvGrpSpPr/>
+        <p:nvPr/>
+      </p:nvGrpSpPr>
+      <p:grpSpPr>
+        <a:xfrm>
+          <a:off x="0" y="0"/>
+          <a:ext cx="0" cy="0"/>
+          <a:chOff x="0" y="0"/>
+          <a:chExt cx="0" cy="0"/>
+        </a:xfrm>
+      </p:grpSpPr>
+      <p:sp>
+        <p:nvSpPr>
+          <p:cNvPr id="2" name="Title 1">
+            <a:extLst>
+              <a:ext uri="{FF2B5EF4-FFF2-40B4-BE49-F238E27FC236}">
+                <a16:creationId xmlns:a16="http://schemas.microsoft.com/office/drawing/2014/main" id="{59807EB7-4652-34BC-E166-A3B778C092A3}"/>
+              </a:ext>
+            </a:extLst>
+          </p:cNvPr>
+          <p:cNvSpPr>
+            <a:spLocks noGrp="1"/>
+          </p:cNvSpPr>
+          <p:nvPr>
+            <p:ph type="title"/>
+          </p:nvPr>
+        </p:nvSpPr>
+        <p:spPr>
+          <a:xfrm>
+            <a:off x="838201" y="537800"/>
+            <a:ext cx="10515600" cy="715530"/>
+          </a:xfrm>
+        </p:spPr>
+        <p:txBody>
+          <a:bodyPr>
+            <a:normAutofit/>
+          </a:bodyPr>
+          <a:lstStyle/>
+          <a:p>
+            <a:r>
+              <a:rPr lang="en-IT" sz="3200" dirty="0">
+                <a:latin typeface="DINOT-Bold" panose="02000503030000020004" pitchFamily="2" charset="77"/>
+              </a:rPr>
+              <a:t>Data collection process</a:t>
+            </a:r>
+          </a:p>
+        </p:txBody>
+      </p:sp>
+      <p:pic>
+        <p:nvPicPr>
+          <p:cNvPr id="5" name="Content Placeholder 4" descr="A picture containing text, screenshot, font, document&#10;&#10;Description automatically generated">
+            <a:extLst>
+              <a:ext uri="{FF2B5EF4-FFF2-40B4-BE49-F238E27FC236}">
+                <a16:creationId xmlns:a16="http://schemas.microsoft.com/office/drawing/2014/main" id="{12BA72F5-48FE-B2B0-B832-7F60A7883CB9}"/>
+              </a:ext>
+            </a:extLst>
+          </p:cNvPr>
+          <p:cNvPicPr>
+            <a:picLocks noGrp="1" noChangeAspect="1"/>
+          </p:cNvPicPr>
+          <p:nvPr>
+            <p:ph idx="1"/>
+          </p:nvPr>
+        </p:nvPicPr>
+        <p:blipFill>
+          <a:blip r:embed="rId2"/>
+          <a:stretch>
+            <a:fillRect/>
+          </a:stretch>
+        </p:blipFill>
+        <p:spPr>
+          <a:xfrm>
+            <a:off x="4937271" y="1571988"/>
+            <a:ext cx="6600243" cy="4748212"/>
+          </a:xfrm>
+        </p:spPr>
+      </p:pic>
+      <p:pic>
+        <p:nvPicPr>
+          <p:cNvPr id="7" name="Picture 6" descr="A picture containing font, text, white, calligraphy&#10;&#10;Description automatically generated">
+            <a:extLst>
+              <a:ext uri="{FF2B5EF4-FFF2-40B4-BE49-F238E27FC236}">
+                <a16:creationId xmlns:a16="http://schemas.microsoft.com/office/drawing/2014/main" id="{42070289-0324-5F36-1F70-C1FC7447C9F1}"/>
+              </a:ext>
+            </a:extLst>
+          </p:cNvPr>
+          <p:cNvPicPr>
+            <a:picLocks noChangeAspect="1"/>
+          </p:cNvPicPr>
+          <p:nvPr/>
+        </p:nvPicPr>
+        <p:blipFill>
+          <a:blip r:embed="rId3"/>
+          <a:stretch>
+            <a:fillRect/>
+          </a:stretch>
+        </p:blipFill>
+        <p:spPr>
+          <a:xfrm>
+            <a:off x="1093383" y="1752453"/>
+            <a:ext cx="3223436" cy="471455"/>
+          </a:xfrm>
+          <a:prstGeom prst="rect">
+            <a:avLst/>
+          </a:prstGeom>
+        </p:spPr>
+      </p:pic>
+    </p:spTree>
+    <p:extLst>
+      <p:ext uri="{BB962C8B-B14F-4D97-AF65-F5344CB8AC3E}">
+        <p14:creationId xmlns:p14="http://schemas.microsoft.com/office/powerpoint/2010/main" val="3009196585"/>
+      </p:ext>
+    </p:extLst>
+  </p:cSld>
+  <p:clrMapOvr>
+    <a:masterClrMapping/>
+  </p:clrMapOvr>
+</p:sld>
+</file>
+
+<file path=ppt/slides/slide24.xml><?xml version="1.0" encoding="utf-8"?>
+<p:sld xmlns:a="http://schemas.openxmlformats.org/drawingml/2006/main" xmlns:r="http://schemas.openxmlformats.org/officeDocument/2006/relationships" xmlns:p="http://schemas.openxmlformats.org/presentationml/2006/main">
+  <p:cSld>
+    <p:spTree>
+      <p:nvGrpSpPr>
+        <p:cNvPr id="1" name=""/>
+        <p:cNvGrpSpPr/>
+        <p:nvPr/>
+      </p:nvGrpSpPr>
+      <p:grpSpPr>
+        <a:xfrm>
+          <a:off x="0" y="0"/>
+          <a:ext cx="0" cy="0"/>
+          <a:chOff x="0" y="0"/>
+          <a:chExt cx="0" cy="0"/>
+        </a:xfrm>
+      </p:grpSpPr>
+      <p:sp>
+        <p:nvSpPr>
+          <p:cNvPr id="2" name="Title 1">
+            <a:extLst>
+              <a:ext uri="{FF2B5EF4-FFF2-40B4-BE49-F238E27FC236}">
+                <a16:creationId xmlns:a16="http://schemas.microsoft.com/office/drawing/2014/main" id="{59807EB7-4652-34BC-E166-A3B778C092A3}"/>
+              </a:ext>
+            </a:extLst>
+          </p:cNvPr>
+          <p:cNvSpPr>
+            <a:spLocks noGrp="1"/>
+          </p:cNvSpPr>
+          <p:nvPr>
+            <p:ph type="title"/>
+          </p:nvPr>
+        </p:nvSpPr>
+        <p:spPr>
+          <a:xfrm>
+            <a:off x="838201" y="537800"/>
+            <a:ext cx="10515600" cy="715530"/>
+          </a:xfrm>
+        </p:spPr>
+        <p:txBody>
+          <a:bodyPr>
+            <a:normAutofit/>
+          </a:bodyPr>
+          <a:lstStyle/>
+          <a:p>
+            <a:r>
+              <a:rPr lang="en-IT" sz="3200" dirty="0">
+                <a:latin typeface="DINOT-Bold" panose="02000503030000020004" pitchFamily="2" charset="77"/>
+              </a:rPr>
+              <a:t>Guidelines for identifying gaps</a:t>
+            </a:r>
+          </a:p>
+        </p:txBody>
+      </p:sp>
+      <p:sp>
+        <p:nvSpPr>
+          <p:cNvPr id="4" name="Content Placeholder 3">
+            <a:extLst>
+              <a:ext uri="{FF2B5EF4-FFF2-40B4-BE49-F238E27FC236}">
+                <a16:creationId xmlns:a16="http://schemas.microsoft.com/office/drawing/2014/main" id="{73468169-630E-D214-4B80-E84DD8DBBA86}"/>
+              </a:ext>
+            </a:extLst>
+          </p:cNvPr>
+          <p:cNvSpPr>
+            <a:spLocks noGrp="1"/>
+          </p:cNvSpPr>
+          <p:nvPr>
+            <p:ph idx="1"/>
+          </p:nvPr>
+        </p:nvSpPr>
+        <p:spPr/>
+        <p:txBody>
+          <a:bodyPr/>
+          <a:lstStyle/>
+          <a:p>
+            <a:endParaRPr lang="en-IT" dirty="0"/>
+          </a:p>
+        </p:txBody>
+      </p:sp>
+    </p:spTree>
+    <p:extLst>
+      <p:ext uri="{BB962C8B-B14F-4D97-AF65-F5344CB8AC3E}">
+        <p14:creationId xmlns:p14="http://schemas.microsoft.com/office/powerpoint/2010/main" val="1799531402"/>
+      </p:ext>
+    </p:extLst>
+  </p:cSld>
+  <p:clrMapOvr>
+    <a:masterClrMapping/>
+  </p:clrMapOvr>
+</p:sld>
+</file>
+
+<file path=ppt/slides/slide25.xml><?xml version="1.0" encoding="utf-8"?>
+<p:sld xmlns:a="http://schemas.openxmlformats.org/drawingml/2006/main" xmlns:r="http://schemas.openxmlformats.org/officeDocument/2006/relationships" xmlns:p="http://schemas.openxmlformats.org/presentationml/2006/main">
+  <p:cSld>
+    <p:spTree>
+      <p:nvGrpSpPr>
+        <p:cNvPr id="1" name=""/>
+        <p:cNvGrpSpPr/>
+        <p:nvPr/>
+      </p:nvGrpSpPr>
+      <p:grpSpPr>
+        <a:xfrm>
+          <a:off x="0" y="0"/>
+          <a:ext cx="0" cy="0"/>
+          <a:chOff x="0" y="0"/>
+          <a:chExt cx="0" cy="0"/>
+        </a:xfrm>
+      </p:grpSpPr>
+      <p:sp>
+        <p:nvSpPr>
+          <p:cNvPr id="2" name="Title 1">
+            <a:extLst>
+              <a:ext uri="{FF2B5EF4-FFF2-40B4-BE49-F238E27FC236}">
+                <a16:creationId xmlns:a16="http://schemas.microsoft.com/office/drawing/2014/main" id="{59807EB7-4652-34BC-E166-A3B778C092A3}"/>
+              </a:ext>
+            </a:extLst>
+          </p:cNvPr>
+          <p:cNvSpPr>
+            <a:spLocks noGrp="1"/>
+          </p:cNvSpPr>
+          <p:nvPr>
+            <p:ph type="title"/>
+          </p:nvPr>
+        </p:nvSpPr>
+        <p:spPr>
+          <a:xfrm>
+            <a:off x="838201" y="537800"/>
+            <a:ext cx="10515600" cy="715530"/>
+          </a:xfrm>
+        </p:spPr>
+        <p:txBody>
+          <a:bodyPr>
+            <a:normAutofit/>
+          </a:bodyPr>
+          <a:lstStyle/>
+          <a:p>
+            <a:r>
+              <a:rPr lang="en-IT" sz="3200" dirty="0">
+                <a:latin typeface="DINOT-Bold" panose="02000503030000020004" pitchFamily="2" charset="77"/>
+              </a:rPr>
+              <a:t>Future work - Literature networks</a:t>
+            </a:r>
+          </a:p>
+        </p:txBody>
+      </p:sp>
+      <p:sp>
+        <p:nvSpPr>
+          <p:cNvPr id="4" name="Content Placeholder 3">
+            <a:extLst>
+              <a:ext uri="{FF2B5EF4-FFF2-40B4-BE49-F238E27FC236}">
+                <a16:creationId xmlns:a16="http://schemas.microsoft.com/office/drawing/2014/main" id="{73468169-630E-D214-4B80-E84DD8DBBA86}"/>
+              </a:ext>
+            </a:extLst>
+          </p:cNvPr>
+          <p:cNvSpPr>
+            <a:spLocks noGrp="1"/>
+          </p:cNvSpPr>
+          <p:nvPr>
+            <p:ph idx="1"/>
+          </p:nvPr>
+        </p:nvSpPr>
+        <p:spPr/>
+        <p:txBody>
+          <a:bodyPr/>
+          <a:lstStyle/>
+          <a:p>
+            <a:endParaRPr lang="en-IT" dirty="0"/>
+          </a:p>
+        </p:txBody>
+      </p:sp>
+    </p:spTree>
+    <p:extLst>
+      <p:ext uri="{BB962C8B-B14F-4D97-AF65-F5344CB8AC3E}">
+        <p14:creationId xmlns:p14="http://schemas.microsoft.com/office/powerpoint/2010/main" val="2486159674"/>
+      </p:ext>
+    </p:extLst>
+  </p:cSld>
+  <p:clrMapOvr>
+    <a:masterClrMapping/>
+  </p:clrMapOvr>
+</p:sld>
+</file>
+
 <file path=ppt/slides/slide3.xml><?xml version="1.0" encoding="utf-8"?>
 <p:sld xmlns:a="http://schemas.openxmlformats.org/drawingml/2006/main" xmlns:r="http://schemas.openxmlformats.org/officeDocument/2006/relationships" xmlns:p="http://schemas.openxmlformats.org/presentationml/2006/main">
   <p:cSld>
@@ -6657,8 +11084,8 @@
         </p:blipFill>
         <p:spPr>
           <a:xfrm>
-            <a:off x="5658581" y="2948487"/>
-            <a:ext cx="6391784" cy="3803468"/>
+            <a:off x="5658581" y="3420579"/>
+            <a:ext cx="5598424" cy="3331375"/>
           </a:xfrm>
         </p:spPr>
       </p:pic>
@@ -6683,7 +11110,7 @@
         </p:blipFill>
         <p:spPr>
           <a:xfrm>
-            <a:off x="1497541" y="3092866"/>
+            <a:off x="1497541" y="3542683"/>
             <a:ext cx="3302444" cy="522094"/>
           </a:xfrm>
           <a:prstGeom prst="rect">
@@ -6707,8 +11134,8 @@
         </p:nvSpPr>
         <p:spPr>
           <a:xfrm>
-            <a:off x="838201" y="1690254"/>
-            <a:ext cx="10827325" cy="4749047"/>
+            <a:off x="712381" y="1690254"/>
+            <a:ext cx="10953145" cy="4749047"/>
           </a:xfrm>
           <a:prstGeom prst="rect">
             <a:avLst/>
@@ -6890,7 +11317,7 @@
               <a:rPr lang="en-IT" sz="2000" dirty="0">
                 <a:latin typeface="DINOT" panose="020B0504020101020102" pitchFamily="34" charset="77"/>
               </a:rPr>
-              <a:t>An exploratory search is conducted on 5 repositories:</a:t>
+              <a:t>Exploratory search is conducted on 5 repositories:</a:t>
             </a:r>
           </a:p>
           <a:p>
@@ -6906,19 +11333,25 @@
             <a:pPr marL="0" indent="0">
               <a:buNone/>
             </a:pPr>
-            <a:r>
-              <a:rPr lang="en-IT" sz="2000" dirty="0">
-                <a:latin typeface="DINOT" panose="020B0504020101020102" pitchFamily="34" charset="77"/>
-              </a:rPr>
-              <a:t>Three queries are proposed for this purpose:</a:t>
-            </a:r>
-          </a:p>
-          <a:p>
             <a:endParaRPr lang="en-IT" sz="2000" dirty="0">
               <a:latin typeface="DINOT" panose="020B0504020101020102" pitchFamily="34" charset="77"/>
             </a:endParaRPr>
           </a:p>
           <a:p>
+            <a:pPr marL="0" indent="0">
+              <a:buNone/>
+            </a:pPr>
+            <a:r>
+              <a:rPr lang="en-IT" sz="2000" dirty="0">
+                <a:latin typeface="DINOT" panose="020B0504020101020102" pitchFamily="34" charset="77"/>
+              </a:rPr>
+              <a:t>Three queries proposed for this purpose</a:t>
+            </a:r>
+          </a:p>
+          <a:p>
+            <a:pPr marL="0" indent="0">
+              <a:buNone/>
+            </a:pPr>
             <a:endParaRPr lang="en-IT" sz="2000" dirty="0">
               <a:latin typeface="DINOT" panose="020B0504020101020102" pitchFamily="34" charset="77"/>
             </a:endParaRPr>
@@ -6932,11 +11365,19 @@
             <a:pPr marL="0" indent="0">
               <a:buNone/>
             </a:pPr>
+            <a:endParaRPr lang="en-IT" sz="2000" dirty="0">
+              <a:latin typeface="DINOT" panose="020B0504020101020102" pitchFamily="34" charset="77"/>
+            </a:endParaRPr>
+          </a:p>
+          <a:p>
+            <a:pPr marL="0" indent="0">
+              <a:buNone/>
+            </a:pPr>
             <a:r>
               <a:rPr lang="en-IT" sz="2000" dirty="0">
                 <a:latin typeface="DINOT" panose="020B0504020101020102" pitchFamily="34" charset="77"/>
               </a:rPr>
-              <a:t>The selected query is used to gather the</a:t>
+              <a:t>Ultimately, one is selected to gather the</a:t>
             </a:r>
             <a:br>
               <a:rPr lang="en-IT" sz="2000" dirty="0">
@@ -6972,7 +11413,7 @@
         </p:nvSpPr>
         <p:spPr>
           <a:xfrm>
-            <a:off x="1876926" y="3253022"/>
+            <a:off x="1876926" y="3698571"/>
             <a:ext cx="2923059" cy="185603"/>
           </a:xfrm>
           <a:prstGeom prst="rect">
@@ -7007,6 +11448,46 @@
           <a:p>
             <a:pPr algn="ctr"/>
             <a:endParaRPr lang="en-IT" dirty="0"/>
+          </a:p>
+        </p:txBody>
+      </p:sp>
+      <p:sp>
+        <p:nvSpPr>
+          <p:cNvPr id="3" name="TextBox 2">
+            <a:extLst>
+              <a:ext uri="{FF2B5EF4-FFF2-40B4-BE49-F238E27FC236}">
+                <a16:creationId xmlns:a16="http://schemas.microsoft.com/office/drawing/2014/main" id="{908849B4-1533-A070-9A4F-6418CD259A68}"/>
+              </a:ext>
+            </a:extLst>
+          </p:cNvPr>
+          <p:cNvSpPr txBox="1"/>
+          <p:nvPr/>
+        </p:nvSpPr>
+        <p:spPr>
+          <a:xfrm>
+            <a:off x="5239266" y="2763308"/>
+            <a:ext cx="4317207" cy="369332"/>
+          </a:xfrm>
+          <a:prstGeom prst="rect">
+            <a:avLst/>
+          </a:prstGeom>
+          <a:noFill/>
+        </p:spPr>
+        <p:txBody>
+          <a:bodyPr wrap="none" rtlCol="0">
+            <a:spAutoFit/>
+          </a:bodyPr>
+          <a:lstStyle/>
+          <a:p>
+            <a:pPr marL="0" indent="0">
+              <a:buNone/>
+            </a:pPr>
+            <a:r>
+              <a:rPr lang="en-IT" sz="1800" dirty="0">
+                <a:latin typeface="DINOT" panose="020B0504020101020102" pitchFamily="34" charset="77"/>
+              </a:rPr>
+              <a:t>, each yielding a set of numerical results</a:t>
+            </a:r>
           </a:p>
         </p:txBody>
       </p:sp>
@@ -7136,7 +11617,7 @@
                                         <p:tgtEl>
                                           <p:spTgt spid="15">
                                             <p:txEl>
-                                              <p:pRg st="2" end="2"/>
+                                              <p:pRg st="3" end="3"/>
                                             </p:txEl>
                                           </p:spTgt>
                                         </p:tgtEl>
@@ -7223,6 +11704,33 @@
                                   </p:childTnLst>
                                 </p:cTn>
                               </p:par>
+                              <p:par>
+                                <p:cTn id="19" presetID="1" presetClass="entr" presetSubtype="0" fill="hold" grpId="0" nodeType="withEffect">
+                                  <p:stCondLst>
+                                    <p:cond delay="0"/>
+                                  </p:stCondLst>
+                                  <p:childTnLst>
+                                    <p:set>
+                                      <p:cBhvr>
+                                        <p:cTn id="20" dur="1" fill="hold">
+                                          <p:stCondLst>
+                                            <p:cond delay="0"/>
+                                          </p:stCondLst>
+                                        </p:cTn>
+                                        <p:tgtEl>
+                                          <p:spTgt spid="3"/>
+                                        </p:tgtEl>
+                                        <p:attrNameLst>
+                                          <p:attrName>style.visibility</p:attrName>
+                                        </p:attrNameLst>
+                                      </p:cBhvr>
+                                      <p:to>
+                                        <p:strVal val="visible"/>
+                                      </p:to>
+                                    </p:set>
+                                  </p:childTnLst>
+                                </p:cTn>
+                              </p:par>
                             </p:childTnLst>
                           </p:cTn>
                         </p:par>
@@ -7230,26 +11738,26 @@
                     </p:cTn>
                   </p:par>
                   <p:par>
-                    <p:cTn id="19" fill="hold">
+                    <p:cTn id="21" fill="hold">
                       <p:stCondLst>
                         <p:cond delay="indefinite"/>
                       </p:stCondLst>
                       <p:childTnLst>
                         <p:par>
-                          <p:cTn id="20" fill="hold">
+                          <p:cTn id="22" fill="hold">
                             <p:stCondLst>
                               <p:cond delay="0"/>
                             </p:stCondLst>
                             <p:childTnLst>
                               <p:par>
-                                <p:cTn id="21" presetID="1" presetClass="entr" presetSubtype="0" fill="hold" grpId="0" nodeType="clickEffect">
+                                <p:cTn id="23" presetID="1" presetClass="entr" presetSubtype="0" fill="hold" grpId="0" nodeType="clickEffect">
                                   <p:stCondLst>
                                     <p:cond delay="0"/>
                                   </p:stCondLst>
                                   <p:childTnLst>
                                     <p:set>
                                       <p:cBhvr>
-                                        <p:cTn id="22" dur="1" fill="hold">
+                                        <p:cTn id="24" dur="1" fill="hold">
                                           <p:stCondLst>
                                             <p:cond delay="0"/>
                                           </p:stCondLst>
@@ -7269,14 +11777,14 @@
                                 </p:cTn>
                               </p:par>
                               <p:par>
-                                <p:cTn id="23" presetID="1" presetClass="entr" presetSubtype="0" fill="hold" nodeType="withEffect">
+                                <p:cTn id="25" presetID="1" presetClass="entr" presetSubtype="0" fill="hold" nodeType="withEffect">
                                   <p:stCondLst>
                                     <p:cond delay="0"/>
                                   </p:stCondLst>
                                   <p:childTnLst>
                                     <p:set>
                                       <p:cBhvr>
-                                        <p:cTn id="24" dur="1" fill="hold">
+                                        <p:cTn id="26" dur="1" fill="hold">
                                           <p:stCondLst>
                                             <p:cond delay="0"/>
                                           </p:stCondLst>
@@ -7284,7 +11792,7 @@
                                         <p:tgtEl>
                                           <p:spTgt spid="15">
                                             <p:txEl>
-                                              <p:pRg st="6" end="6"/>
+                                              <p:pRg st="7" end="7"/>
                                             </p:txEl>
                                           </p:spTgt>
                                         </p:tgtEl>
@@ -7328,6 +11836,7 @@
     </p:tnLst>
     <p:bldLst>
       <p:bldP spid="16" grpId="0" animBg="1"/>
+      <p:bldP spid="3" grpId="0"/>
     </p:bldLst>
   </p:timing>
 </p:sld>
@@ -7607,13 +12116,27 @@
           </a:p>
           <a:p>
             <a:pPr marL="0" indent="0">
+              <a:spcAft>
+                <a:spcPts val="1000"/>
+              </a:spcAft>
               <a:buNone/>
             </a:pPr>
             <a:r>
               <a:rPr lang="en-IT" sz="2000" dirty="0">
                 <a:latin typeface="DINOT" panose="020B0504020101020102" pitchFamily="34" charset="77"/>
               </a:rPr>
-              <a:t>A first set of candidate venues is identified based on the number of </a:t>
+              <a:t>A first set of candidate venues is identified based on </a:t>
+            </a:r>
+            <a:br>
+              <a:rPr lang="en-IT" sz="2000" dirty="0">
+                <a:latin typeface="DINOT" panose="020B0504020101020102" pitchFamily="34" charset="77"/>
+              </a:rPr>
+            </a:br>
+            <a:r>
+              <a:rPr lang="en-IT" sz="2000" dirty="0">
+                <a:latin typeface="DINOT" panose="020B0504020101020102" pitchFamily="34" charset="77"/>
+              </a:rPr>
+              <a:t>the number of </a:t>
             </a:r>
             <a:r>
               <a:rPr lang="en-IT" sz="2000" dirty="0">
@@ -7630,7 +12153,7 @@
               <a:rPr lang="en-IT" sz="2000" dirty="0">
                 <a:latin typeface="DINOT" panose="020B0504020101020102" pitchFamily="34" charset="77"/>
               </a:rPr>
-              <a:t>Cut-off values are set at:</a:t>
+              <a:t>Cut-off values set at:</a:t>
             </a:r>
             <a:endParaRPr lang="en-IT" sz="2000" dirty="0">
               <a:latin typeface="DINOT-Bold" panose="02000503030000020004" pitchFamily="2" charset="77"/>
@@ -7724,15 +12247,15 @@
           <p:nvPr/>
         </p:nvPicPr>
         <p:blipFill>
-          <a:blip r:embed="rId2"/>
+          <a:blip r:embed="rId3"/>
           <a:stretch>
             <a:fillRect/>
           </a:stretch>
         </p:blipFill>
         <p:spPr>
           <a:xfrm>
-            <a:off x="2753012" y="2305450"/>
-            <a:ext cx="6997700" cy="431800"/>
+            <a:off x="1654105" y="2319530"/>
+            <a:ext cx="5168079" cy="318901"/>
           </a:xfrm>
           <a:prstGeom prst="rect">
             <a:avLst/>
@@ -7754,15 +12277,15 @@
           <p:nvPr/>
         </p:nvPicPr>
         <p:blipFill>
-          <a:blip r:embed="rId3"/>
+          <a:blip r:embed="rId4"/>
           <a:stretch>
             <a:fillRect/>
           </a:stretch>
         </p:blipFill>
         <p:spPr>
           <a:xfrm>
-            <a:off x="6975294" y="1007056"/>
-            <a:ext cx="5335914" cy="5313144"/>
+            <a:off x="6826181" y="1424763"/>
+            <a:ext cx="5174425" cy="5152344"/>
           </a:xfrm>
           <a:prstGeom prst="rect">
             <a:avLst/>
@@ -7784,15 +12307,15 @@
           <p:nvPr/>
         </p:nvPicPr>
         <p:blipFill>
-          <a:blip r:embed="rId4"/>
+          <a:blip r:embed="rId5"/>
           <a:stretch>
             <a:fillRect/>
           </a:stretch>
         </p:blipFill>
         <p:spPr>
           <a:xfrm>
-            <a:off x="7467866" y="2144245"/>
-            <a:ext cx="3729259" cy="4031576"/>
+            <a:off x="7817059" y="2230074"/>
+            <a:ext cx="3256466" cy="3520455"/>
           </a:xfrm>
           <a:prstGeom prst="rect">
             <a:avLst/>
@@ -8134,6 +12657,33 @@
                                   </p:childTnLst>
                                 </p:cTn>
                               </p:par>
+                              <p:par>
+                                <p:cTn id="27" presetID="1" presetClass="entr" presetSubtype="0" fill="hold" nodeType="withEffect">
+                                  <p:stCondLst>
+                                    <p:cond delay="0"/>
+                                  </p:stCondLst>
+                                  <p:childTnLst>
+                                    <p:set>
+                                      <p:cBhvr>
+                                        <p:cTn id="28" dur="1" fill="hold">
+                                          <p:stCondLst>
+                                            <p:cond delay="0"/>
+                                          </p:stCondLst>
+                                        </p:cTn>
+                                        <p:tgtEl>
+                                          <p:spTgt spid="5"/>
+                                        </p:tgtEl>
+                                        <p:attrNameLst>
+                                          <p:attrName>style.visibility</p:attrName>
+                                        </p:attrNameLst>
+                                      </p:cBhvr>
+                                      <p:to>
+                                        <p:strVal val="visible"/>
+                                      </p:to>
+                                    </p:set>
+                                  </p:childTnLst>
+                                </p:cTn>
+                              </p:par>
                             </p:childTnLst>
                           </p:cTn>
                         </p:par>
@@ -8141,26 +12691,61 @@
                     </p:cTn>
                   </p:par>
                   <p:par>
-                    <p:cTn id="27" fill="hold">
+                    <p:cTn id="29" fill="hold">
                       <p:stCondLst>
                         <p:cond delay="indefinite"/>
                       </p:stCondLst>
                       <p:childTnLst>
                         <p:par>
-                          <p:cTn id="28" fill="hold">
+                          <p:cTn id="30" fill="hold">
                             <p:stCondLst>
                               <p:cond delay="0"/>
                             </p:stCondLst>
                             <p:childTnLst>
                               <p:par>
-                                <p:cTn id="29" presetID="1" presetClass="entr" presetSubtype="0" fill="hold" nodeType="clickEffect">
+                                <p:cTn id="31" presetID="9" presetClass="exit" presetSubtype="0" fill="hold" nodeType="clickEffect">
+                                  <p:stCondLst>
+                                    <p:cond delay="0"/>
+                                  </p:stCondLst>
+                                  <p:childTnLst>
+                                    <p:animEffect transition="out" filter="dissolve">
+                                      <p:cBhvr>
+                                        <p:cTn id="32" dur="10"/>
+                                        <p:tgtEl>
+                                          <p:spTgt spid="5"/>
+                                        </p:tgtEl>
+                                      </p:cBhvr>
+                                    </p:animEffect>
+                                    <p:set>
+                                      <p:cBhvr>
+                                        <p:cTn id="33" dur="1" fill="hold">
+                                          <p:stCondLst>
+                                            <p:cond delay="9"/>
+                                          </p:stCondLst>
+                                        </p:cTn>
+                                        <p:tgtEl>
+                                          <p:spTgt spid="5"/>
+                                        </p:tgtEl>
+                                        <p:attrNameLst>
+                                          <p:attrName>style.visibility</p:attrName>
+                                        </p:attrNameLst>
+                                      </p:cBhvr>
+                                      <p:to>
+                                        <p:strVal val="hidden"/>
+                                      </p:to>
+                                    </p:set>
+                                  </p:childTnLst>
+                                </p:cTn>
+                              </p:par>
+                              <p:par>
+                                <p:cTn id="34" presetID="1" presetClass="entr" presetSubtype="0" fill="hold" nodeType="withEffect">
                                   <p:stCondLst>
                                     <p:cond delay="0"/>
                                   </p:stCondLst>
                                   <p:childTnLst>
                                     <p:set>
                                       <p:cBhvr>
-                                        <p:cTn id="30" dur="1" fill="hold">
+                                        <p:cTn id="35" dur="1" fill="hold">
                                           <p:stCondLst>
                                             <p:cond delay="0"/>
                                           </p:stCondLst>
@@ -8171,6 +12756,33 @@
                                               <p:pRg st="11" end="11"/>
                                             </p:txEl>
                                           </p:spTgt>
+                                        </p:tgtEl>
+                                        <p:attrNameLst>
+                                          <p:attrName>style.visibility</p:attrName>
+                                        </p:attrNameLst>
+                                      </p:cBhvr>
+                                      <p:to>
+                                        <p:strVal val="visible"/>
+                                      </p:to>
+                                    </p:set>
+                                  </p:childTnLst>
+                                </p:cTn>
+                              </p:par>
+                              <p:par>
+                                <p:cTn id="36" presetID="1" presetClass="entr" presetSubtype="0" fill="hold" nodeType="withEffect">
+                                  <p:stCondLst>
+                                    <p:cond delay="0"/>
+                                  </p:stCondLst>
+                                  <p:childTnLst>
+                                    <p:set>
+                                      <p:cBhvr>
+                                        <p:cTn id="37" dur="1" fill="hold">
+                                          <p:stCondLst>
+                                            <p:cond delay="0"/>
+                                          </p:stCondLst>
+                                        </p:cTn>
+                                        <p:tgtEl>
+                                          <p:spTgt spid="7"/>
                                         </p:tgtEl>
                                         <p:attrNameLst>
                                           <p:attrName>style.visibility</p:attrName>
@@ -8268,139 +12880,6 @@
           </a:p>
         </p:txBody>
       </p:sp>
-      <p:pic>
-        <p:nvPicPr>
-          <p:cNvPr id="9" name="Picture 8" descr="A screen shot of a graph&#10;&#10;Description automatically generated with low confidence">
-            <a:extLst>
-              <a:ext uri="{FF2B5EF4-FFF2-40B4-BE49-F238E27FC236}">
-                <a16:creationId xmlns:a16="http://schemas.microsoft.com/office/drawing/2014/main" id="{04D3ED2F-6D23-3E87-58F2-68D1D6F295DA}"/>
-              </a:ext>
-            </a:extLst>
-          </p:cNvPr>
-          <p:cNvPicPr>
-            <a:picLocks noChangeAspect="1"/>
-          </p:cNvPicPr>
-          <p:nvPr/>
-        </p:nvPicPr>
-        <p:blipFill>
-          <a:blip r:embed="rId2"/>
-          <a:stretch>
-            <a:fillRect/>
-          </a:stretch>
-        </p:blipFill>
-        <p:spPr>
-          <a:xfrm>
-            <a:off x="8403977" y="1870120"/>
-            <a:ext cx="4890400" cy="4569181"/>
-          </a:xfrm>
-          <a:prstGeom prst="rect">
-            <a:avLst/>
-          </a:prstGeom>
-        </p:spPr>
-      </p:pic>
-      <p:grpSp>
-        <p:nvGrpSpPr>
-          <p:cNvPr id="13" name="Group 12">
-            <a:extLst>
-              <a:ext uri="{FF2B5EF4-FFF2-40B4-BE49-F238E27FC236}">
-                <a16:creationId xmlns:a16="http://schemas.microsoft.com/office/drawing/2014/main" id="{D007C61A-24E7-20F7-A111-84B3A67ADCBC}"/>
-              </a:ext>
-            </a:extLst>
-          </p:cNvPr>
-          <p:cNvGrpSpPr/>
-          <p:nvPr/>
-        </p:nvGrpSpPr>
-        <p:grpSpPr>
-          <a:xfrm>
-            <a:off x="8750692" y="2681025"/>
-            <a:ext cx="3729259" cy="4031576"/>
-            <a:chOff x="522594" y="1733550"/>
-            <a:chExt cx="3207608" cy="3390900"/>
-          </a:xfrm>
-        </p:grpSpPr>
-        <p:pic>
-          <p:nvPicPr>
-            <p:cNvPr id="7" name="Picture 6" descr="A picture containing text, font, screenshot, number&#10;&#10;Description automatically generated">
-              <a:extLst>
-                <a:ext uri="{FF2B5EF4-FFF2-40B4-BE49-F238E27FC236}">
-                  <a16:creationId xmlns:a16="http://schemas.microsoft.com/office/drawing/2014/main" id="{076CDFFF-43D9-5F76-AF66-CF731E4388C0}"/>
-                </a:ext>
-              </a:extLst>
-            </p:cNvPr>
-            <p:cNvPicPr>
-              <a:picLocks noChangeAspect="1"/>
-            </p:cNvPicPr>
-            <p:nvPr/>
-          </p:nvPicPr>
-          <p:blipFill>
-            <a:blip r:embed="rId3"/>
-            <a:stretch>
-              <a:fillRect/>
-            </a:stretch>
-          </p:blipFill>
-          <p:spPr>
-            <a:xfrm>
-              <a:off x="522594" y="1733550"/>
-              <a:ext cx="3207608" cy="3390900"/>
-            </a:xfrm>
-            <a:prstGeom prst="rect">
-              <a:avLst/>
-            </a:prstGeom>
-          </p:spPr>
-        </p:pic>
-        <p:sp>
-          <p:nvSpPr>
-            <p:cNvPr id="12" name="Rectangle 11">
-              <a:extLst>
-                <a:ext uri="{FF2B5EF4-FFF2-40B4-BE49-F238E27FC236}">
-                  <a16:creationId xmlns:a16="http://schemas.microsoft.com/office/drawing/2014/main" id="{8CA5FC99-A386-EB2E-D283-21194ABB6757}"/>
-                </a:ext>
-              </a:extLst>
-            </p:cNvPr>
-            <p:cNvSpPr/>
-            <p:nvPr/>
-          </p:nvSpPr>
-          <p:spPr>
-            <a:xfrm>
-              <a:off x="689894" y="2152072"/>
-              <a:ext cx="2893816" cy="2586183"/>
-            </a:xfrm>
-            <a:prstGeom prst="rect">
-              <a:avLst/>
-            </a:prstGeom>
-            <a:noFill/>
-            <a:ln w="38100">
-              <a:solidFill>
-                <a:srgbClr val="FF0000"/>
-              </a:solidFill>
-            </a:ln>
-          </p:spPr>
-          <p:style>
-            <a:lnRef idx="2">
-              <a:schemeClr val="accent1">
-                <a:shade val="15000"/>
-              </a:schemeClr>
-            </a:lnRef>
-            <a:fillRef idx="1">
-              <a:schemeClr val="accent1"/>
-            </a:fillRef>
-            <a:effectRef idx="0">
-              <a:schemeClr val="accent1"/>
-            </a:effectRef>
-            <a:fontRef idx="minor">
-              <a:schemeClr val="lt1"/>
-            </a:fontRef>
-          </p:style>
-          <p:txBody>
-            <a:bodyPr rtlCol="0" anchor="ctr"/>
-            <a:lstStyle/>
-            <a:p>
-              <a:pPr algn="ctr"/>
-              <a:endParaRPr lang="en-IT" dirty="0"/>
-            </a:p>
-          </p:txBody>
-        </p:sp>
-      </p:grpSp>
       <p:sp>
         <p:nvSpPr>
           <p:cNvPr id="15" name="Content Placeholder 2">
@@ -8417,8 +12896,8 @@
         </p:nvSpPr>
         <p:spPr>
           <a:xfrm>
-            <a:off x="838199" y="1690254"/>
-            <a:ext cx="10827327" cy="4749047"/>
+            <a:off x="838201" y="1690254"/>
+            <a:ext cx="10827325" cy="4749047"/>
           </a:xfrm>
           <a:prstGeom prst="rect">
             <a:avLst/>
@@ -8600,7 +13079,18 @@
               <a:rPr lang="en-IT" sz="2000" dirty="0">
                 <a:latin typeface="DINOT" panose="020B0504020101020102" pitchFamily="34" charset="77"/>
               </a:rPr>
-              <a:t>Candidates are filtered based on values tied to selected </a:t>
+              <a:t>Candidates are filtered based on values tied to </a:t>
+            </a:r>
+            <a:br>
+              <a:rPr lang="en-IT" sz="2000" dirty="0">
+                <a:latin typeface="DINOT" panose="020B0504020101020102" pitchFamily="34" charset="77"/>
+              </a:rPr>
+            </a:br>
+            <a:r>
+              <a:rPr lang="en-IT" sz="2000" dirty="0">
+                <a:latin typeface="DINOT" panose="020B0504020101020102" pitchFamily="34" charset="77"/>
+              </a:rPr>
+              <a:t>selected </a:t>
             </a:r>
             <a:r>
               <a:rPr lang="en-IT" sz="2000" dirty="0">
@@ -8639,7 +13129,18 @@
               <a:rPr lang="en-GB" sz="1600" dirty="0">
                 <a:latin typeface="DINOT" panose="020B0504020101020102" pitchFamily="34" charset="77"/>
               </a:rPr>
-              <a:t>Computing Research and Education Association of Australasia (CORE) rankings</a:t>
+              <a:t>Computing Research and Education Association of </a:t>
+            </a:r>
+            <a:br>
+              <a:rPr lang="en-GB" sz="1600" dirty="0">
+                <a:latin typeface="DINOT" panose="020B0504020101020102" pitchFamily="34" charset="77"/>
+              </a:rPr>
+            </a:br>
+            <a:r>
+              <a:rPr lang="en-GB" sz="1600" dirty="0">
+                <a:latin typeface="DINOT" panose="020B0504020101020102" pitchFamily="34" charset="77"/>
+              </a:rPr>
+              <a:t>Australasia (CORE) rankings</a:t>
             </a:r>
           </a:p>
           <a:p>
@@ -8702,7 +13203,7 @@
               <a:rPr lang="en-IT" sz="2000" dirty="0">
                 <a:latin typeface="DINOT" panose="020B0504020101020102" pitchFamily="34" charset="77"/>
               </a:rPr>
-              <a:t>Results:</a:t>
+              <a:t>(Final) Results:</a:t>
             </a:r>
           </a:p>
           <a:p>
@@ -8736,6 +13237,139 @@
           </a:p>
         </p:txBody>
       </p:sp>
+      <p:pic>
+        <p:nvPicPr>
+          <p:cNvPr id="4" name="Picture 3" descr="A screen shot of a graph&#10;&#10;Description automatically generated with low confidence">
+            <a:extLst>
+              <a:ext uri="{FF2B5EF4-FFF2-40B4-BE49-F238E27FC236}">
+                <a16:creationId xmlns:a16="http://schemas.microsoft.com/office/drawing/2014/main" id="{D4E6F74F-2DEC-6C6B-C726-88BA7C60FABD}"/>
+              </a:ext>
+            </a:extLst>
+          </p:cNvPr>
+          <p:cNvPicPr>
+            <a:picLocks noChangeAspect="1"/>
+          </p:cNvPicPr>
+          <p:nvPr/>
+        </p:nvPicPr>
+        <p:blipFill>
+          <a:blip r:embed="rId3"/>
+          <a:stretch>
+            <a:fillRect/>
+          </a:stretch>
+        </p:blipFill>
+        <p:spPr>
+          <a:xfrm>
+            <a:off x="6673322" y="1435106"/>
+            <a:ext cx="5469658" cy="5110391"/>
+          </a:xfrm>
+          <a:prstGeom prst="rect">
+            <a:avLst/>
+          </a:prstGeom>
+        </p:spPr>
+      </p:pic>
+      <p:grpSp>
+        <p:nvGrpSpPr>
+          <p:cNvPr id="10" name="Group 9">
+            <a:extLst>
+              <a:ext uri="{FF2B5EF4-FFF2-40B4-BE49-F238E27FC236}">
+                <a16:creationId xmlns:a16="http://schemas.microsoft.com/office/drawing/2014/main" id="{66FD9AAF-593F-BDB8-6165-8563EC950287}"/>
+              </a:ext>
+            </a:extLst>
+          </p:cNvPr>
+          <p:cNvGrpSpPr/>
+          <p:nvPr/>
+        </p:nvGrpSpPr>
+        <p:grpSpPr>
+          <a:xfrm>
+            <a:off x="7820645" y="2230074"/>
+            <a:ext cx="3252879" cy="3520454"/>
+            <a:chOff x="522594" y="1733550"/>
+            <a:chExt cx="3207608" cy="3390900"/>
+          </a:xfrm>
+        </p:grpSpPr>
+        <p:pic>
+          <p:nvPicPr>
+            <p:cNvPr id="11" name="Picture 10" descr="A picture containing text, font, screenshot, number&#10;&#10;Description automatically generated">
+              <a:extLst>
+                <a:ext uri="{FF2B5EF4-FFF2-40B4-BE49-F238E27FC236}">
+                  <a16:creationId xmlns:a16="http://schemas.microsoft.com/office/drawing/2014/main" id="{BCC5AD79-E6F2-63DC-6229-C34F21505CFB}"/>
+                </a:ext>
+              </a:extLst>
+            </p:cNvPr>
+            <p:cNvPicPr>
+              <a:picLocks noChangeAspect="1"/>
+            </p:cNvPicPr>
+            <p:nvPr/>
+          </p:nvPicPr>
+          <p:blipFill>
+            <a:blip r:embed="rId4"/>
+            <a:stretch>
+              <a:fillRect/>
+            </a:stretch>
+          </p:blipFill>
+          <p:spPr>
+            <a:xfrm>
+              <a:off x="522594" y="1733550"/>
+              <a:ext cx="3207608" cy="3390900"/>
+            </a:xfrm>
+            <a:prstGeom prst="rect">
+              <a:avLst/>
+            </a:prstGeom>
+          </p:spPr>
+        </p:pic>
+        <p:sp>
+          <p:nvSpPr>
+            <p:cNvPr id="14" name="Rectangle 13">
+              <a:extLst>
+                <a:ext uri="{FF2B5EF4-FFF2-40B4-BE49-F238E27FC236}">
+                  <a16:creationId xmlns:a16="http://schemas.microsoft.com/office/drawing/2014/main" id="{34631B1D-3D3B-6E1F-25C5-26C415343AFD}"/>
+                </a:ext>
+              </a:extLst>
+            </p:cNvPr>
+            <p:cNvSpPr/>
+            <p:nvPr/>
+          </p:nvSpPr>
+          <p:spPr>
+            <a:xfrm>
+              <a:off x="689894" y="2152072"/>
+              <a:ext cx="2893816" cy="2586183"/>
+            </a:xfrm>
+            <a:prstGeom prst="rect">
+              <a:avLst/>
+            </a:prstGeom>
+            <a:noFill/>
+            <a:ln w="38100">
+              <a:solidFill>
+                <a:srgbClr val="FF0000"/>
+              </a:solidFill>
+            </a:ln>
+          </p:spPr>
+          <p:style>
+            <a:lnRef idx="2">
+              <a:schemeClr val="accent1">
+                <a:shade val="15000"/>
+              </a:schemeClr>
+            </a:lnRef>
+            <a:fillRef idx="1">
+              <a:schemeClr val="accent1"/>
+            </a:fillRef>
+            <a:effectRef idx="0">
+              <a:schemeClr val="accent1"/>
+            </a:effectRef>
+            <a:fontRef idx="minor">
+              <a:schemeClr val="lt1"/>
+            </a:fontRef>
+          </p:style>
+          <p:txBody>
+            <a:bodyPr rtlCol="0" anchor="ctr"/>
+            <a:lstStyle/>
+            <a:p>
+              <a:pPr algn="ctr"/>
+              <a:endParaRPr lang="en-IT" dirty="0"/>
+            </a:p>
+          </p:txBody>
+        </p:sp>
+      </p:grpSp>
     </p:spTree>
     <p:extLst>
       <p:ext uri="{BB962C8B-B14F-4D97-AF65-F5344CB8AC3E}">
@@ -9084,6 +13718,33 @@
                                   </p:childTnLst>
                                 </p:cTn>
                               </p:par>
+                              <p:par>
+                                <p:cTn id="27" presetID="1" presetClass="entr" presetSubtype="0" fill="hold" nodeType="withEffect">
+                                  <p:stCondLst>
+                                    <p:cond delay="0"/>
+                                  </p:stCondLst>
+                                  <p:childTnLst>
+                                    <p:set>
+                                      <p:cBhvr>
+                                        <p:cTn id="28" dur="1" fill="hold">
+                                          <p:stCondLst>
+                                            <p:cond delay="0"/>
+                                          </p:stCondLst>
+                                        </p:cTn>
+                                        <p:tgtEl>
+                                          <p:spTgt spid="4"/>
+                                        </p:tgtEl>
+                                        <p:attrNameLst>
+                                          <p:attrName>style.visibility</p:attrName>
+                                        </p:attrNameLst>
+                                      </p:cBhvr>
+                                      <p:to>
+                                        <p:strVal val="visible"/>
+                                      </p:to>
+                                    </p:set>
+                                  </p:childTnLst>
+                                </p:cTn>
+                              </p:par>
                             </p:childTnLst>
                           </p:cTn>
                         </p:par>
@@ -9091,26 +13752,61 @@
                     </p:cTn>
                   </p:par>
                   <p:par>
-                    <p:cTn id="27" fill="hold">
+                    <p:cTn id="29" fill="hold">
                       <p:stCondLst>
                         <p:cond delay="indefinite"/>
                       </p:stCondLst>
                       <p:childTnLst>
                         <p:par>
-                          <p:cTn id="28" fill="hold">
+                          <p:cTn id="30" fill="hold">
                             <p:stCondLst>
                               <p:cond delay="0"/>
                             </p:stCondLst>
                             <p:childTnLst>
                               <p:par>
-                                <p:cTn id="29" presetID="1" presetClass="entr" presetSubtype="0" fill="hold" nodeType="clickEffect">
+                                <p:cTn id="31" presetID="9" presetClass="exit" presetSubtype="0" fill="hold" nodeType="clickEffect">
+                                  <p:stCondLst>
+                                    <p:cond delay="0"/>
+                                  </p:stCondLst>
+                                  <p:childTnLst>
+                                    <p:animEffect transition="out" filter="dissolve">
+                                      <p:cBhvr>
+                                        <p:cTn id="32" dur="10"/>
+                                        <p:tgtEl>
+                                          <p:spTgt spid="4"/>
+                                        </p:tgtEl>
+                                      </p:cBhvr>
+                                    </p:animEffect>
+                                    <p:set>
+                                      <p:cBhvr>
+                                        <p:cTn id="33" dur="1" fill="hold">
+                                          <p:stCondLst>
+                                            <p:cond delay="9"/>
+                                          </p:stCondLst>
+                                        </p:cTn>
+                                        <p:tgtEl>
+                                          <p:spTgt spid="4"/>
+                                        </p:tgtEl>
+                                        <p:attrNameLst>
+                                          <p:attrName>style.visibility</p:attrName>
+                                        </p:attrNameLst>
+                                      </p:cBhvr>
+                                      <p:to>
+                                        <p:strVal val="hidden"/>
+                                      </p:to>
+                                    </p:set>
+                                  </p:childTnLst>
+                                </p:cTn>
+                              </p:par>
+                              <p:par>
+                                <p:cTn id="34" presetID="1" presetClass="entr" presetSubtype="0" fill="hold" nodeType="withEffect">
                                   <p:stCondLst>
                                     <p:cond delay="0"/>
                                   </p:stCondLst>
                                   <p:childTnLst>
                                     <p:set>
                                       <p:cBhvr>
-                                        <p:cTn id="30" dur="1" fill="hold">
+                                        <p:cTn id="35" dur="1" fill="hold">
                                           <p:stCondLst>
                                             <p:cond delay="0"/>
                                           </p:stCondLst>
@@ -9121,6 +13817,33 @@
                                               <p:pRg st="11" end="11"/>
                                             </p:txEl>
                                           </p:spTgt>
+                                        </p:tgtEl>
+                                        <p:attrNameLst>
+                                          <p:attrName>style.visibility</p:attrName>
+                                        </p:attrNameLst>
+                                      </p:cBhvr>
+                                      <p:to>
+                                        <p:strVal val="visible"/>
+                                      </p:to>
+                                    </p:set>
+                                  </p:childTnLst>
+                                </p:cTn>
+                              </p:par>
+                              <p:par>
+                                <p:cTn id="36" presetID="1" presetClass="entr" presetSubtype="0" fill="hold" nodeType="withEffect">
+                                  <p:stCondLst>
+                                    <p:cond delay="0"/>
+                                  </p:stCondLst>
+                                  <p:childTnLst>
+                                    <p:set>
+                                      <p:cBhvr>
+                                        <p:cTn id="37" dur="1" fill="hold">
+                                          <p:stCondLst>
+                                            <p:cond delay="0"/>
+                                          </p:stCondLst>
+                                        </p:cTn>
+                                        <p:tgtEl>
+                                          <p:spTgt spid="10"/>
                                         </p:tgtEl>
                                         <p:attrNameLst>
                                           <p:attrName>style.visibility</p:attrName>
@@ -9417,7 +14140,7 @@
               <a:rPr lang="en-GB" sz="2000" dirty="0">
                 <a:latin typeface="DINOT" panose="020B0504020101020102" pitchFamily="34" charset="77"/>
               </a:rPr>
-              <a:t>The query used in the venue selection is extended by means of a </a:t>
+              <a:t>Query used in the venue selection is refined by means of a </a:t>
             </a:r>
             <a:r>
               <a:rPr lang="en-GB" sz="2000" dirty="0">
@@ -9448,6 +14171,20 @@
             </a:endParaRPr>
           </a:p>
           <a:p>
+            <a:pPr marL="0" indent="0">
+              <a:buNone/>
+            </a:pPr>
+            <a:r>
+              <a:rPr lang="en-GB" sz="2000" dirty="0">
+                <a:latin typeface="DINOT" panose="020B0504020101020102" pitchFamily="34" charset="77"/>
+              </a:rPr>
+              <a:t>…and used to gather the primary studies</a:t>
+            </a:r>
+          </a:p>
+          <a:p>
+            <a:pPr marL="0" indent="0">
+              <a:buNone/>
+            </a:pPr>
             <a:endParaRPr lang="en-GB" sz="2000" dirty="0">
               <a:latin typeface="DINOT" panose="020B0504020101020102" pitchFamily="34" charset="77"/>
             </a:endParaRPr>
@@ -9460,7 +14197,7 @@
               <a:rPr lang="en-GB" sz="2000" dirty="0">
                 <a:latin typeface="DINOT" panose="020B0504020101020102" pitchFamily="34" charset="77"/>
               </a:rPr>
-              <a:t>The proximity constraint is set to 20 terms:</a:t>
+              <a:t>Proximity constraint is set to 20 terms</a:t>
             </a:r>
           </a:p>
           <a:p>
@@ -9495,6 +14232,11 @@
               </a:rPr>
               <a:t> et al. (2013)  </a:t>
             </a:r>
+          </a:p>
+          <a:p>
+            <a:pPr marL="457200" lvl="1" indent="0">
+              <a:buNone/>
+            </a:pPr>
             <a:endParaRPr lang="en-GB" sz="1400" dirty="0">
               <a:latin typeface="DINOT" panose="020B0504020101020102" pitchFamily="34" charset="77"/>
             </a:endParaRPr>
@@ -9750,7 +14492,7 @@
         </p:blipFill>
         <p:spPr>
           <a:xfrm>
-            <a:off x="1846253" y="2882222"/>
+            <a:off x="1878152" y="2627030"/>
             <a:ext cx="7480345" cy="347268"/>
           </a:xfrm>
           <a:prstGeom prst="rect">
@@ -9780,8 +14522,8 @@
         </p:blipFill>
         <p:spPr>
           <a:xfrm>
-            <a:off x="7433973" y="2138592"/>
-            <a:ext cx="2472433" cy="349551"/>
+            <a:off x="7253220" y="2129212"/>
+            <a:ext cx="2560631" cy="362020"/>
           </a:xfrm>
           <a:prstGeom prst="rect">
             <a:avLst/>
@@ -9810,6 +14552,9 @@
                     <p:cTn id="3" fill="hold">
                       <p:stCondLst>
                         <p:cond delay="indefinite"/>
+                        <p:cond evt="onBegin" delay="0">
+                          <p:tn val="2"/>
+                        </p:cond>
                       </p:stCondLst>
                       <p:childTnLst>
                         <p:par>
@@ -9819,7 +14564,7 @@
                             </p:stCondLst>
                             <p:childTnLst>
                               <p:par>
-                                <p:cTn id="5" presetID="1" presetClass="entr" presetSubtype="0" fill="hold" nodeType="clickEffect">
+                                <p:cTn id="5" presetID="1" presetClass="entr" presetSubtype="0" fill="hold" nodeType="withEffect">
                                   <p:stCondLst>
                                     <p:cond delay="0"/>
                                   </p:stCondLst>
@@ -9969,7 +14714,7 @@
                                         <p:tgtEl>
                                           <p:spTgt spid="11">
                                             <p:txEl>
-                                              <p:pRg st="5" end="5"/>
+                                              <p:pRg st="4" end="4"/>
                                             </p:txEl>
                                           </p:spTgt>
                                         </p:tgtEl>
@@ -10082,39 +14827,26 @@
                                   </p:childTnLst>
                                 </p:cTn>
                               </p:par>
+                            </p:childTnLst>
+                          </p:cTn>
+                        </p:par>
+                      </p:childTnLst>
+                    </p:cTn>
+                  </p:par>
+                  <p:par>
+                    <p:cTn id="27" fill="hold">
+                      <p:stCondLst>
+                        <p:cond delay="indefinite"/>
+                      </p:stCondLst>
+                      <p:childTnLst>
+                        <p:par>
+                          <p:cTn id="28" fill="hold">
+                            <p:stCondLst>
+                              <p:cond delay="0"/>
+                            </p:stCondLst>
+                            <p:childTnLst>
                               <p:par>
-                                <p:cTn id="27" presetID="1" presetClass="entr" presetSubtype="0" fill="hold" nodeType="withEffect">
-                                  <p:stCondLst>
-                                    <p:cond delay="0"/>
-                                  </p:stCondLst>
-                                  <p:childTnLst>
-                                    <p:set>
-                                      <p:cBhvr>
-                                        <p:cTn id="28" dur="1" fill="hold">
-                                          <p:stCondLst>
-                                            <p:cond delay="0"/>
-                                          </p:stCondLst>
-                                        </p:cTn>
-                                        <p:tgtEl>
-                                          <p:spTgt spid="11">
-                                            <p:txEl>
-                                              <p:pRg st="8" end="8"/>
-                                            </p:txEl>
-                                          </p:spTgt>
-                                        </p:tgtEl>
-                                        <p:attrNameLst>
-                                          <p:attrName>style.visibility</p:attrName>
-                                        </p:attrNameLst>
-                                      </p:cBhvr>
-                                      <p:to>
-                                        <p:strVal val="visible"/>
-                                      </p:to>
-                                    </p:set>
-                                  </p:childTnLst>
-                                </p:cTn>
-                              </p:par>
-                              <p:par>
-                                <p:cTn id="29" presetID="1" presetClass="entr" presetSubtype="0" fill="hold" nodeType="withEffect">
+                                <p:cTn id="29" presetID="1" presetClass="entr" presetSubtype="0" fill="hold" nodeType="clickEffect">
                                   <p:stCondLst>
                                     <p:cond delay="0"/>
                                   </p:stCondLst>
@@ -10161,6 +14893,68 @@
                                           <p:spTgt spid="11">
                                             <p:txEl>
                                               <p:pRg st="10" end="10"/>
+                                            </p:txEl>
+                                          </p:spTgt>
+                                        </p:tgtEl>
+                                        <p:attrNameLst>
+                                          <p:attrName>style.visibility</p:attrName>
+                                        </p:attrNameLst>
+                                      </p:cBhvr>
+                                      <p:to>
+                                        <p:strVal val="visible"/>
+                                      </p:to>
+                                    </p:set>
+                                  </p:childTnLst>
+                                </p:cTn>
+                              </p:par>
+                              <p:par>
+                                <p:cTn id="33" presetID="1" presetClass="entr" presetSubtype="0" fill="hold" nodeType="withEffect">
+                                  <p:stCondLst>
+                                    <p:cond delay="0"/>
+                                  </p:stCondLst>
+                                  <p:childTnLst>
+                                    <p:set>
+                                      <p:cBhvr>
+                                        <p:cTn id="34" dur="1" fill="hold">
+                                          <p:stCondLst>
+                                            <p:cond delay="0"/>
+                                          </p:stCondLst>
+                                        </p:cTn>
+                                        <p:tgtEl>
+                                          <p:spTgt spid="11">
+                                            <p:txEl>
+                                              <p:pRg st="11" end="11"/>
+                                            </p:txEl>
+                                          </p:spTgt>
+                                        </p:tgtEl>
+                                        <p:attrNameLst>
+                                          <p:attrName>style.visibility</p:attrName>
+                                        </p:attrNameLst>
+                                      </p:cBhvr>
+                                      <p:to>
+                                        <p:strVal val="visible"/>
+                                      </p:to>
+                                    </p:set>
+                                  </p:childTnLst>
+                                </p:cTn>
+                              </p:par>
+                              <p:par>
+                                <p:cTn id="35" presetID="1" presetClass="entr" presetSubtype="0" fill="hold" nodeType="withEffect">
+                                  <p:stCondLst>
+                                    <p:cond delay="0"/>
+                                  </p:stCondLst>
+                                  <p:childTnLst>
+                                    <p:set>
+                                      <p:cBhvr>
+                                        <p:cTn id="36" dur="1" fill="hold">
+                                          <p:stCondLst>
+                                            <p:cond delay="0"/>
+                                          </p:stCondLst>
+                                        </p:cTn>
+                                        <p:tgtEl>
+                                          <p:spTgt spid="11">
+                                            <p:txEl>
+                                              <p:pRg st="12" end="12"/>
                                             </p:txEl>
                                           </p:spTgt>
                                         </p:tgtEl>
@@ -10292,7 +15086,15 @@
               <a:rPr lang="en-IT" sz="2000" dirty="0">
                 <a:latin typeface="DINOT" panose="020B0504020101020102" pitchFamily="34" charset="77"/>
               </a:rPr>
-              <a:t>937 primary studies</a:t>
+              <a:t>An initial set of 937 documents is collected</a:t>
+            </a:r>
+          </a:p>
+          <a:p>
+            <a:r>
+              <a:rPr lang="en-IT" sz="2000" dirty="0">
+                <a:latin typeface="DINOT" panose="020B0504020101020102" pitchFamily="34" charset="77"/>
+              </a:rPr>
+              <a:t>Using the proximity constraint, 424 primary studies are kept</a:t>
             </a:r>
           </a:p>
           <a:p>
@@ -10301,15 +15103,21 @@
               <a:rPr lang="en-IT" sz="1600" dirty="0">
                 <a:latin typeface="DINOT" panose="020B0504020101020102" pitchFamily="34" charset="77"/>
               </a:rPr>
-              <a:t>388 conference and 549 journal papers</a:t>
-            </a:r>
-          </a:p>
-          <a:p>
+              <a:t>201 conference and 223 journal papers</a:t>
+            </a:r>
+          </a:p>
+          <a:p>
+            <a:r>
+              <a:rPr lang="en-IT" sz="2000" dirty="0">
+                <a:latin typeface="DINOT-Bold" panose="02000503030000020004" pitchFamily="2" charset="77"/>
+              </a:rPr>
+              <a:t>Inclusion\exclusion criteria </a:t>
+            </a:r>
             <a:r>
               <a:rPr lang="en-IT" sz="2000" dirty="0">
                 <a:latin typeface="DINOT" panose="020B0504020101020102" pitchFamily="34" charset="77"/>
               </a:rPr>
-              <a:t>Inclusion\exclusion criteria are applied by means of manual inspection</a:t>
+              <a:t>are applied by means of manual inspection</a:t>
             </a:r>
           </a:p>
           <a:p>
@@ -10318,7 +15126,7 @@
               <a:rPr lang="en-IT" sz="1600" dirty="0">
                 <a:latin typeface="DINOT" panose="020B0504020101020102" pitchFamily="34" charset="77"/>
               </a:rPr>
-              <a:t>Only studies actively applying topic labeling are kept</a:t>
+              <a:t>Only studies actively applying topic labeling techniques are kept</a:t>
             </a:r>
           </a:p>
           <a:p>
@@ -10357,6 +15165,24 @@
                 <a:latin typeface="DINOT" panose="020B0504020101020102" pitchFamily="34" charset="77"/>
               </a:rPr>
               <a:t>is obtained</a:t>
+            </a:r>
+          </a:p>
+          <a:p>
+            <a:pPr lvl="1"/>
+            <a:r>
+              <a:rPr lang="en-IT" sz="1600" dirty="0">
+                <a:latin typeface="DINOT" panose="020B0504020101020102" pitchFamily="34" charset="77"/>
+              </a:rPr>
+              <a:t>Represents the first set of studies included in the Review</a:t>
+            </a:r>
+          </a:p>
+          <a:p>
+            <a:pPr lvl="1"/>
+            <a:r>
+              <a:rPr lang="en-IT" sz="1600" dirty="0">
+                <a:latin typeface="DINOT" panose="020B0504020101020102" pitchFamily="34" charset="77"/>
+              </a:rPr>
+              <a:t>Is used as a starting point for the snowballing activities</a:t>
             </a:r>
           </a:p>
         </p:txBody>
@@ -10371,6 +15197,441 @@
   <p:clrMapOvr>
     <a:masterClrMapping/>
   </p:clrMapOvr>
+  <p:timing>
+    <p:tnLst>
+      <p:par>
+        <p:cTn id="1" dur="indefinite" restart="never" nodeType="tmRoot">
+          <p:childTnLst>
+            <p:seq concurrent="1" nextAc="seek">
+              <p:cTn id="2" dur="indefinite" nodeType="mainSeq">
+                <p:childTnLst>
+                  <p:par>
+                    <p:cTn id="3" fill="hold">
+                      <p:stCondLst>
+                        <p:cond delay="indefinite"/>
+                      </p:stCondLst>
+                      <p:childTnLst>
+                        <p:par>
+                          <p:cTn id="4" fill="hold">
+                            <p:stCondLst>
+                              <p:cond delay="0"/>
+                            </p:stCondLst>
+                            <p:childTnLst>
+                              <p:par>
+                                <p:cTn id="5" presetID="1" presetClass="entr" presetSubtype="0" fill="hold" nodeType="clickEffect">
+                                  <p:stCondLst>
+                                    <p:cond delay="0"/>
+                                  </p:stCondLst>
+                                  <p:childTnLst>
+                                    <p:set>
+                                      <p:cBhvr>
+                                        <p:cTn id="6" dur="1" fill="hold">
+                                          <p:stCondLst>
+                                            <p:cond delay="0"/>
+                                          </p:stCondLst>
+                                        </p:cTn>
+                                        <p:tgtEl>
+                                          <p:spTgt spid="3">
+                                            <p:txEl>
+                                              <p:pRg st="1" end="1"/>
+                                            </p:txEl>
+                                          </p:spTgt>
+                                        </p:tgtEl>
+                                        <p:attrNameLst>
+                                          <p:attrName>style.visibility</p:attrName>
+                                        </p:attrNameLst>
+                                      </p:cBhvr>
+                                      <p:to>
+                                        <p:strVal val="visible"/>
+                                      </p:to>
+                                    </p:set>
+                                  </p:childTnLst>
+                                </p:cTn>
+                              </p:par>
+                              <p:par>
+                                <p:cTn id="7" presetID="1" presetClass="entr" presetSubtype="0" fill="hold" nodeType="withEffect">
+                                  <p:stCondLst>
+                                    <p:cond delay="0"/>
+                                  </p:stCondLst>
+                                  <p:childTnLst>
+                                    <p:set>
+                                      <p:cBhvr>
+                                        <p:cTn id="8" dur="1" fill="hold">
+                                          <p:stCondLst>
+                                            <p:cond delay="0"/>
+                                          </p:stCondLst>
+                                        </p:cTn>
+                                        <p:tgtEl>
+                                          <p:spTgt spid="3">
+                                            <p:txEl>
+                                              <p:pRg st="2" end="2"/>
+                                            </p:txEl>
+                                          </p:spTgt>
+                                        </p:tgtEl>
+                                        <p:attrNameLst>
+                                          <p:attrName>style.visibility</p:attrName>
+                                        </p:attrNameLst>
+                                      </p:cBhvr>
+                                      <p:to>
+                                        <p:strVal val="visible"/>
+                                      </p:to>
+                                    </p:set>
+                                  </p:childTnLst>
+                                </p:cTn>
+                              </p:par>
+                            </p:childTnLst>
+                          </p:cTn>
+                        </p:par>
+                      </p:childTnLst>
+                    </p:cTn>
+                  </p:par>
+                  <p:par>
+                    <p:cTn id="9" fill="hold">
+                      <p:stCondLst>
+                        <p:cond delay="indefinite"/>
+                      </p:stCondLst>
+                      <p:childTnLst>
+                        <p:par>
+                          <p:cTn id="10" fill="hold">
+                            <p:stCondLst>
+                              <p:cond delay="0"/>
+                            </p:stCondLst>
+                            <p:childTnLst>
+                              <p:par>
+                                <p:cTn id="11" presetID="1" presetClass="entr" presetSubtype="0" fill="hold" nodeType="clickEffect">
+                                  <p:stCondLst>
+                                    <p:cond delay="0"/>
+                                  </p:stCondLst>
+                                  <p:childTnLst>
+                                    <p:set>
+                                      <p:cBhvr>
+                                        <p:cTn id="12" dur="1" fill="hold">
+                                          <p:stCondLst>
+                                            <p:cond delay="0"/>
+                                          </p:stCondLst>
+                                        </p:cTn>
+                                        <p:tgtEl>
+                                          <p:spTgt spid="3">
+                                            <p:txEl>
+                                              <p:pRg st="3" end="3"/>
+                                            </p:txEl>
+                                          </p:spTgt>
+                                        </p:tgtEl>
+                                        <p:attrNameLst>
+                                          <p:attrName>style.visibility</p:attrName>
+                                        </p:attrNameLst>
+                                      </p:cBhvr>
+                                      <p:to>
+                                        <p:strVal val="visible"/>
+                                      </p:to>
+                                    </p:set>
+                                  </p:childTnLst>
+                                </p:cTn>
+                              </p:par>
+                            </p:childTnLst>
+                          </p:cTn>
+                        </p:par>
+                      </p:childTnLst>
+                    </p:cTn>
+                  </p:par>
+                  <p:par>
+                    <p:cTn id="13" fill="hold">
+                      <p:stCondLst>
+                        <p:cond delay="indefinite"/>
+                      </p:stCondLst>
+                      <p:childTnLst>
+                        <p:par>
+                          <p:cTn id="14" fill="hold">
+                            <p:stCondLst>
+                              <p:cond delay="0"/>
+                            </p:stCondLst>
+                            <p:childTnLst>
+                              <p:par>
+                                <p:cTn id="15" presetID="1" presetClass="entr" presetSubtype="0" fill="hold" nodeType="clickEffect">
+                                  <p:stCondLst>
+                                    <p:cond delay="0"/>
+                                  </p:stCondLst>
+                                  <p:childTnLst>
+                                    <p:set>
+                                      <p:cBhvr>
+                                        <p:cTn id="16" dur="1" fill="hold">
+                                          <p:stCondLst>
+                                            <p:cond delay="0"/>
+                                          </p:stCondLst>
+                                        </p:cTn>
+                                        <p:tgtEl>
+                                          <p:spTgt spid="3">
+                                            <p:txEl>
+                                              <p:pRg st="4" end="4"/>
+                                            </p:txEl>
+                                          </p:spTgt>
+                                        </p:tgtEl>
+                                        <p:attrNameLst>
+                                          <p:attrName>style.visibility</p:attrName>
+                                        </p:attrNameLst>
+                                      </p:cBhvr>
+                                      <p:to>
+                                        <p:strVal val="visible"/>
+                                      </p:to>
+                                    </p:set>
+                                  </p:childTnLst>
+                                </p:cTn>
+                              </p:par>
+                            </p:childTnLst>
+                          </p:cTn>
+                        </p:par>
+                      </p:childTnLst>
+                    </p:cTn>
+                  </p:par>
+                  <p:par>
+                    <p:cTn id="17" fill="hold">
+                      <p:stCondLst>
+                        <p:cond delay="indefinite"/>
+                      </p:stCondLst>
+                      <p:childTnLst>
+                        <p:par>
+                          <p:cTn id="18" fill="hold">
+                            <p:stCondLst>
+                              <p:cond delay="0"/>
+                            </p:stCondLst>
+                            <p:childTnLst>
+                              <p:par>
+                                <p:cTn id="19" presetID="1" presetClass="entr" presetSubtype="0" fill="hold" nodeType="clickEffect">
+                                  <p:stCondLst>
+                                    <p:cond delay="0"/>
+                                  </p:stCondLst>
+                                  <p:childTnLst>
+                                    <p:set>
+                                      <p:cBhvr>
+                                        <p:cTn id="20" dur="1" fill="hold">
+                                          <p:stCondLst>
+                                            <p:cond delay="0"/>
+                                          </p:stCondLst>
+                                        </p:cTn>
+                                        <p:tgtEl>
+                                          <p:spTgt spid="3">
+                                            <p:txEl>
+                                              <p:pRg st="5" end="5"/>
+                                            </p:txEl>
+                                          </p:spTgt>
+                                        </p:tgtEl>
+                                        <p:attrNameLst>
+                                          <p:attrName>style.visibility</p:attrName>
+                                        </p:attrNameLst>
+                                      </p:cBhvr>
+                                      <p:to>
+                                        <p:strVal val="visible"/>
+                                      </p:to>
+                                    </p:set>
+                                  </p:childTnLst>
+                                </p:cTn>
+                              </p:par>
+                            </p:childTnLst>
+                          </p:cTn>
+                        </p:par>
+                      </p:childTnLst>
+                    </p:cTn>
+                  </p:par>
+                  <p:par>
+                    <p:cTn id="21" fill="hold">
+                      <p:stCondLst>
+                        <p:cond delay="indefinite"/>
+                      </p:stCondLst>
+                      <p:childTnLst>
+                        <p:par>
+                          <p:cTn id="22" fill="hold">
+                            <p:stCondLst>
+                              <p:cond delay="0"/>
+                            </p:stCondLst>
+                            <p:childTnLst>
+                              <p:par>
+                                <p:cTn id="23" presetID="1" presetClass="entr" presetSubtype="0" fill="hold" nodeType="clickEffect">
+                                  <p:stCondLst>
+                                    <p:cond delay="0"/>
+                                  </p:stCondLst>
+                                  <p:childTnLst>
+                                    <p:set>
+                                      <p:cBhvr>
+                                        <p:cTn id="24" dur="1" fill="hold">
+                                          <p:stCondLst>
+                                            <p:cond delay="0"/>
+                                          </p:stCondLst>
+                                        </p:cTn>
+                                        <p:tgtEl>
+                                          <p:spTgt spid="3">
+                                            <p:txEl>
+                                              <p:pRg st="6" end="6"/>
+                                            </p:txEl>
+                                          </p:spTgt>
+                                        </p:tgtEl>
+                                        <p:attrNameLst>
+                                          <p:attrName>style.visibility</p:attrName>
+                                        </p:attrNameLst>
+                                      </p:cBhvr>
+                                      <p:to>
+                                        <p:strVal val="visible"/>
+                                      </p:to>
+                                    </p:set>
+                                  </p:childTnLst>
+                                </p:cTn>
+                              </p:par>
+                            </p:childTnLst>
+                          </p:cTn>
+                        </p:par>
+                      </p:childTnLst>
+                    </p:cTn>
+                  </p:par>
+                  <p:par>
+                    <p:cTn id="25" fill="hold">
+                      <p:stCondLst>
+                        <p:cond delay="indefinite"/>
+                      </p:stCondLst>
+                      <p:childTnLst>
+                        <p:par>
+                          <p:cTn id="26" fill="hold">
+                            <p:stCondLst>
+                              <p:cond delay="0"/>
+                            </p:stCondLst>
+                            <p:childTnLst>
+                              <p:par>
+                                <p:cTn id="27" presetID="1" presetClass="entr" presetSubtype="0" fill="hold" nodeType="clickEffect">
+                                  <p:stCondLst>
+                                    <p:cond delay="0"/>
+                                  </p:stCondLst>
+                                  <p:childTnLst>
+                                    <p:set>
+                                      <p:cBhvr>
+                                        <p:cTn id="28" dur="1" fill="hold">
+                                          <p:stCondLst>
+                                            <p:cond delay="0"/>
+                                          </p:stCondLst>
+                                        </p:cTn>
+                                        <p:tgtEl>
+                                          <p:spTgt spid="3">
+                                            <p:txEl>
+                                              <p:pRg st="7" end="7"/>
+                                            </p:txEl>
+                                          </p:spTgt>
+                                        </p:tgtEl>
+                                        <p:attrNameLst>
+                                          <p:attrName>style.visibility</p:attrName>
+                                        </p:attrNameLst>
+                                      </p:cBhvr>
+                                      <p:to>
+                                        <p:strVal val="visible"/>
+                                      </p:to>
+                                    </p:set>
+                                  </p:childTnLst>
+                                </p:cTn>
+                              </p:par>
+                              <p:par>
+                                <p:cTn id="29" presetID="1" presetClass="entr" presetSubtype="0" fill="hold" nodeType="withEffect">
+                                  <p:stCondLst>
+                                    <p:cond delay="0"/>
+                                  </p:stCondLst>
+                                  <p:childTnLst>
+                                    <p:set>
+                                      <p:cBhvr>
+                                        <p:cTn id="30" dur="1" fill="hold">
+                                          <p:stCondLst>
+                                            <p:cond delay="0"/>
+                                          </p:stCondLst>
+                                        </p:cTn>
+                                        <p:tgtEl>
+                                          <p:spTgt spid="3">
+                                            <p:txEl>
+                                              <p:pRg st="8" end="8"/>
+                                            </p:txEl>
+                                          </p:spTgt>
+                                        </p:tgtEl>
+                                        <p:attrNameLst>
+                                          <p:attrName>style.visibility</p:attrName>
+                                        </p:attrNameLst>
+                                      </p:cBhvr>
+                                      <p:to>
+                                        <p:strVal val="visible"/>
+                                      </p:to>
+                                    </p:set>
+                                  </p:childTnLst>
+                                </p:cTn>
+                              </p:par>
+                            </p:childTnLst>
+                          </p:cTn>
+                        </p:par>
+                      </p:childTnLst>
+                    </p:cTn>
+                  </p:par>
+                  <p:par>
+                    <p:cTn id="31" fill="hold">
+                      <p:stCondLst>
+                        <p:cond delay="indefinite"/>
+                      </p:stCondLst>
+                      <p:childTnLst>
+                        <p:par>
+                          <p:cTn id="32" fill="hold">
+                            <p:stCondLst>
+                              <p:cond delay="0"/>
+                            </p:stCondLst>
+                            <p:childTnLst>
+                              <p:par>
+                                <p:cTn id="33" presetID="1" presetClass="entr" presetSubtype="0" fill="hold" nodeType="clickEffect">
+                                  <p:stCondLst>
+                                    <p:cond delay="0"/>
+                                  </p:stCondLst>
+                                  <p:childTnLst>
+                                    <p:set>
+                                      <p:cBhvr>
+                                        <p:cTn id="34" dur="1" fill="hold">
+                                          <p:stCondLst>
+                                            <p:cond delay="0"/>
+                                          </p:stCondLst>
+                                        </p:cTn>
+                                        <p:tgtEl>
+                                          <p:spTgt spid="3">
+                                            <p:txEl>
+                                              <p:pRg st="9" end="9"/>
+                                            </p:txEl>
+                                          </p:spTgt>
+                                        </p:tgtEl>
+                                        <p:attrNameLst>
+                                          <p:attrName>style.visibility</p:attrName>
+                                        </p:attrNameLst>
+                                      </p:cBhvr>
+                                      <p:to>
+                                        <p:strVal val="visible"/>
+                                      </p:to>
+                                    </p:set>
+                                  </p:childTnLst>
+                                </p:cTn>
+                              </p:par>
+                            </p:childTnLst>
+                          </p:cTn>
+                        </p:par>
+                      </p:childTnLst>
+                    </p:cTn>
+                  </p:par>
+                </p:childTnLst>
+              </p:cTn>
+              <p:prevCondLst>
+                <p:cond evt="onPrev" delay="0">
+                  <p:tgtEl>
+                    <p:sldTgt/>
+                  </p:tgtEl>
+                </p:cond>
+              </p:prevCondLst>
+              <p:nextCondLst>
+                <p:cond evt="onNext" delay="0">
+                  <p:tgtEl>
+                    <p:sldTgt/>
+                  </p:tgtEl>
+                </p:cond>
+              </p:nextCondLst>
+            </p:seq>
+          </p:childTnLst>
+        </p:cTn>
+      </p:par>
+    </p:tnLst>
+  </p:timing>
 </p:sld>
 </file>
 
@@ -10428,41 +15689,726 @@
           </a:p>
         </p:txBody>
       </p:sp>
-      <p:pic>
-        <p:nvPicPr>
-          <p:cNvPr id="5" name="Content Placeholder 4" descr="A screen shot of a graph&#10;&#10;Description automatically generated with low confidence">
+      <p:sp>
+        <p:nvSpPr>
+          <p:cNvPr id="6" name="Content Placeholder 2">
             <a:extLst>
               <a:ext uri="{FF2B5EF4-FFF2-40B4-BE49-F238E27FC236}">
-                <a16:creationId xmlns:a16="http://schemas.microsoft.com/office/drawing/2014/main" id="{1E6E52EA-87AC-910B-D822-152DED5957F6}"/>
+                <a16:creationId xmlns:a16="http://schemas.microsoft.com/office/drawing/2014/main" id="{2EFCBE54-E8C9-B2A2-8AF5-CB2CFE3F7A2D}"/>
               </a:ext>
             </a:extLst>
           </p:cNvPr>
-          <p:cNvPicPr>
-            <a:picLocks noGrp="1" noChangeAspect="1"/>
-          </p:cNvPicPr>
+          <p:cNvSpPr>
+            <a:spLocks noGrp="1"/>
+          </p:cNvSpPr>
           <p:nvPr>
             <p:ph idx="1"/>
           </p:nvPr>
-        </p:nvPicPr>
-        <p:blipFill>
-          <a:blip r:embed="rId2"/>
-          <a:stretch>
-            <a:fillRect/>
-          </a:stretch>
-        </p:blipFill>
+        </p:nvSpPr>
         <p:spPr>
           <a:xfrm>
-            <a:off x="5833967" y="408565"/>
-            <a:ext cx="5851214" cy="6040869"/>
+            <a:off x="838199" y="1690254"/>
+            <a:ext cx="10827327" cy="4749047"/>
           </a:xfrm>
         </p:spPr>
-      </p:pic>
+        <p:txBody>
+          <a:bodyPr>
+            <a:normAutofit/>
+          </a:bodyPr>
+          <a:lstStyle/>
+          <a:p>
+            <a:pPr marL="0" indent="0">
+              <a:buNone/>
+            </a:pPr>
+            <a:r>
+              <a:rPr lang="en-IT" sz="2000" dirty="0">
+                <a:latin typeface="DINOT" panose="020B0504020101020102" pitchFamily="34" charset="77"/>
+              </a:rPr>
+              <a:t>Core collection is used to extend the scope of the review by extracting:</a:t>
+            </a:r>
+          </a:p>
+          <a:p>
+            <a:r>
+              <a:rPr lang="en-IT" sz="2000" dirty="0">
+                <a:latin typeface="DINOT-Bold" panose="02000503030000020004" pitchFamily="2" charset="77"/>
+              </a:rPr>
+              <a:t>References</a:t>
+            </a:r>
+            <a:r>
+              <a:rPr lang="en-IT" sz="2000" dirty="0">
+                <a:latin typeface="DINOT" panose="020B0504020101020102" pitchFamily="34" charset="77"/>
+              </a:rPr>
+              <a:t> (backward snowballing)</a:t>
+            </a:r>
+          </a:p>
+          <a:p>
+            <a:r>
+              <a:rPr lang="en-IT" sz="2000" dirty="0">
+                <a:latin typeface="DINOT-Bold" panose="02000503030000020004" pitchFamily="2" charset="77"/>
+              </a:rPr>
+              <a:t>Citations</a:t>
+            </a:r>
+            <a:r>
+              <a:rPr lang="en-IT" sz="2000" dirty="0">
+                <a:latin typeface="DINOT" panose="020B0504020101020102" pitchFamily="34" charset="77"/>
+              </a:rPr>
+              <a:t> (forward snowballing)</a:t>
+            </a:r>
+          </a:p>
+          <a:p>
+            <a:pPr marL="0" indent="0">
+              <a:buNone/>
+            </a:pPr>
+            <a:endParaRPr lang="en-IT" sz="2000" dirty="0">
+              <a:latin typeface="DINOT" panose="020B0504020101020102" pitchFamily="34" charset="77"/>
+            </a:endParaRPr>
+          </a:p>
+          <a:p>
+            <a:pPr marL="0" indent="0">
+              <a:buNone/>
+            </a:pPr>
+            <a:r>
+              <a:rPr lang="en-IT" sz="2000" dirty="0">
+                <a:latin typeface="DINOT" panose="020B0504020101020102" pitchFamily="34" charset="77"/>
+              </a:rPr>
+              <a:t>This additional work is filtered via the query used for the initial collection</a:t>
+            </a:r>
+          </a:p>
+          <a:p>
+            <a:pPr marL="0" indent="0">
+              <a:buNone/>
+            </a:pPr>
+            <a:endParaRPr lang="en-IT" sz="2000" dirty="0">
+              <a:latin typeface="DINOT" panose="020B0504020101020102" pitchFamily="34" charset="77"/>
+            </a:endParaRPr>
+          </a:p>
+          <a:p>
+            <a:pPr marL="0" indent="0">
+              <a:buNone/>
+            </a:pPr>
+            <a:endParaRPr lang="en-IT" sz="2000" dirty="0">
+              <a:latin typeface="DINOT" panose="020B0504020101020102" pitchFamily="34" charset="77"/>
+            </a:endParaRPr>
+          </a:p>
+          <a:p>
+            <a:pPr marL="0" indent="0">
+              <a:buNone/>
+            </a:pPr>
+            <a:r>
+              <a:rPr lang="en-IT" sz="2000" dirty="0">
+                <a:latin typeface="DINOT" panose="020B0504020101020102" pitchFamily="34" charset="77"/>
+              </a:rPr>
+              <a:t>…and the inclusion/exclusion criteria</a:t>
+            </a:r>
+          </a:p>
+        </p:txBody>
+      </p:sp>
+      <p:grpSp>
+        <p:nvGrpSpPr>
+          <p:cNvPr id="42" name="Group 41">
+            <a:extLst>
+              <a:ext uri="{FF2B5EF4-FFF2-40B4-BE49-F238E27FC236}">
+                <a16:creationId xmlns:a16="http://schemas.microsoft.com/office/drawing/2014/main" id="{D862AE7C-5CF9-790E-1C78-DF44F2EF5956}"/>
+              </a:ext>
+            </a:extLst>
+          </p:cNvPr>
+          <p:cNvGrpSpPr/>
+          <p:nvPr/>
+        </p:nvGrpSpPr>
+        <p:grpSpPr>
+          <a:xfrm>
+            <a:off x="6701028" y="5013857"/>
+            <a:ext cx="1616067" cy="307777"/>
+            <a:chOff x="4178595" y="4198252"/>
+            <a:chExt cx="1616067" cy="307777"/>
+          </a:xfrm>
+        </p:grpSpPr>
+        <p:cxnSp>
+          <p:nvCxnSpPr>
+            <p:cNvPr id="15" name="Straight Arrow Connector 14">
+              <a:extLst>
+                <a:ext uri="{FF2B5EF4-FFF2-40B4-BE49-F238E27FC236}">
+                  <a16:creationId xmlns:a16="http://schemas.microsoft.com/office/drawing/2014/main" id="{0CFEDD48-FB4E-8DF3-35A8-A8B62AD63E3B}"/>
+                </a:ext>
+              </a:extLst>
+            </p:cNvPr>
+            <p:cNvCxnSpPr>
+              <a:cxnSpLocks/>
+              <a:stCxn id="11" idx="1"/>
+              <a:endCxn id="21" idx="3"/>
+            </p:cNvCxnSpPr>
+            <p:nvPr/>
+          </p:nvCxnSpPr>
+          <p:spPr>
+            <a:xfrm flipH="1">
+              <a:off x="4178595" y="4506029"/>
+              <a:ext cx="1616067" cy="0"/>
+            </a:xfrm>
+            <a:prstGeom prst="straightConnector1">
+              <a:avLst/>
+            </a:prstGeom>
+            <a:ln w="28575">
+              <a:tailEnd type="triangle"/>
+            </a:ln>
+          </p:spPr>
+          <p:style>
+            <a:lnRef idx="1">
+              <a:schemeClr val="dk1"/>
+            </a:lnRef>
+            <a:fillRef idx="0">
+              <a:schemeClr val="dk1"/>
+            </a:fillRef>
+            <a:effectRef idx="0">
+              <a:schemeClr val="dk1"/>
+            </a:effectRef>
+            <a:fontRef idx="minor">
+              <a:schemeClr val="tx1"/>
+            </a:fontRef>
+          </p:style>
+        </p:cxnSp>
+        <p:sp>
+          <p:nvSpPr>
+            <p:cNvPr id="19" name="TextBox 18">
+              <a:extLst>
+                <a:ext uri="{FF2B5EF4-FFF2-40B4-BE49-F238E27FC236}">
+                  <a16:creationId xmlns:a16="http://schemas.microsoft.com/office/drawing/2014/main" id="{0DDBA41E-78CD-36F3-4DE0-39CD2BD0EE2D}"/>
+                </a:ext>
+              </a:extLst>
+            </p:cNvPr>
+            <p:cNvSpPr txBox="1"/>
+            <p:nvPr/>
+          </p:nvSpPr>
+          <p:spPr>
+            <a:xfrm>
+              <a:off x="4441450" y="4198252"/>
+              <a:ext cx="1090363" cy="307777"/>
+            </a:xfrm>
+            <a:prstGeom prst="rect">
+              <a:avLst/>
+            </a:prstGeom>
+            <a:noFill/>
+          </p:spPr>
+          <p:txBody>
+            <a:bodyPr wrap="none" rtlCol="0">
+              <a:spAutoFit/>
+            </a:bodyPr>
+            <a:lstStyle/>
+            <a:p>
+              <a:pPr algn="ctr"/>
+              <a:r>
+                <a:rPr lang="en-IT" sz="1400" dirty="0">
+                  <a:latin typeface="DINOT" panose="020B0504020101020102" pitchFamily="34" charset="77"/>
+                </a:rPr>
+                <a:t>References</a:t>
+              </a:r>
+            </a:p>
+          </p:txBody>
+        </p:sp>
+      </p:grpSp>
+      <p:grpSp>
+        <p:nvGrpSpPr>
+          <p:cNvPr id="36" name="Group 35">
+            <a:extLst>
+              <a:ext uri="{FF2B5EF4-FFF2-40B4-BE49-F238E27FC236}">
+                <a16:creationId xmlns:a16="http://schemas.microsoft.com/office/drawing/2014/main" id="{680F969A-EDB2-B07E-F182-74C61D002B1C}"/>
+              </a:ext>
+            </a:extLst>
+          </p:cNvPr>
+          <p:cNvGrpSpPr/>
+          <p:nvPr/>
+        </p:nvGrpSpPr>
+        <p:grpSpPr>
+          <a:xfrm>
+            <a:off x="8023087" y="4398302"/>
+            <a:ext cx="1449436" cy="1773738"/>
+            <a:chOff x="5500654" y="3550798"/>
+            <a:chExt cx="1449436" cy="1773738"/>
+          </a:xfrm>
+        </p:grpSpPr>
+        <p:pic>
+          <p:nvPicPr>
+            <p:cNvPr id="11" name="Graphic 10" descr="Document with solid fill">
+              <a:extLst>
+                <a:ext uri="{FF2B5EF4-FFF2-40B4-BE49-F238E27FC236}">
+                  <a16:creationId xmlns:a16="http://schemas.microsoft.com/office/drawing/2014/main" id="{B490FDD4-9364-1981-B0DA-E12CC9F91861}"/>
+                </a:ext>
+              </a:extLst>
+            </p:cNvPr>
+            <p:cNvPicPr>
+              <a:picLocks noChangeAspect="1"/>
+            </p:cNvPicPr>
+            <p:nvPr/>
+          </p:nvPicPr>
+          <p:blipFill>
+            <a:blip r:embed="rId3">
+              <a:extLst>
+                <a:ext uri="{96DAC541-7B7A-43D3-8B79-37D633B846F1}">
+                  <asvg:svgBlip xmlns:asvg="http://schemas.microsoft.com/office/drawing/2016/SVG/main" r:embed="rId4"/>
+                </a:ext>
+              </a:extLst>
+            </a:blip>
+            <a:stretch>
+              <a:fillRect/>
+            </a:stretch>
+          </p:blipFill>
+          <p:spPr>
+            <a:xfrm>
+              <a:off x="5794662" y="4016930"/>
+              <a:ext cx="914400" cy="914400"/>
+            </a:xfrm>
+            <a:prstGeom prst="rect">
+              <a:avLst/>
+            </a:prstGeom>
+          </p:spPr>
+        </p:pic>
+        <p:sp>
+          <p:nvSpPr>
+            <p:cNvPr id="12" name="TextBox 11">
+              <a:extLst>
+                <a:ext uri="{FF2B5EF4-FFF2-40B4-BE49-F238E27FC236}">
+                  <a16:creationId xmlns:a16="http://schemas.microsoft.com/office/drawing/2014/main" id="{18E04F02-E09A-BD57-624B-B32CB73BE8F7}"/>
+                </a:ext>
+              </a:extLst>
+            </p:cNvPr>
+            <p:cNvSpPr txBox="1"/>
+            <p:nvPr/>
+          </p:nvSpPr>
+          <p:spPr>
+            <a:xfrm>
+              <a:off x="6042510" y="4955204"/>
+              <a:ext cx="425116" cy="369332"/>
+            </a:xfrm>
+            <a:prstGeom prst="rect">
+              <a:avLst/>
+            </a:prstGeom>
+            <a:noFill/>
+          </p:spPr>
+          <p:txBody>
+            <a:bodyPr wrap="none" rtlCol="0">
+              <a:spAutoFit/>
+            </a:bodyPr>
+            <a:lstStyle/>
+            <a:p>
+              <a:r>
+                <a:rPr lang="en-IT" dirty="0">
+                  <a:latin typeface="DINOT" panose="020B0504020101020102" pitchFamily="34" charset="77"/>
+                </a:rPr>
+                <a:t>55</a:t>
+              </a:r>
+            </a:p>
+          </p:txBody>
+        </p:sp>
+        <p:sp>
+          <p:nvSpPr>
+            <p:cNvPr id="24" name="TextBox 23">
+              <a:extLst>
+                <a:ext uri="{FF2B5EF4-FFF2-40B4-BE49-F238E27FC236}">
+                  <a16:creationId xmlns:a16="http://schemas.microsoft.com/office/drawing/2014/main" id="{FE72A94C-24DB-9318-4D14-D9080E3D4F51}"/>
+                </a:ext>
+              </a:extLst>
+            </p:cNvPr>
+            <p:cNvSpPr txBox="1"/>
+            <p:nvPr/>
+          </p:nvSpPr>
+          <p:spPr>
+            <a:xfrm>
+              <a:off x="5500654" y="3550798"/>
+              <a:ext cx="1449436" cy="307777"/>
+            </a:xfrm>
+            <a:prstGeom prst="rect">
+              <a:avLst/>
+            </a:prstGeom>
+            <a:noFill/>
+          </p:spPr>
+          <p:txBody>
+            <a:bodyPr wrap="none" rtlCol="0">
+              <a:spAutoFit/>
+            </a:bodyPr>
+            <a:lstStyle/>
+            <a:p>
+              <a:pPr algn="ctr"/>
+              <a:r>
+                <a:rPr lang="en-IT" sz="1400" dirty="0">
+                  <a:latin typeface="DINOT" panose="020B0504020101020102" pitchFamily="34" charset="77"/>
+                </a:rPr>
+                <a:t>Initial collection</a:t>
+              </a:r>
+            </a:p>
+          </p:txBody>
+        </p:sp>
+      </p:grpSp>
+      <p:grpSp>
+        <p:nvGrpSpPr>
+          <p:cNvPr id="30" name="Group 29">
+            <a:extLst>
+              <a:ext uri="{FF2B5EF4-FFF2-40B4-BE49-F238E27FC236}">
+                <a16:creationId xmlns:a16="http://schemas.microsoft.com/office/drawing/2014/main" id="{B6B2A032-C835-09E1-EF32-0BB12CA7942D}"/>
+              </a:ext>
+            </a:extLst>
+          </p:cNvPr>
+          <p:cNvGrpSpPr/>
+          <p:nvPr/>
+        </p:nvGrpSpPr>
+        <p:grpSpPr>
+          <a:xfrm>
+            <a:off x="5786628" y="4398302"/>
+            <a:ext cx="914400" cy="1773738"/>
+            <a:chOff x="3264195" y="3550798"/>
+            <a:chExt cx="914400" cy="1773738"/>
+          </a:xfrm>
+        </p:grpSpPr>
+        <p:pic>
+          <p:nvPicPr>
+            <p:cNvPr id="21" name="Graphic 20" descr="Document with solid fill">
+              <a:extLst>
+                <a:ext uri="{FF2B5EF4-FFF2-40B4-BE49-F238E27FC236}">
+                  <a16:creationId xmlns:a16="http://schemas.microsoft.com/office/drawing/2014/main" id="{6C65966B-620C-2D06-FF09-3A63657E156E}"/>
+                </a:ext>
+              </a:extLst>
+            </p:cNvPr>
+            <p:cNvPicPr>
+              <a:picLocks noChangeAspect="1"/>
+            </p:cNvPicPr>
+            <p:nvPr/>
+          </p:nvPicPr>
+          <p:blipFill>
+            <a:blip r:embed="rId3">
+              <a:extLst>
+                <a:ext uri="{96DAC541-7B7A-43D3-8B79-37D633B846F1}">
+                  <asvg:svgBlip xmlns:asvg="http://schemas.microsoft.com/office/drawing/2016/SVG/main" r:embed="rId5"/>
+                </a:ext>
+              </a:extLst>
+            </a:blip>
+            <a:stretch>
+              <a:fillRect/>
+            </a:stretch>
+          </p:blipFill>
+          <p:spPr>
+            <a:xfrm>
+              <a:off x="3264195" y="4016930"/>
+              <a:ext cx="914400" cy="914400"/>
+            </a:xfrm>
+            <a:prstGeom prst="rect">
+              <a:avLst/>
+            </a:prstGeom>
+          </p:spPr>
+        </p:pic>
+        <p:sp>
+          <p:nvSpPr>
+            <p:cNvPr id="25" name="TextBox 24">
+              <a:extLst>
+                <a:ext uri="{FF2B5EF4-FFF2-40B4-BE49-F238E27FC236}">
+                  <a16:creationId xmlns:a16="http://schemas.microsoft.com/office/drawing/2014/main" id="{6E9E868F-F069-E27F-EA82-90835135B1CE}"/>
+                </a:ext>
+              </a:extLst>
+            </p:cNvPr>
+            <p:cNvSpPr txBox="1"/>
+            <p:nvPr/>
+          </p:nvSpPr>
+          <p:spPr>
+            <a:xfrm>
+              <a:off x="3467960" y="3550798"/>
+              <a:ext cx="506870" cy="307777"/>
+            </a:xfrm>
+            <a:prstGeom prst="rect">
+              <a:avLst/>
+            </a:prstGeom>
+            <a:noFill/>
+          </p:spPr>
+          <p:txBody>
+            <a:bodyPr wrap="none" rtlCol="0">
+              <a:spAutoFit/>
+            </a:bodyPr>
+            <a:lstStyle/>
+            <a:p>
+              <a:pPr algn="ctr"/>
+              <a:r>
+                <a:rPr lang="en-IT" sz="1400" dirty="0">
+                  <a:latin typeface="DINOT" panose="020B0504020101020102" pitchFamily="34" charset="77"/>
+                </a:rPr>
+                <a:t>B.S.</a:t>
+              </a:r>
+            </a:p>
+          </p:txBody>
+        </p:sp>
+        <p:sp>
+          <p:nvSpPr>
+            <p:cNvPr id="26" name="TextBox 25">
+              <a:extLst>
+                <a:ext uri="{FF2B5EF4-FFF2-40B4-BE49-F238E27FC236}">
+                  <a16:creationId xmlns:a16="http://schemas.microsoft.com/office/drawing/2014/main" id="{1F677114-4EAE-8579-AAB2-BE8E7B99242C}"/>
+                </a:ext>
+              </a:extLst>
+            </p:cNvPr>
+            <p:cNvSpPr txBox="1"/>
+            <p:nvPr/>
+          </p:nvSpPr>
+          <p:spPr>
+            <a:xfrm>
+              <a:off x="3448724" y="4955204"/>
+              <a:ext cx="545342" cy="369332"/>
+            </a:xfrm>
+            <a:prstGeom prst="rect">
+              <a:avLst/>
+            </a:prstGeom>
+            <a:noFill/>
+          </p:spPr>
+          <p:txBody>
+            <a:bodyPr wrap="none" rtlCol="0">
+              <a:spAutoFit/>
+            </a:bodyPr>
+            <a:lstStyle/>
+            <a:p>
+              <a:r>
+                <a:rPr lang="en-IT" dirty="0">
+                  <a:latin typeface="DINOT" panose="020B0504020101020102" pitchFamily="34" charset="77"/>
+                </a:rPr>
+                <a:t>738</a:t>
+              </a:r>
+            </a:p>
+          </p:txBody>
+        </p:sp>
+      </p:grpSp>
+      <p:grpSp>
+        <p:nvGrpSpPr>
+          <p:cNvPr id="35" name="Group 34">
+            <a:extLst>
+              <a:ext uri="{FF2B5EF4-FFF2-40B4-BE49-F238E27FC236}">
+                <a16:creationId xmlns:a16="http://schemas.microsoft.com/office/drawing/2014/main" id="{40C37876-43C6-B3A0-B3D8-5AF171CB87B8}"/>
+              </a:ext>
+            </a:extLst>
+          </p:cNvPr>
+          <p:cNvGrpSpPr/>
+          <p:nvPr/>
+        </p:nvGrpSpPr>
+        <p:grpSpPr>
+          <a:xfrm>
+            <a:off x="9231495" y="5013857"/>
+            <a:ext cx="1555073" cy="307777"/>
+            <a:chOff x="6624001" y="4166353"/>
+            <a:chExt cx="1555073" cy="307777"/>
+          </a:xfrm>
+        </p:grpSpPr>
+        <p:cxnSp>
+          <p:nvCxnSpPr>
+            <p:cNvPr id="27" name="Straight Arrow Connector 26">
+              <a:extLst>
+                <a:ext uri="{FF2B5EF4-FFF2-40B4-BE49-F238E27FC236}">
+                  <a16:creationId xmlns:a16="http://schemas.microsoft.com/office/drawing/2014/main" id="{97D95E15-0FD2-E5AD-B48A-0027CF879EF2}"/>
+                </a:ext>
+              </a:extLst>
+            </p:cNvPr>
+            <p:cNvCxnSpPr>
+              <a:cxnSpLocks/>
+              <a:stCxn id="32" idx="1"/>
+              <a:endCxn id="11" idx="3"/>
+            </p:cNvCxnSpPr>
+            <p:nvPr/>
+          </p:nvCxnSpPr>
+          <p:spPr>
+            <a:xfrm flipH="1">
+              <a:off x="6624001" y="4474130"/>
+              <a:ext cx="1555073" cy="0"/>
+            </a:xfrm>
+            <a:prstGeom prst="straightConnector1">
+              <a:avLst/>
+            </a:prstGeom>
+            <a:ln w="28575">
+              <a:tailEnd type="triangle"/>
+            </a:ln>
+          </p:spPr>
+          <p:style>
+            <a:lnRef idx="1">
+              <a:schemeClr val="dk1"/>
+            </a:lnRef>
+            <a:fillRef idx="0">
+              <a:schemeClr val="dk1"/>
+            </a:fillRef>
+            <a:effectRef idx="0">
+              <a:schemeClr val="dk1"/>
+            </a:effectRef>
+            <a:fontRef idx="minor">
+              <a:schemeClr val="tx1"/>
+            </a:fontRef>
+          </p:style>
+        </p:cxnSp>
+        <p:sp>
+          <p:nvSpPr>
+            <p:cNvPr id="28" name="TextBox 27">
+              <a:extLst>
+                <a:ext uri="{FF2B5EF4-FFF2-40B4-BE49-F238E27FC236}">
+                  <a16:creationId xmlns:a16="http://schemas.microsoft.com/office/drawing/2014/main" id="{2681CFE3-ED2F-1D68-4267-CDC08FE0F562}"/>
+                </a:ext>
+              </a:extLst>
+            </p:cNvPr>
+            <p:cNvSpPr txBox="1"/>
+            <p:nvPr/>
+          </p:nvSpPr>
+          <p:spPr>
+            <a:xfrm>
+              <a:off x="7024083" y="4166353"/>
+              <a:ext cx="886781" cy="307777"/>
+            </a:xfrm>
+            <a:prstGeom prst="rect">
+              <a:avLst/>
+            </a:prstGeom>
+            <a:noFill/>
+          </p:spPr>
+          <p:txBody>
+            <a:bodyPr wrap="none" rtlCol="0">
+              <a:spAutoFit/>
+            </a:bodyPr>
+            <a:lstStyle/>
+            <a:p>
+              <a:pPr algn="ctr"/>
+              <a:r>
+                <a:rPr lang="en-IT" sz="1400" dirty="0">
+                  <a:latin typeface="DINOT" panose="020B0504020101020102" pitchFamily="34" charset="77"/>
+                </a:rPr>
+                <a:t>Citations</a:t>
+              </a:r>
+            </a:p>
+          </p:txBody>
+        </p:sp>
+      </p:grpSp>
+      <p:grpSp>
+        <p:nvGrpSpPr>
+          <p:cNvPr id="31" name="Group 30">
+            <a:extLst>
+              <a:ext uri="{FF2B5EF4-FFF2-40B4-BE49-F238E27FC236}">
+                <a16:creationId xmlns:a16="http://schemas.microsoft.com/office/drawing/2014/main" id="{1E4938FF-09E8-A158-3549-6A93FF9F48B5}"/>
+              </a:ext>
+            </a:extLst>
+          </p:cNvPr>
+          <p:cNvGrpSpPr/>
+          <p:nvPr/>
+        </p:nvGrpSpPr>
+        <p:grpSpPr>
+          <a:xfrm>
+            <a:off x="10786568" y="4398302"/>
+            <a:ext cx="914400" cy="1773738"/>
+            <a:chOff x="3264195" y="3550798"/>
+            <a:chExt cx="914400" cy="1773738"/>
+          </a:xfrm>
+        </p:grpSpPr>
+        <p:pic>
+          <p:nvPicPr>
+            <p:cNvPr id="32" name="Graphic 31" descr="Document with solid fill">
+              <a:extLst>
+                <a:ext uri="{FF2B5EF4-FFF2-40B4-BE49-F238E27FC236}">
+                  <a16:creationId xmlns:a16="http://schemas.microsoft.com/office/drawing/2014/main" id="{CAF2480D-ACAA-BA00-460C-72465800CBE1}"/>
+                </a:ext>
+              </a:extLst>
+            </p:cNvPr>
+            <p:cNvPicPr>
+              <a:picLocks noChangeAspect="1"/>
+            </p:cNvPicPr>
+            <p:nvPr/>
+          </p:nvPicPr>
+          <p:blipFill>
+            <a:blip r:embed="rId3">
+              <a:extLst>
+                <a:ext uri="{96DAC541-7B7A-43D3-8B79-37D633B846F1}">
+                  <asvg:svgBlip xmlns:asvg="http://schemas.microsoft.com/office/drawing/2016/SVG/main" r:embed="rId5"/>
+                </a:ext>
+              </a:extLst>
+            </a:blip>
+            <a:stretch>
+              <a:fillRect/>
+            </a:stretch>
+          </p:blipFill>
+          <p:spPr>
+            <a:xfrm>
+              <a:off x="3264195" y="4016930"/>
+              <a:ext cx="914400" cy="914400"/>
+            </a:xfrm>
+            <a:prstGeom prst="rect">
+              <a:avLst/>
+            </a:prstGeom>
+          </p:spPr>
+        </p:pic>
+        <p:sp>
+          <p:nvSpPr>
+            <p:cNvPr id="33" name="TextBox 32">
+              <a:extLst>
+                <a:ext uri="{FF2B5EF4-FFF2-40B4-BE49-F238E27FC236}">
+                  <a16:creationId xmlns:a16="http://schemas.microsoft.com/office/drawing/2014/main" id="{D5140D18-FCEB-3AE6-6173-B2BA85157A99}"/>
+                </a:ext>
+              </a:extLst>
+            </p:cNvPr>
+            <p:cNvSpPr txBox="1"/>
+            <p:nvPr/>
+          </p:nvSpPr>
+          <p:spPr>
+            <a:xfrm>
+              <a:off x="3475975" y="3550798"/>
+              <a:ext cx="490840" cy="307777"/>
+            </a:xfrm>
+            <a:prstGeom prst="rect">
+              <a:avLst/>
+            </a:prstGeom>
+            <a:noFill/>
+          </p:spPr>
+          <p:txBody>
+            <a:bodyPr wrap="none" rtlCol="0">
+              <a:spAutoFit/>
+            </a:bodyPr>
+            <a:lstStyle/>
+            <a:p>
+              <a:pPr algn="ctr"/>
+              <a:r>
+                <a:rPr lang="en-IT" sz="1400" dirty="0">
+                  <a:latin typeface="DINOT" panose="020B0504020101020102" pitchFamily="34" charset="77"/>
+                </a:rPr>
+                <a:t>F.S.</a:t>
+              </a:r>
+            </a:p>
+          </p:txBody>
+        </p:sp>
+        <p:sp>
+          <p:nvSpPr>
+            <p:cNvPr id="34" name="TextBox 33">
+              <a:extLst>
+                <a:ext uri="{FF2B5EF4-FFF2-40B4-BE49-F238E27FC236}">
+                  <a16:creationId xmlns:a16="http://schemas.microsoft.com/office/drawing/2014/main" id="{2ECF8044-1CD1-0D9B-7B8B-DBC26F692294}"/>
+                </a:ext>
+              </a:extLst>
+            </p:cNvPr>
+            <p:cNvSpPr txBox="1"/>
+            <p:nvPr/>
+          </p:nvSpPr>
+          <p:spPr>
+            <a:xfrm>
+              <a:off x="3357919" y="4955204"/>
+              <a:ext cx="665567" cy="369332"/>
+            </a:xfrm>
+            <a:prstGeom prst="rect">
+              <a:avLst/>
+            </a:prstGeom>
+            <a:noFill/>
+          </p:spPr>
+          <p:txBody>
+            <a:bodyPr wrap="none" rtlCol="0">
+              <a:spAutoFit/>
+            </a:bodyPr>
+            <a:lstStyle/>
+            <a:p>
+              <a:r>
+                <a:rPr lang="en-IT" dirty="0">
+                  <a:latin typeface="DINOT" panose="020B0504020101020102" pitchFamily="34" charset="77"/>
+                </a:rPr>
+                <a:t>1147</a:t>
+              </a:r>
+            </a:p>
+          </p:txBody>
+        </p:sp>
+      </p:grpSp>
       <p:pic>
         <p:nvPicPr>
-          <p:cNvPr id="7" name="Picture 6" descr="A picture containing text, screenshot, font, number&#10;&#10;Description automatically generated">
+          <p:cNvPr id="45" name="Picture 44">
             <a:extLst>
               <a:ext uri="{FF2B5EF4-FFF2-40B4-BE49-F238E27FC236}">
-                <a16:creationId xmlns:a16="http://schemas.microsoft.com/office/drawing/2014/main" id="{6DE58D82-C9BD-5F66-41E0-EC62FAB513A6}"/>
+                <a16:creationId xmlns:a16="http://schemas.microsoft.com/office/drawing/2014/main" id="{CF18A060-447D-0EAE-540A-DC3E4489F31E}"/>
               </a:ext>
             </a:extLst>
           </p:cNvPr>
@@ -10472,21 +16418,251 @@
           <p:nvPr/>
         </p:nvPicPr>
         <p:blipFill>
-          <a:blip r:embed="rId3"/>
+          <a:blip r:embed="rId6"/>
           <a:stretch>
             <a:fillRect/>
           </a:stretch>
         </p:blipFill>
         <p:spPr>
           <a:xfrm>
-            <a:off x="6368902" y="3253415"/>
-            <a:ext cx="5549162" cy="3437248"/>
+            <a:off x="1992178" y="3722557"/>
+            <a:ext cx="7480345" cy="347268"/>
           </a:xfrm>
           <a:prstGeom prst="rect">
             <a:avLst/>
           </a:prstGeom>
         </p:spPr>
       </p:pic>
+      <p:cxnSp>
+        <p:nvCxnSpPr>
+          <p:cNvPr id="47" name="Straight Connector 46">
+            <a:extLst>
+              <a:ext uri="{FF2B5EF4-FFF2-40B4-BE49-F238E27FC236}">
+                <a16:creationId xmlns:a16="http://schemas.microsoft.com/office/drawing/2014/main" id="{4236F213-14AD-0CC3-80A5-0263D1DF1BC1}"/>
+              </a:ext>
+            </a:extLst>
+          </p:cNvPr>
+          <p:cNvCxnSpPr>
+            <a:cxnSpLocks/>
+            <a:stCxn id="26" idx="3"/>
+            <a:endCxn id="26" idx="1"/>
+          </p:cNvCxnSpPr>
+          <p:nvPr/>
+        </p:nvCxnSpPr>
+        <p:spPr>
+          <a:xfrm flipH="1">
+            <a:off x="5971157" y="5987374"/>
+            <a:ext cx="545342" cy="0"/>
+          </a:xfrm>
+          <a:prstGeom prst="line">
+            <a:avLst/>
+          </a:prstGeom>
+          <a:ln w="28575"/>
+        </p:spPr>
+        <p:style>
+          <a:lnRef idx="1">
+            <a:schemeClr val="dk1"/>
+          </a:lnRef>
+          <a:fillRef idx="0">
+            <a:schemeClr val="dk1"/>
+          </a:fillRef>
+          <a:effectRef idx="0">
+            <a:schemeClr val="dk1"/>
+          </a:effectRef>
+          <a:fontRef idx="minor">
+            <a:schemeClr val="tx1"/>
+          </a:fontRef>
+        </p:style>
+      </p:cxnSp>
+      <p:cxnSp>
+        <p:nvCxnSpPr>
+          <p:cNvPr id="49" name="Straight Connector 48">
+            <a:extLst>
+              <a:ext uri="{FF2B5EF4-FFF2-40B4-BE49-F238E27FC236}">
+                <a16:creationId xmlns:a16="http://schemas.microsoft.com/office/drawing/2014/main" id="{56F24D47-81CF-F4BF-1C92-97B85D0E7DDA}"/>
+              </a:ext>
+            </a:extLst>
+          </p:cNvPr>
+          <p:cNvCxnSpPr>
+            <a:cxnSpLocks/>
+            <a:stCxn id="34" idx="3"/>
+            <a:endCxn id="34" idx="1"/>
+          </p:cNvCxnSpPr>
+          <p:nvPr/>
+        </p:nvCxnSpPr>
+        <p:spPr>
+          <a:xfrm flipH="1">
+            <a:off x="10880292" y="5987374"/>
+            <a:ext cx="665567" cy="0"/>
+          </a:xfrm>
+          <a:prstGeom prst="line">
+            <a:avLst/>
+          </a:prstGeom>
+          <a:ln w="28575"/>
+        </p:spPr>
+        <p:style>
+          <a:lnRef idx="1">
+            <a:schemeClr val="dk1"/>
+          </a:lnRef>
+          <a:fillRef idx="0">
+            <a:schemeClr val="dk1"/>
+          </a:fillRef>
+          <a:effectRef idx="0">
+            <a:schemeClr val="dk1"/>
+          </a:effectRef>
+          <a:fontRef idx="minor">
+            <a:schemeClr val="tx1"/>
+          </a:fontRef>
+        </p:style>
+      </p:cxnSp>
+      <p:sp>
+        <p:nvSpPr>
+          <p:cNvPr id="50" name="TextBox 49">
+            <a:extLst>
+              <a:ext uri="{FF2B5EF4-FFF2-40B4-BE49-F238E27FC236}">
+                <a16:creationId xmlns:a16="http://schemas.microsoft.com/office/drawing/2014/main" id="{F6DDA45E-C4AD-D110-A78D-7327A3F1E4CB}"/>
+              </a:ext>
+            </a:extLst>
+          </p:cNvPr>
+          <p:cNvSpPr txBox="1"/>
+          <p:nvPr/>
+        </p:nvSpPr>
+        <p:spPr>
+          <a:xfrm>
+            <a:off x="5963943" y="6149147"/>
+            <a:ext cx="559769" cy="369332"/>
+          </a:xfrm>
+          <a:prstGeom prst="rect">
+            <a:avLst/>
+          </a:prstGeom>
+          <a:noFill/>
+        </p:spPr>
+        <p:txBody>
+          <a:bodyPr wrap="none" rtlCol="0">
+            <a:spAutoFit/>
+          </a:bodyPr>
+          <a:lstStyle/>
+          <a:p>
+            <a:r>
+              <a:rPr lang="en-IT" dirty="0">
+                <a:latin typeface="DINOT" panose="020B0504020101020102" pitchFamily="34" charset="77"/>
+              </a:rPr>
+              <a:t>160</a:t>
+            </a:r>
+          </a:p>
+        </p:txBody>
+      </p:sp>
+      <p:sp>
+        <p:nvSpPr>
+          <p:cNvPr id="51" name="TextBox 50">
+            <a:extLst>
+              <a:ext uri="{FF2B5EF4-FFF2-40B4-BE49-F238E27FC236}">
+                <a16:creationId xmlns:a16="http://schemas.microsoft.com/office/drawing/2014/main" id="{CAF00CBA-E2BF-31A1-771B-AE43ABAEEF49}"/>
+              </a:ext>
+            </a:extLst>
+          </p:cNvPr>
+          <p:cNvSpPr txBox="1"/>
+          <p:nvPr/>
+        </p:nvSpPr>
+        <p:spPr>
+          <a:xfrm>
+            <a:off x="10971097" y="6149147"/>
+            <a:ext cx="545342" cy="369332"/>
+          </a:xfrm>
+          <a:prstGeom prst="rect">
+            <a:avLst/>
+          </a:prstGeom>
+          <a:noFill/>
+        </p:spPr>
+        <p:txBody>
+          <a:bodyPr wrap="none" rtlCol="0">
+            <a:spAutoFit/>
+          </a:bodyPr>
+          <a:lstStyle/>
+          <a:p>
+            <a:r>
+              <a:rPr lang="en-IT" dirty="0">
+                <a:latin typeface="DINOT" panose="020B0504020101020102" pitchFamily="34" charset="77"/>
+              </a:rPr>
+              <a:t>358</a:t>
+            </a:r>
+          </a:p>
+        </p:txBody>
+      </p:sp>
+      <p:sp>
+        <p:nvSpPr>
+          <p:cNvPr id="52" name="TextBox 51">
+            <a:extLst>
+              <a:ext uri="{FF2B5EF4-FFF2-40B4-BE49-F238E27FC236}">
+                <a16:creationId xmlns:a16="http://schemas.microsoft.com/office/drawing/2014/main" id="{17325811-172E-4F9A-DB71-387D1E95C676}"/>
+              </a:ext>
+            </a:extLst>
+          </p:cNvPr>
+          <p:cNvSpPr txBox="1"/>
+          <p:nvPr/>
+        </p:nvSpPr>
+        <p:spPr>
+          <a:xfrm>
+            <a:off x="11029519" y="6149146"/>
+            <a:ext cx="425116" cy="369332"/>
+          </a:xfrm>
+          <a:prstGeom prst="rect">
+            <a:avLst/>
+          </a:prstGeom>
+          <a:noFill/>
+        </p:spPr>
+        <p:txBody>
+          <a:bodyPr wrap="none" rtlCol="0">
+            <a:spAutoFit/>
+          </a:bodyPr>
+          <a:lstStyle/>
+          <a:p>
+            <a:r>
+              <a:rPr lang="en-IT" dirty="0">
+                <a:latin typeface="DINOT" panose="020B0504020101020102" pitchFamily="34" charset="77"/>
+              </a:rPr>
+              <a:t>58</a:t>
+            </a:r>
+          </a:p>
+        </p:txBody>
+      </p:sp>
+      <p:sp>
+        <p:nvSpPr>
+          <p:cNvPr id="53" name="TextBox 52">
+            <a:extLst>
+              <a:ext uri="{FF2B5EF4-FFF2-40B4-BE49-F238E27FC236}">
+                <a16:creationId xmlns:a16="http://schemas.microsoft.com/office/drawing/2014/main" id="{80D42B5E-41AC-6DC4-B6BD-4EDF0FBF81D0}"/>
+              </a:ext>
+            </a:extLst>
+          </p:cNvPr>
+          <p:cNvSpPr txBox="1"/>
+          <p:nvPr/>
+        </p:nvSpPr>
+        <p:spPr>
+          <a:xfrm>
+            <a:off x="6031269" y="6151668"/>
+            <a:ext cx="425116" cy="369332"/>
+          </a:xfrm>
+          <a:prstGeom prst="rect">
+            <a:avLst/>
+          </a:prstGeom>
+          <a:noFill/>
+        </p:spPr>
+        <p:txBody>
+          <a:bodyPr wrap="none" rtlCol="0">
+            <a:spAutoFit/>
+          </a:bodyPr>
+          <a:lstStyle/>
+          <a:p>
+            <a:r>
+              <a:rPr lang="en-IT" dirty="0">
+                <a:latin typeface="DINOT" panose="020B0504020101020102" pitchFamily="34" charset="77"/>
+              </a:rPr>
+              <a:t>23</a:t>
+            </a:r>
+          </a:p>
+        </p:txBody>
+      </p:sp>
     </p:spTree>
     <p:extLst>
       <p:ext uri="{BB962C8B-B14F-4D97-AF65-F5344CB8AC3E}">
@@ -10497,6 +16673,609 @@
   <p:clrMapOvr>
     <a:masterClrMapping/>
   </p:clrMapOvr>
+  <p:timing>
+    <p:tnLst>
+      <p:par>
+        <p:cTn id="1" dur="indefinite" restart="never" nodeType="tmRoot">
+          <p:childTnLst>
+            <p:seq concurrent="1" nextAc="seek">
+              <p:cTn id="2" dur="indefinite" nodeType="mainSeq">
+                <p:childTnLst>
+                  <p:par>
+                    <p:cTn id="3" fill="hold">
+                      <p:stCondLst>
+                        <p:cond delay="indefinite"/>
+                      </p:stCondLst>
+                      <p:childTnLst>
+                        <p:par>
+                          <p:cTn id="4" fill="hold">
+                            <p:stCondLst>
+                              <p:cond delay="0"/>
+                            </p:stCondLst>
+                            <p:childTnLst>
+                              <p:par>
+                                <p:cTn id="5" presetID="1" presetClass="entr" presetSubtype="0" fill="hold" nodeType="clickEffect">
+                                  <p:stCondLst>
+                                    <p:cond delay="0"/>
+                                  </p:stCondLst>
+                                  <p:childTnLst>
+                                    <p:set>
+                                      <p:cBhvr>
+                                        <p:cTn id="6" dur="1" fill="hold">
+                                          <p:stCondLst>
+                                            <p:cond delay="0"/>
+                                          </p:stCondLst>
+                                        </p:cTn>
+                                        <p:tgtEl>
+                                          <p:spTgt spid="6">
+                                            <p:txEl>
+                                              <p:pRg st="1" end="1"/>
+                                            </p:txEl>
+                                          </p:spTgt>
+                                        </p:tgtEl>
+                                        <p:attrNameLst>
+                                          <p:attrName>style.visibility</p:attrName>
+                                        </p:attrNameLst>
+                                      </p:cBhvr>
+                                      <p:to>
+                                        <p:strVal val="visible"/>
+                                      </p:to>
+                                    </p:set>
+                                  </p:childTnLst>
+                                </p:cTn>
+                              </p:par>
+                              <p:par>
+                                <p:cTn id="7" presetID="1" presetClass="entr" presetSubtype="0" fill="hold" nodeType="withEffect">
+                                  <p:stCondLst>
+                                    <p:cond delay="0"/>
+                                  </p:stCondLst>
+                                  <p:childTnLst>
+                                    <p:set>
+                                      <p:cBhvr>
+                                        <p:cTn id="8" dur="1" fill="hold">
+                                          <p:stCondLst>
+                                            <p:cond delay="0"/>
+                                          </p:stCondLst>
+                                        </p:cTn>
+                                        <p:tgtEl>
+                                          <p:spTgt spid="30"/>
+                                        </p:tgtEl>
+                                        <p:attrNameLst>
+                                          <p:attrName>style.visibility</p:attrName>
+                                        </p:attrNameLst>
+                                      </p:cBhvr>
+                                      <p:to>
+                                        <p:strVal val="visible"/>
+                                      </p:to>
+                                    </p:set>
+                                  </p:childTnLst>
+                                </p:cTn>
+                              </p:par>
+                              <p:par>
+                                <p:cTn id="9" presetID="1" presetClass="entr" presetSubtype="0" fill="hold" nodeType="withEffect">
+                                  <p:stCondLst>
+                                    <p:cond delay="0"/>
+                                  </p:stCondLst>
+                                  <p:childTnLst>
+                                    <p:set>
+                                      <p:cBhvr>
+                                        <p:cTn id="10" dur="1" fill="hold">
+                                          <p:stCondLst>
+                                            <p:cond delay="0"/>
+                                          </p:stCondLst>
+                                        </p:cTn>
+                                        <p:tgtEl>
+                                          <p:spTgt spid="42"/>
+                                        </p:tgtEl>
+                                        <p:attrNameLst>
+                                          <p:attrName>style.visibility</p:attrName>
+                                        </p:attrNameLst>
+                                      </p:cBhvr>
+                                      <p:to>
+                                        <p:strVal val="visible"/>
+                                      </p:to>
+                                    </p:set>
+                                  </p:childTnLst>
+                                </p:cTn>
+                              </p:par>
+                            </p:childTnLst>
+                          </p:cTn>
+                        </p:par>
+                      </p:childTnLst>
+                    </p:cTn>
+                  </p:par>
+                  <p:par>
+                    <p:cTn id="11" fill="hold">
+                      <p:stCondLst>
+                        <p:cond delay="indefinite"/>
+                      </p:stCondLst>
+                      <p:childTnLst>
+                        <p:par>
+                          <p:cTn id="12" fill="hold">
+                            <p:stCondLst>
+                              <p:cond delay="0"/>
+                            </p:stCondLst>
+                            <p:childTnLst>
+                              <p:par>
+                                <p:cTn id="13" presetID="1" presetClass="entr" presetSubtype="0" fill="hold" nodeType="clickEffect">
+                                  <p:stCondLst>
+                                    <p:cond delay="0"/>
+                                  </p:stCondLst>
+                                  <p:childTnLst>
+                                    <p:set>
+                                      <p:cBhvr>
+                                        <p:cTn id="14" dur="1" fill="hold">
+                                          <p:stCondLst>
+                                            <p:cond delay="0"/>
+                                          </p:stCondLst>
+                                        </p:cTn>
+                                        <p:tgtEl>
+                                          <p:spTgt spid="6">
+                                            <p:txEl>
+                                              <p:pRg st="2" end="2"/>
+                                            </p:txEl>
+                                          </p:spTgt>
+                                        </p:tgtEl>
+                                        <p:attrNameLst>
+                                          <p:attrName>style.visibility</p:attrName>
+                                        </p:attrNameLst>
+                                      </p:cBhvr>
+                                      <p:to>
+                                        <p:strVal val="visible"/>
+                                      </p:to>
+                                    </p:set>
+                                  </p:childTnLst>
+                                </p:cTn>
+                              </p:par>
+                              <p:par>
+                                <p:cTn id="15" presetID="1" presetClass="entr" presetSubtype="0" fill="hold" nodeType="withEffect">
+                                  <p:stCondLst>
+                                    <p:cond delay="0"/>
+                                  </p:stCondLst>
+                                  <p:childTnLst>
+                                    <p:set>
+                                      <p:cBhvr>
+                                        <p:cTn id="16" dur="1" fill="hold">
+                                          <p:stCondLst>
+                                            <p:cond delay="0"/>
+                                          </p:stCondLst>
+                                        </p:cTn>
+                                        <p:tgtEl>
+                                          <p:spTgt spid="35"/>
+                                        </p:tgtEl>
+                                        <p:attrNameLst>
+                                          <p:attrName>style.visibility</p:attrName>
+                                        </p:attrNameLst>
+                                      </p:cBhvr>
+                                      <p:to>
+                                        <p:strVal val="visible"/>
+                                      </p:to>
+                                    </p:set>
+                                  </p:childTnLst>
+                                </p:cTn>
+                              </p:par>
+                              <p:par>
+                                <p:cTn id="17" presetID="1" presetClass="entr" presetSubtype="0" fill="hold" nodeType="withEffect">
+                                  <p:stCondLst>
+                                    <p:cond delay="0"/>
+                                  </p:stCondLst>
+                                  <p:childTnLst>
+                                    <p:set>
+                                      <p:cBhvr>
+                                        <p:cTn id="18" dur="1" fill="hold">
+                                          <p:stCondLst>
+                                            <p:cond delay="0"/>
+                                          </p:stCondLst>
+                                        </p:cTn>
+                                        <p:tgtEl>
+                                          <p:spTgt spid="31"/>
+                                        </p:tgtEl>
+                                        <p:attrNameLst>
+                                          <p:attrName>style.visibility</p:attrName>
+                                        </p:attrNameLst>
+                                      </p:cBhvr>
+                                      <p:to>
+                                        <p:strVal val="visible"/>
+                                      </p:to>
+                                    </p:set>
+                                  </p:childTnLst>
+                                </p:cTn>
+                              </p:par>
+                            </p:childTnLst>
+                          </p:cTn>
+                        </p:par>
+                      </p:childTnLst>
+                    </p:cTn>
+                  </p:par>
+                  <p:par>
+                    <p:cTn id="19" fill="hold">
+                      <p:stCondLst>
+                        <p:cond delay="indefinite"/>
+                      </p:stCondLst>
+                      <p:childTnLst>
+                        <p:par>
+                          <p:cTn id="20" fill="hold">
+                            <p:stCondLst>
+                              <p:cond delay="0"/>
+                            </p:stCondLst>
+                            <p:childTnLst>
+                              <p:par>
+                                <p:cTn id="21" presetID="1" presetClass="entr" presetSubtype="0" fill="hold" nodeType="clickEffect">
+                                  <p:stCondLst>
+                                    <p:cond delay="0"/>
+                                  </p:stCondLst>
+                                  <p:childTnLst>
+                                    <p:set>
+                                      <p:cBhvr>
+                                        <p:cTn id="22" dur="1" fill="hold">
+                                          <p:stCondLst>
+                                            <p:cond delay="0"/>
+                                          </p:stCondLst>
+                                        </p:cTn>
+                                        <p:tgtEl>
+                                          <p:spTgt spid="6">
+                                            <p:txEl>
+                                              <p:pRg st="4" end="4"/>
+                                            </p:txEl>
+                                          </p:spTgt>
+                                        </p:tgtEl>
+                                        <p:attrNameLst>
+                                          <p:attrName>style.visibility</p:attrName>
+                                        </p:attrNameLst>
+                                      </p:cBhvr>
+                                      <p:to>
+                                        <p:strVal val="visible"/>
+                                      </p:to>
+                                    </p:set>
+                                  </p:childTnLst>
+                                </p:cTn>
+                              </p:par>
+                            </p:childTnLst>
+                          </p:cTn>
+                        </p:par>
+                      </p:childTnLst>
+                    </p:cTn>
+                  </p:par>
+                  <p:par>
+                    <p:cTn id="23" fill="hold">
+                      <p:stCondLst>
+                        <p:cond delay="indefinite"/>
+                      </p:stCondLst>
+                      <p:childTnLst>
+                        <p:par>
+                          <p:cTn id="24" fill="hold">
+                            <p:stCondLst>
+                              <p:cond delay="0"/>
+                            </p:stCondLst>
+                            <p:childTnLst>
+                              <p:par>
+                                <p:cTn id="25" presetID="1" presetClass="entr" presetSubtype="0" fill="hold" nodeType="clickEffect">
+                                  <p:stCondLst>
+                                    <p:cond delay="0"/>
+                                  </p:stCondLst>
+                                  <p:childTnLst>
+                                    <p:set>
+                                      <p:cBhvr>
+                                        <p:cTn id="26" dur="1" fill="hold">
+                                          <p:stCondLst>
+                                            <p:cond delay="0"/>
+                                          </p:stCondLst>
+                                        </p:cTn>
+                                        <p:tgtEl>
+                                          <p:spTgt spid="45"/>
+                                        </p:tgtEl>
+                                        <p:attrNameLst>
+                                          <p:attrName>style.visibility</p:attrName>
+                                        </p:attrNameLst>
+                                      </p:cBhvr>
+                                      <p:to>
+                                        <p:strVal val="visible"/>
+                                      </p:to>
+                                    </p:set>
+                                  </p:childTnLst>
+                                </p:cTn>
+                              </p:par>
+                              <p:par>
+                                <p:cTn id="27" presetID="1" presetClass="entr" presetSubtype="0" fill="hold" nodeType="withEffect">
+                                  <p:stCondLst>
+                                    <p:cond delay="0"/>
+                                  </p:stCondLst>
+                                  <p:childTnLst>
+                                    <p:set>
+                                      <p:cBhvr>
+                                        <p:cTn id="28" dur="1" fill="hold">
+                                          <p:stCondLst>
+                                            <p:cond delay="0"/>
+                                          </p:stCondLst>
+                                        </p:cTn>
+                                        <p:tgtEl>
+                                          <p:spTgt spid="49"/>
+                                        </p:tgtEl>
+                                        <p:attrNameLst>
+                                          <p:attrName>style.visibility</p:attrName>
+                                        </p:attrNameLst>
+                                      </p:cBhvr>
+                                      <p:to>
+                                        <p:strVal val="visible"/>
+                                      </p:to>
+                                    </p:set>
+                                  </p:childTnLst>
+                                </p:cTn>
+                              </p:par>
+                              <p:par>
+                                <p:cTn id="29" presetID="1" presetClass="entr" presetSubtype="0" fill="hold" nodeType="withEffect">
+                                  <p:stCondLst>
+                                    <p:cond delay="0"/>
+                                  </p:stCondLst>
+                                  <p:childTnLst>
+                                    <p:set>
+                                      <p:cBhvr>
+                                        <p:cTn id="30" dur="1" fill="hold">
+                                          <p:stCondLst>
+                                            <p:cond delay="0"/>
+                                          </p:stCondLst>
+                                        </p:cTn>
+                                        <p:tgtEl>
+                                          <p:spTgt spid="47"/>
+                                        </p:tgtEl>
+                                        <p:attrNameLst>
+                                          <p:attrName>style.visibility</p:attrName>
+                                        </p:attrNameLst>
+                                      </p:cBhvr>
+                                      <p:to>
+                                        <p:strVal val="visible"/>
+                                      </p:to>
+                                    </p:set>
+                                  </p:childTnLst>
+                                </p:cTn>
+                              </p:par>
+                              <p:par>
+                                <p:cTn id="31" presetID="1" presetClass="entr" presetSubtype="0" fill="hold" grpId="0" nodeType="withEffect">
+                                  <p:stCondLst>
+                                    <p:cond delay="0"/>
+                                  </p:stCondLst>
+                                  <p:childTnLst>
+                                    <p:set>
+                                      <p:cBhvr>
+                                        <p:cTn id="32" dur="1" fill="hold">
+                                          <p:stCondLst>
+                                            <p:cond delay="0"/>
+                                          </p:stCondLst>
+                                        </p:cTn>
+                                        <p:tgtEl>
+                                          <p:spTgt spid="51"/>
+                                        </p:tgtEl>
+                                        <p:attrNameLst>
+                                          <p:attrName>style.visibility</p:attrName>
+                                        </p:attrNameLst>
+                                      </p:cBhvr>
+                                      <p:to>
+                                        <p:strVal val="visible"/>
+                                      </p:to>
+                                    </p:set>
+                                  </p:childTnLst>
+                                </p:cTn>
+                              </p:par>
+                              <p:par>
+                                <p:cTn id="33" presetID="1" presetClass="entr" presetSubtype="0" fill="hold" grpId="0" nodeType="withEffect">
+                                  <p:stCondLst>
+                                    <p:cond delay="0"/>
+                                  </p:stCondLst>
+                                  <p:childTnLst>
+                                    <p:set>
+                                      <p:cBhvr>
+                                        <p:cTn id="34" dur="1" fill="hold">
+                                          <p:stCondLst>
+                                            <p:cond delay="0"/>
+                                          </p:stCondLst>
+                                        </p:cTn>
+                                        <p:tgtEl>
+                                          <p:spTgt spid="50"/>
+                                        </p:tgtEl>
+                                        <p:attrNameLst>
+                                          <p:attrName>style.visibility</p:attrName>
+                                        </p:attrNameLst>
+                                      </p:cBhvr>
+                                      <p:to>
+                                        <p:strVal val="visible"/>
+                                      </p:to>
+                                    </p:set>
+                                  </p:childTnLst>
+                                </p:cTn>
+                              </p:par>
+                            </p:childTnLst>
+                          </p:cTn>
+                        </p:par>
+                      </p:childTnLst>
+                    </p:cTn>
+                  </p:par>
+                  <p:par>
+                    <p:cTn id="35" fill="hold">
+                      <p:stCondLst>
+                        <p:cond delay="indefinite"/>
+                      </p:stCondLst>
+                      <p:childTnLst>
+                        <p:par>
+                          <p:cTn id="36" fill="hold">
+                            <p:stCondLst>
+                              <p:cond delay="0"/>
+                            </p:stCondLst>
+                            <p:childTnLst>
+                              <p:par>
+                                <p:cTn id="37" presetID="1" presetClass="entr" presetSubtype="0" fill="hold" nodeType="clickEffect">
+                                  <p:stCondLst>
+                                    <p:cond delay="0"/>
+                                  </p:stCondLst>
+                                  <p:childTnLst>
+                                    <p:set>
+                                      <p:cBhvr>
+                                        <p:cTn id="38" dur="1" fill="hold">
+                                          <p:stCondLst>
+                                            <p:cond delay="0"/>
+                                          </p:stCondLst>
+                                        </p:cTn>
+                                        <p:tgtEl>
+                                          <p:spTgt spid="6">
+                                            <p:txEl>
+                                              <p:pRg st="7" end="7"/>
+                                            </p:txEl>
+                                          </p:spTgt>
+                                        </p:tgtEl>
+                                        <p:attrNameLst>
+                                          <p:attrName>style.visibility</p:attrName>
+                                        </p:attrNameLst>
+                                      </p:cBhvr>
+                                      <p:to>
+                                        <p:strVal val="visible"/>
+                                      </p:to>
+                                    </p:set>
+                                  </p:childTnLst>
+                                </p:cTn>
+                              </p:par>
+                              <p:par>
+                                <p:cTn id="39" presetID="1" presetClass="exit" presetSubtype="0" fill="hold" grpId="1" nodeType="withEffect">
+                                  <p:stCondLst>
+                                    <p:cond delay="0"/>
+                                  </p:stCondLst>
+                                  <p:childTnLst>
+                                    <p:set>
+                                      <p:cBhvr>
+                                        <p:cTn id="40" dur="1" fill="hold">
+                                          <p:stCondLst>
+                                            <p:cond delay="0"/>
+                                          </p:stCondLst>
+                                        </p:cTn>
+                                        <p:tgtEl>
+                                          <p:spTgt spid="50"/>
+                                        </p:tgtEl>
+                                        <p:attrNameLst>
+                                          <p:attrName>style.visibility</p:attrName>
+                                        </p:attrNameLst>
+                                      </p:cBhvr>
+                                      <p:to>
+                                        <p:strVal val="hidden"/>
+                                      </p:to>
+                                    </p:set>
+                                  </p:childTnLst>
+                                </p:cTn>
+                              </p:par>
+                              <p:par>
+                                <p:cTn id="41" presetID="1" presetClass="exit" presetSubtype="0" fill="hold" grpId="1" nodeType="withEffect">
+                                  <p:stCondLst>
+                                    <p:cond delay="0"/>
+                                  </p:stCondLst>
+                                  <p:childTnLst>
+                                    <p:set>
+                                      <p:cBhvr>
+                                        <p:cTn id="42" dur="1" fill="hold">
+                                          <p:stCondLst>
+                                            <p:cond delay="0"/>
+                                          </p:stCondLst>
+                                        </p:cTn>
+                                        <p:tgtEl>
+                                          <p:spTgt spid="51"/>
+                                        </p:tgtEl>
+                                        <p:attrNameLst>
+                                          <p:attrName>style.visibility</p:attrName>
+                                        </p:attrNameLst>
+                                      </p:cBhvr>
+                                      <p:to>
+                                        <p:strVal val="hidden"/>
+                                      </p:to>
+                                    </p:set>
+                                  </p:childTnLst>
+                                </p:cTn>
+                              </p:par>
+                              <p:par>
+                                <p:cTn id="43" presetID="1" presetClass="entr" presetSubtype="0" fill="hold" grpId="0" nodeType="withEffect">
+                                  <p:stCondLst>
+                                    <p:cond delay="0"/>
+                                  </p:stCondLst>
+                                  <p:childTnLst>
+                                    <p:set>
+                                      <p:cBhvr>
+                                        <p:cTn id="44" dur="1" fill="hold">
+                                          <p:stCondLst>
+                                            <p:cond delay="0"/>
+                                          </p:stCondLst>
+                                        </p:cTn>
+                                        <p:tgtEl>
+                                          <p:spTgt spid="52"/>
+                                        </p:tgtEl>
+                                        <p:attrNameLst>
+                                          <p:attrName>style.visibility</p:attrName>
+                                        </p:attrNameLst>
+                                      </p:cBhvr>
+                                      <p:to>
+                                        <p:strVal val="visible"/>
+                                      </p:to>
+                                    </p:set>
+                                  </p:childTnLst>
+                                </p:cTn>
+                              </p:par>
+                              <p:par>
+                                <p:cTn id="45" presetID="1" presetClass="entr" presetSubtype="0" fill="hold" grpId="0" nodeType="withEffect">
+                                  <p:stCondLst>
+                                    <p:cond delay="0"/>
+                                  </p:stCondLst>
+                                  <p:childTnLst>
+                                    <p:set>
+                                      <p:cBhvr>
+                                        <p:cTn id="46" dur="1" fill="hold">
+                                          <p:stCondLst>
+                                            <p:cond delay="0"/>
+                                          </p:stCondLst>
+                                        </p:cTn>
+                                        <p:tgtEl>
+                                          <p:spTgt spid="53"/>
+                                        </p:tgtEl>
+                                        <p:attrNameLst>
+                                          <p:attrName>style.visibility</p:attrName>
+                                        </p:attrNameLst>
+                                      </p:cBhvr>
+                                      <p:to>
+                                        <p:strVal val="visible"/>
+                                      </p:to>
+                                    </p:set>
+                                  </p:childTnLst>
+                                </p:cTn>
+                              </p:par>
+                            </p:childTnLst>
+                          </p:cTn>
+                        </p:par>
+                      </p:childTnLst>
+                    </p:cTn>
+                  </p:par>
+                </p:childTnLst>
+              </p:cTn>
+              <p:prevCondLst>
+                <p:cond evt="onPrev" delay="0">
+                  <p:tgtEl>
+                    <p:sldTgt/>
+                  </p:tgtEl>
+                </p:cond>
+              </p:prevCondLst>
+              <p:nextCondLst>
+                <p:cond evt="onNext" delay="0">
+                  <p:tgtEl>
+                    <p:sldTgt/>
+                  </p:tgtEl>
+                </p:cond>
+              </p:nextCondLst>
+            </p:seq>
+          </p:childTnLst>
+        </p:cTn>
+      </p:par>
+    </p:tnLst>
+    <p:bldLst>
+      <p:bldP spid="50" grpId="0"/>
+      <p:bldP spid="50" grpId="1"/>
+      <p:bldP spid="51" grpId="0"/>
+      <p:bldP spid="51" grpId="1"/>
+      <p:bldP spid="52" grpId="0"/>
+      <p:bldP spid="53" grpId="0"/>
+    </p:bldLst>
+  </p:timing>
 </p:sld>
 </file>
 
